--- a/0.组会记录/2024-10-17/report-2024-10-10.pptx
+++ b/0.组会记录/2024-10-17/report-2024-10-10.pptx
@@ -8971,7 +8971,7 @@
                 <a:latin typeface="微软雅黑" panose="020B0503020204020204" charset="-122"/>
                 <a:ea typeface="微软雅黑" panose="020B0503020204020204" charset="-122"/>
               </a:rPr>
-              <a:t>学习吴恩达</a:t>
+              <a:t>学习吴恩达卷积进阶课</a:t>
             </a:r>
             <a:endParaRPr lang="zh-CN" altLang="en-US" sz="1600" dirty="0">
               <a:solidFill>

--- a/0.组会记录/2024-10-17/report-2024-10-10.pptx
+++ b/0.组会记录/2024-10-17/report-2024-10-10.pptx
@@ -8941,7 +8941,7 @@
         <p:spPr>
           <a:xfrm>
             <a:off x="979170" y="1513840"/>
-            <a:ext cx="5435600" cy="5110480"/>
+            <a:ext cx="2676525" cy="5110480"/>
           </a:xfrm>
           <a:prstGeom prst="rect">
             <a:avLst/>
@@ -9281,6 +9281,30 @@
           </a:p>
         </p:txBody>
       </p:sp>
+      <p:pic>
+        <p:nvPicPr>
+          <p:cNvPr id="6" name="图片 5" descr="scores_ecg2"/>
+          <p:cNvPicPr>
+            <a:picLocks noChangeAspect="1"/>
+          </p:cNvPicPr>
+          <p:nvPr/>
+        </p:nvPicPr>
+        <p:blipFill>
+          <a:blip r:embed="rId3"/>
+          <a:stretch>
+            <a:fillRect/>
+          </a:stretch>
+        </p:blipFill>
+        <p:spPr>
+          <a:xfrm>
+            <a:off x="3858895" y="539750"/>
+            <a:ext cx="8216265" cy="2739390"/>
+          </a:xfrm>
+          <a:prstGeom prst="rect">
+            <a:avLst/>
+          </a:prstGeom>
+        </p:spPr>
+      </p:pic>
     </p:spTree>
   </p:cSld>
   <p:clrMapOvr>

--- a/0.组会记录/2024-10-17/report-2024-10-10.pptx
+++ b/0.组会记录/2024-10-17/report-2024-10-10.pptx
@@ -16,13 +16,15 @@
     <p:sldId id="1364" r:id="rId9"/>
     <p:sldId id="1360" r:id="rId10"/>
     <p:sldId id="1365" r:id="rId11"/>
-    <p:sldId id="1358" r:id="rId12"/>
-    <p:sldId id="1356" r:id="rId13"/>
+    <p:sldId id="1369" r:id="rId12"/>
+    <p:sldId id="1370" r:id="rId13"/>
+    <p:sldId id="1358" r:id="rId14"/>
+    <p:sldId id="1356" r:id="rId15"/>
   </p:sldIdLst>
   <p:sldSz cx="12192000" cy="6858000"/>
   <p:notesSz cx="6858000" cy="9144000"/>
   <p:custDataLst>
-    <p:tags r:id="rId18"/>
+    <p:tags r:id="rId20"/>
   </p:custDataLst>
   <p:defaultTextStyle>
     <a:defPPr>
@@ -866,6 +868,84 @@
 </file>
 
 <file path=ppt/notesSlides/notesSlide6.xml><?xml version="1.0" encoding="utf-8"?>
+<p:notes xmlns:a="http://schemas.openxmlformats.org/drawingml/2006/main" xmlns:r="http://schemas.openxmlformats.org/officeDocument/2006/relationships" xmlns:p="http://schemas.openxmlformats.org/presentationml/2006/main">
+  <p:cSld>
+    <p:spTree>
+      <p:nvGrpSpPr>
+        <p:cNvPr id="1" name=""/>
+        <p:cNvGrpSpPr/>
+        <p:nvPr/>
+      </p:nvGrpSpPr>
+      <p:grpSpPr>
+        <a:xfrm>
+          <a:off x="0" y="0"/>
+          <a:ext cx="0" cy="0"/>
+          <a:chOff x="0" y="0"/>
+          <a:chExt cx="0" cy="0"/>
+        </a:xfrm>
+      </p:grpSpPr>
+      <p:sp>
+        <p:nvSpPr>
+          <p:cNvPr id="2" name="幻灯片图像占位符 1"/>
+          <p:cNvSpPr>
+            <a:spLocks noGrp="1" noRot="1" noChangeAspect="1"/>
+          </p:cNvSpPr>
+          <p:nvPr>
+            <p:ph type="sldImg"/>
+          </p:nvPr>
+        </p:nvSpPr>
+        <p:spPr/>
+      </p:sp>
+      <p:sp>
+        <p:nvSpPr>
+          <p:cNvPr id="3" name="备注占位符 2"/>
+          <p:cNvSpPr>
+            <a:spLocks noGrp="1"/>
+          </p:cNvSpPr>
+          <p:nvPr>
+            <p:ph type="body" idx="1"/>
+          </p:nvPr>
+        </p:nvSpPr>
+        <p:spPr/>
+        <p:txBody>
+          <a:bodyPr/>
+          <a:lstStyle/>
+          <a:p>
+            <a:endParaRPr lang="zh-CN" altLang="en-US" dirty="0"/>
+          </a:p>
+        </p:txBody>
+      </p:sp>
+      <p:sp>
+        <p:nvSpPr>
+          <p:cNvPr id="4" name="灯片编号占位符 3"/>
+          <p:cNvSpPr>
+            <a:spLocks noGrp="1"/>
+          </p:cNvSpPr>
+          <p:nvPr>
+            <p:ph type="sldNum" sz="quarter" idx="5"/>
+          </p:nvPr>
+        </p:nvSpPr>
+        <p:spPr/>
+        <p:txBody>
+          <a:bodyPr/>
+          <a:lstStyle/>
+          <a:p>
+            <a:fld id="{311DA921-5814-416C-A214-0F50BD081254}" type="slidenum">
+              <a:rPr lang="zh-CN" altLang="en-US" smtClean="0"/>
+            </a:fld>
+            <a:endParaRPr lang="zh-CN" altLang="en-US"/>
+          </a:p>
+        </p:txBody>
+      </p:sp>
+    </p:spTree>
+  </p:cSld>
+  <p:clrMapOvr>
+    <a:masterClrMapping/>
+  </p:clrMapOvr>
+</p:notes>
+</file>
+
+<file path=ppt/notesSlides/notesSlide7.xml><?xml version="1.0" encoding="utf-8"?>
 <p:notes xmlns:a="http://schemas.openxmlformats.org/drawingml/2006/main" xmlns:r="http://schemas.openxmlformats.org/officeDocument/2006/relationships" xmlns:p="http://schemas.openxmlformats.org/presentationml/2006/main">
   <p:cSld>
     <p:spTree>
@@ -4091,6 +4171,1917 @@
           <a:chExt cx="0" cy="0"/>
         </a:xfrm>
       </p:grpSpPr>
+      <p:sp>
+        <p:nvSpPr>
+          <p:cNvPr id="13" name="文本框 12"/>
+          <p:cNvSpPr txBox="1"/>
+          <p:nvPr/>
+        </p:nvSpPr>
+        <p:spPr>
+          <a:xfrm>
+            <a:off x="106466" y="601786"/>
+            <a:ext cx="1033780" cy="398780"/>
+          </a:xfrm>
+          <a:prstGeom prst="rect">
+            <a:avLst/>
+          </a:prstGeom>
+          <a:noFill/>
+        </p:spPr>
+        <p:txBody>
+          <a:bodyPr wrap="none" rtlCol="0">
+            <a:spAutoFit/>
+          </a:bodyPr>
+          <a:lstStyle/>
+          <a:p>
+            <a:pPr marL="342900" indent="-342900">
+              <a:buFont typeface="Wingdings" panose="05000000000000000000" charset="0"/>
+              <a:buChar char="n"/>
+            </a:pPr>
+            <a:r>
+              <a:rPr lang="zh-CN" altLang="en-US" sz="2000" b="1" dirty="0">
+                <a:latin typeface="微软雅黑" panose="020B0503020204020204" charset="-122"/>
+                <a:ea typeface="微软雅黑" panose="020B0503020204020204" charset="-122"/>
+              </a:rPr>
+              <a:t>概述</a:t>
+            </a:r>
+            <a:endParaRPr lang="zh-CN" altLang="en-US" sz="2000" b="1" dirty="0"/>
+          </a:p>
+        </p:txBody>
+      </p:sp>
+      <p:sp>
+        <p:nvSpPr>
+          <p:cNvPr id="7" name="文本框 6"/>
+          <p:cNvSpPr txBox="1"/>
+          <p:nvPr/>
+        </p:nvSpPr>
+        <p:spPr>
+          <a:xfrm>
+            <a:off x="724535" y="1323340"/>
+            <a:ext cx="2247900" cy="410845"/>
+          </a:xfrm>
+          <a:prstGeom prst="rect">
+            <a:avLst/>
+          </a:prstGeom>
+          <a:noFill/>
+        </p:spPr>
+        <p:txBody>
+          <a:bodyPr wrap="square">
+            <a:noAutofit/>
+          </a:bodyPr>
+          <a:lstStyle/>
+          <a:p>
+            <a:pPr algn="l" fontAlgn="auto">
+              <a:lnSpc>
+                <a:spcPts val="2200"/>
+              </a:lnSpc>
+              <a:buClrTx/>
+              <a:buSzTx/>
+              <a:buNone/>
+            </a:pPr>
+            <a:endParaRPr lang="zh-CN" altLang="en-US" sz="1600" dirty="0">
+              <a:latin typeface="微软雅黑" panose="020B0503020204020204" charset="-122"/>
+              <a:ea typeface="微软雅黑" panose="020B0503020204020204" charset="-122"/>
+            </a:endParaRPr>
+          </a:p>
+        </p:txBody>
+      </p:sp>
+      <p:sp>
+        <p:nvSpPr>
+          <p:cNvPr id="3" name="矩形 2"/>
+          <p:cNvSpPr/>
+          <p:nvPr>
+            <p:custDataLst>
+              <p:tags r:id="rId1"/>
+            </p:custDataLst>
+          </p:nvPr>
+        </p:nvSpPr>
+        <p:spPr>
+          <a:xfrm>
+            <a:off x="-6350" y="0"/>
+            <a:ext cx="12198350" cy="540000"/>
+          </a:xfrm>
+          <a:prstGeom prst="rect">
+            <a:avLst/>
+          </a:prstGeom>
+          <a:solidFill>
+            <a:srgbClr val="A099CB"/>
+          </a:solidFill>
+          <a:ln>
+            <a:noFill/>
+          </a:ln>
+        </p:spPr>
+        <p:style>
+          <a:lnRef idx="2">
+            <a:schemeClr val="accent1">
+              <a:shade val="50000"/>
+            </a:schemeClr>
+          </a:lnRef>
+          <a:fillRef idx="1">
+            <a:schemeClr val="accent1"/>
+          </a:fillRef>
+          <a:effectRef idx="0">
+            <a:schemeClr val="accent1"/>
+          </a:effectRef>
+          <a:fontRef idx="minor">
+            <a:schemeClr val="lt1"/>
+          </a:fontRef>
+        </p:style>
+        <p:txBody>
+          <a:bodyPr rtlCol="0" anchor="ctr"/>
+          <a:p>
+            <a:pPr marL="0" marR="0" lvl="0" indent="0" algn="ctr" defTabSz="914400" rtl="0" eaLnBrk="1" fontAlgn="auto" latinLnBrk="0" hangingPunct="1">
+              <a:lnSpc>
+                <a:spcPct val="100000"/>
+              </a:lnSpc>
+              <a:spcBef>
+                <a:spcPts val="0"/>
+              </a:spcBef>
+              <a:spcAft>
+                <a:spcPts val="0"/>
+              </a:spcAft>
+              <a:buClrTx/>
+              <a:buSzTx/>
+              <a:buFontTx/>
+              <a:buNone/>
+              <a:defRPr/>
+            </a:pPr>
+            <a:r>
+              <a:rPr lang="en-US" altLang="zh-CN" sz="1800" dirty="0">
+                <a:effectLst/>
+                <a:latin typeface="微软雅黑" panose="020B0503020204020204" charset="-122"/>
+                <a:ea typeface="微软雅黑" panose="020B0503020204020204" charset="-122"/>
+              </a:rPr>
+              <a:t>2.</a:t>
+            </a:r>
+            <a:r>
+              <a:rPr lang="en-US" altLang="zh-CN" dirty="0">
+                <a:effectLst/>
+                <a:latin typeface="微软雅黑" panose="020B0503020204020204" charset="-122"/>
+                <a:ea typeface="微软雅黑" panose="020B0503020204020204" charset="-122"/>
+                <a:sym typeface="+mn-ea"/>
+              </a:rPr>
+              <a:t>Matching Anything by Segmenting Anything</a:t>
+            </a:r>
+            <a:endParaRPr lang="en-US" altLang="zh-CN" dirty="0">
+              <a:effectLst/>
+              <a:latin typeface="微软雅黑" panose="020B0503020204020204" charset="-122"/>
+              <a:ea typeface="微软雅黑" panose="020B0503020204020204" charset="-122"/>
+              <a:sym typeface="+mn-ea"/>
+            </a:endParaRPr>
+          </a:p>
+        </p:txBody>
+      </p:sp>
+      <p:sp>
+        <p:nvSpPr>
+          <p:cNvPr id="5" name="文本框 4"/>
+          <p:cNvSpPr txBox="1"/>
+          <p:nvPr>
+            <p:custDataLst>
+              <p:tags r:id="rId2"/>
+            </p:custDataLst>
+          </p:nvPr>
+        </p:nvSpPr>
+        <p:spPr>
+          <a:xfrm>
+            <a:off x="455295" y="972185"/>
+            <a:ext cx="1725930" cy="506730"/>
+          </a:xfrm>
+          <a:prstGeom prst="rect">
+            <a:avLst/>
+          </a:prstGeom>
+          <a:noFill/>
+        </p:spPr>
+        <p:txBody>
+          <a:bodyPr wrap="square" rtlCol="0">
+            <a:spAutoFit/>
+          </a:bodyPr>
+          <a:p>
+            <a:pPr marL="285750" indent="-285750">
+              <a:lnSpc>
+                <a:spcPct val="150000"/>
+              </a:lnSpc>
+              <a:buFont typeface="Wingdings" panose="05000000000000000000" charset="0"/>
+              <a:buChar char="p"/>
+            </a:pPr>
+            <a:r>
+              <a:rPr lang="zh-CN" altLang="en-US" b="1" dirty="0">
+                <a:latin typeface="微软雅黑" panose="020B0503020204020204" charset="-122"/>
+                <a:ea typeface="微软雅黑" panose="020B0503020204020204" charset="-122"/>
+              </a:rPr>
+              <a:t>任务：</a:t>
+            </a:r>
+            <a:endParaRPr lang="en-US" altLang="zh-CN" b="1" dirty="0">
+              <a:latin typeface="微软雅黑" panose="020B0503020204020204" charset="-122"/>
+              <a:ea typeface="微软雅黑" panose="020B0503020204020204" charset="-122"/>
+            </a:endParaRPr>
+          </a:p>
+        </p:txBody>
+      </p:sp>
+      <p:sp>
+        <p:nvSpPr>
+          <p:cNvPr id="8" name="文本框 7"/>
+          <p:cNvSpPr txBox="1"/>
+          <p:nvPr/>
+        </p:nvSpPr>
+        <p:spPr>
+          <a:xfrm>
+            <a:off x="286385" y="2472055"/>
+            <a:ext cx="9719945" cy="1276350"/>
+          </a:xfrm>
+          <a:prstGeom prst="rect">
+            <a:avLst/>
+          </a:prstGeom>
+          <a:noFill/>
+        </p:spPr>
+        <p:txBody>
+          <a:bodyPr wrap="square" rtlCol="0">
+            <a:noAutofit/>
+          </a:bodyPr>
+          <a:p>
+            <a:pPr indent="457200"/>
+            <a:r>
+              <a:rPr lang="en-US" altLang="zh-CN" sz="1600" dirty="0">
+                <a:solidFill>
+                  <a:schemeClr val="tx1"/>
+                </a:solidFill>
+                <a:latin typeface="微软雅黑" panose="020B0503020204020204" charset="-122"/>
+                <a:ea typeface="微软雅黑" panose="020B0503020204020204" charset="-122"/>
+              </a:rPr>
+              <a:t>1.</a:t>
+            </a:r>
+            <a:r>
+              <a:rPr lang="zh-CN" altLang="en-US" sz="1600" dirty="0">
+                <a:solidFill>
+                  <a:schemeClr val="tx1"/>
+                </a:solidFill>
+                <a:latin typeface="微软雅黑" panose="020B0503020204020204" charset="-122"/>
+                <a:ea typeface="微软雅黑" panose="020B0503020204020204" charset="-122"/>
+              </a:rPr>
+              <a:t>解决</a:t>
+            </a:r>
+            <a:r>
+              <a:rPr lang="en-US" altLang="zh-CN" sz="1600" dirty="0">
+                <a:solidFill>
+                  <a:schemeClr val="tx1"/>
+                </a:solidFill>
+                <a:latin typeface="微软雅黑" panose="020B0503020204020204" charset="-122"/>
+                <a:ea typeface="微软雅黑" panose="020B0503020204020204" charset="-122"/>
+              </a:rPr>
+              <a:t>Transformer</a:t>
+            </a:r>
+            <a:r>
+              <a:rPr lang="zh-CN" altLang="en-US" sz="1600" dirty="0">
+                <a:solidFill>
+                  <a:schemeClr val="tx1"/>
+                </a:solidFill>
+                <a:latin typeface="微软雅黑" panose="020B0503020204020204" charset="-122"/>
+                <a:ea typeface="微软雅黑" panose="020B0503020204020204" charset="-122"/>
+              </a:rPr>
+              <a:t>在处理</a:t>
+            </a:r>
+            <a:r>
+              <a:rPr lang="en-US" altLang="zh-CN" sz="1600" dirty="0">
+                <a:solidFill>
+                  <a:schemeClr val="tx1"/>
+                </a:solidFill>
+                <a:latin typeface="微软雅黑" panose="020B0503020204020204" charset="-122"/>
+                <a:ea typeface="微软雅黑" panose="020B0503020204020204" charset="-122"/>
+              </a:rPr>
+              <a:t>cv</a:t>
+            </a:r>
+            <a:r>
+              <a:rPr lang="zh-CN" altLang="en-US" sz="1600" dirty="0">
+                <a:solidFill>
+                  <a:schemeClr val="tx1"/>
+                </a:solidFill>
+                <a:latin typeface="微软雅黑" panose="020B0503020204020204" charset="-122"/>
+                <a:ea typeface="微软雅黑" panose="020B0503020204020204" charset="-122"/>
+              </a:rPr>
+              <a:t>问题上要单独处理一个像素点的</a:t>
+            </a:r>
+            <a:r>
+              <a:rPr lang="en-US" altLang="zh-CN" sz="1600" dirty="0">
+                <a:solidFill>
+                  <a:schemeClr val="tx1"/>
+                </a:solidFill>
+                <a:latin typeface="微软雅黑" panose="020B0503020204020204" charset="-122"/>
+                <a:ea typeface="微软雅黑" panose="020B0503020204020204" charset="-122"/>
+              </a:rPr>
+              <a:t>           </a:t>
+            </a:r>
+            <a:endParaRPr lang="en-US" altLang="zh-CN" sz="1600" dirty="0">
+              <a:solidFill>
+                <a:schemeClr val="tx1"/>
+              </a:solidFill>
+              <a:latin typeface="微软雅黑" panose="020B0503020204020204" charset="-122"/>
+              <a:ea typeface="微软雅黑" panose="020B0503020204020204" charset="-122"/>
+            </a:endParaRPr>
+          </a:p>
+          <a:p>
+            <a:pPr indent="457200"/>
+            <a:r>
+              <a:rPr lang="en-US" altLang="zh-CN" sz="1600" dirty="0">
+                <a:solidFill>
+                  <a:schemeClr val="tx1"/>
+                </a:solidFill>
+                <a:latin typeface="微软雅黑" panose="020B0503020204020204" charset="-122"/>
+                <a:ea typeface="微软雅黑" panose="020B0503020204020204" charset="-122"/>
+              </a:rPr>
+              <a:t>   o(n</a:t>
+            </a:r>
+            <a:r>
+              <a:rPr lang="en-US" altLang="zh-CN" sz="1600" baseline="30000" dirty="0">
+                <a:solidFill>
+                  <a:schemeClr val="tx1"/>
+                </a:solidFill>
+                <a:latin typeface="微软雅黑" panose="020B0503020204020204" charset="-122"/>
+                <a:ea typeface="微软雅黑" panose="020B0503020204020204" charset="-122"/>
+              </a:rPr>
+              <a:t>2</a:t>
+            </a:r>
+            <a:r>
+              <a:rPr lang="en-US" altLang="zh-CN" sz="1600" dirty="0">
+                <a:solidFill>
+                  <a:schemeClr val="tx1"/>
+                </a:solidFill>
+                <a:latin typeface="微软雅黑" panose="020B0503020204020204" charset="-122"/>
+                <a:ea typeface="微软雅黑" panose="020B0503020204020204" charset="-122"/>
+              </a:rPr>
+              <a:t>) </a:t>
+            </a:r>
+            <a:r>
+              <a:rPr lang="zh-CN" altLang="en-US" sz="1600" dirty="0">
+                <a:solidFill>
+                  <a:schemeClr val="tx1"/>
+                </a:solidFill>
+                <a:latin typeface="微软雅黑" panose="020B0503020204020204" charset="-122"/>
+                <a:ea typeface="微软雅黑" panose="020B0503020204020204" charset="-122"/>
+              </a:rPr>
+              <a:t>太过复杂的问题</a:t>
+            </a:r>
+            <a:r>
+              <a:rPr lang="en-US" altLang="zh-CN" sz="1600" dirty="0">
+                <a:solidFill>
+                  <a:schemeClr val="tx1"/>
+                </a:solidFill>
+                <a:latin typeface="微软雅黑" panose="020B0503020204020204" charset="-122"/>
+                <a:ea typeface="微软雅黑" panose="020B0503020204020204" charset="-122"/>
+              </a:rPr>
+              <a:t> </a:t>
+            </a:r>
+            <a:endParaRPr lang="en-US" altLang="zh-CN" sz="1600" dirty="0">
+              <a:solidFill>
+                <a:schemeClr val="tx1"/>
+              </a:solidFill>
+              <a:latin typeface="微软雅黑" panose="020B0503020204020204" charset="-122"/>
+              <a:ea typeface="微软雅黑" panose="020B0503020204020204" charset="-122"/>
+            </a:endParaRPr>
+          </a:p>
+          <a:p>
+            <a:pPr indent="457200"/>
+            <a:r>
+              <a:rPr lang="en-US" altLang="zh-CN" sz="1600" dirty="0">
+                <a:solidFill>
+                  <a:schemeClr val="tx1"/>
+                </a:solidFill>
+                <a:latin typeface="微软雅黑" panose="020B0503020204020204" charset="-122"/>
+                <a:ea typeface="微软雅黑" panose="020B0503020204020204" charset="-122"/>
+              </a:rPr>
+              <a:t>2.</a:t>
+            </a:r>
+            <a:r>
+              <a:rPr lang="zh-CN" altLang="en-US" sz="1600" dirty="0">
+                <a:solidFill>
+                  <a:schemeClr val="tx1"/>
+                </a:solidFill>
+                <a:latin typeface="微软雅黑" panose="020B0503020204020204" charset="-122"/>
+                <a:ea typeface="微软雅黑" panose="020B0503020204020204" charset="-122"/>
+              </a:rPr>
+              <a:t>解决原先</a:t>
+            </a:r>
+            <a:r>
+              <a:rPr lang="en-US" altLang="zh-CN" sz="1600" dirty="0">
+                <a:solidFill>
+                  <a:schemeClr val="tx1"/>
+                </a:solidFill>
+                <a:latin typeface="微软雅黑" panose="020B0503020204020204" charset="-122"/>
+                <a:ea typeface="微软雅黑" panose="020B0503020204020204" charset="-122"/>
+              </a:rPr>
+              <a:t>CNN</a:t>
+            </a:r>
+            <a:r>
+              <a:rPr lang="zh-CN" altLang="en-US" sz="1600" dirty="0">
+                <a:solidFill>
+                  <a:schemeClr val="tx1"/>
+                </a:solidFill>
+                <a:latin typeface="微软雅黑" panose="020B0503020204020204" charset="-122"/>
+                <a:ea typeface="微软雅黑" panose="020B0503020204020204" charset="-122"/>
+              </a:rPr>
+              <a:t>等具有太多针对视觉问题的先验知识（归纳偏</a:t>
+            </a:r>
+            <a:endParaRPr lang="zh-CN" altLang="en-US" sz="1600" dirty="0">
+              <a:solidFill>
+                <a:schemeClr val="tx1"/>
+              </a:solidFill>
+              <a:latin typeface="微软雅黑" panose="020B0503020204020204" charset="-122"/>
+              <a:ea typeface="微软雅黑" panose="020B0503020204020204" charset="-122"/>
+            </a:endParaRPr>
+          </a:p>
+          <a:p>
+            <a:pPr indent="457200"/>
+            <a:r>
+              <a:rPr lang="zh-CN" altLang="en-US" sz="1600" dirty="0">
+                <a:solidFill>
+                  <a:schemeClr val="tx1"/>
+                </a:solidFill>
+                <a:latin typeface="微软雅黑" panose="020B0503020204020204" charset="-122"/>
+                <a:ea typeface="微软雅黑" panose="020B0503020204020204" charset="-122"/>
+              </a:rPr>
+              <a:t> </a:t>
+            </a:r>
+            <a:r>
+              <a:rPr lang="en-US" altLang="zh-CN" sz="1600" dirty="0">
+                <a:solidFill>
+                  <a:schemeClr val="tx1"/>
+                </a:solidFill>
+                <a:latin typeface="微软雅黑" panose="020B0503020204020204" charset="-122"/>
+                <a:ea typeface="微软雅黑" panose="020B0503020204020204" charset="-122"/>
+              </a:rPr>
+              <a:t>  </a:t>
+            </a:r>
+            <a:r>
+              <a:rPr lang="zh-CN" altLang="en-US" sz="1600" dirty="0">
+                <a:solidFill>
+                  <a:schemeClr val="tx1"/>
+                </a:solidFill>
+                <a:latin typeface="微软雅黑" panose="020B0503020204020204" charset="-122"/>
+                <a:ea typeface="微软雅黑" panose="020B0503020204020204" charset="-122"/>
+              </a:rPr>
+              <a:t>置），这样无法实现把</a:t>
+            </a:r>
+            <a:r>
+              <a:rPr lang="en-US" altLang="zh-CN" sz="1600" dirty="0">
+                <a:solidFill>
+                  <a:schemeClr val="tx1"/>
+                </a:solidFill>
+                <a:latin typeface="微软雅黑" panose="020B0503020204020204" charset="-122"/>
+                <a:ea typeface="微软雅黑" panose="020B0503020204020204" charset="-122"/>
+              </a:rPr>
+              <a:t>cv</a:t>
+            </a:r>
+            <a:r>
+              <a:rPr lang="zh-CN" altLang="en-US" sz="1600" dirty="0">
+                <a:solidFill>
+                  <a:schemeClr val="tx1"/>
+                </a:solidFill>
+                <a:latin typeface="微软雅黑" panose="020B0503020204020204" charset="-122"/>
+                <a:ea typeface="微软雅黑" panose="020B0503020204020204" charset="-122"/>
+              </a:rPr>
+              <a:t>问题当做</a:t>
+            </a:r>
+            <a:r>
+              <a:rPr lang="en-US" altLang="zh-CN" sz="1600" dirty="0">
+                <a:solidFill>
+                  <a:schemeClr val="tx1"/>
+                </a:solidFill>
+                <a:latin typeface="微软雅黑" panose="020B0503020204020204" charset="-122"/>
+                <a:ea typeface="微软雅黑" panose="020B0503020204020204" charset="-122"/>
+              </a:rPr>
+              <a:t>nlp</a:t>
+            </a:r>
+            <a:r>
+              <a:rPr lang="zh-CN" altLang="en-US" sz="1600" dirty="0">
+                <a:solidFill>
+                  <a:schemeClr val="tx1"/>
+                </a:solidFill>
+                <a:latin typeface="微软雅黑" panose="020B0503020204020204" charset="-122"/>
+                <a:ea typeface="微软雅黑" panose="020B0503020204020204" charset="-122"/>
+              </a:rPr>
+              <a:t>问题来解决</a:t>
+            </a:r>
+            <a:endParaRPr lang="en-US" altLang="zh-CN" sz="1600" dirty="0">
+              <a:solidFill>
+                <a:schemeClr val="tx1"/>
+              </a:solidFill>
+              <a:latin typeface="微软雅黑" panose="020B0503020204020204" charset="-122"/>
+              <a:ea typeface="微软雅黑" panose="020B0503020204020204" charset="-122"/>
+            </a:endParaRPr>
+          </a:p>
+          <a:p>
+            <a:pPr marL="0" lvl="0" indent="0">
+              <a:buNone/>
+            </a:pPr>
+            <a:endParaRPr lang="en-US" altLang="zh-CN" sz="1600" dirty="0">
+              <a:solidFill>
+                <a:schemeClr val="tx1"/>
+              </a:solidFill>
+              <a:latin typeface="微软雅黑" panose="020B0503020204020204" charset="-122"/>
+              <a:ea typeface="微软雅黑" panose="020B0503020204020204" charset="-122"/>
+            </a:endParaRPr>
+          </a:p>
+          <a:p>
+            <a:pPr marL="0" lvl="0" indent="0">
+              <a:buNone/>
+            </a:pPr>
+            <a:endParaRPr lang="en-US" altLang="zh-CN" sz="1600" dirty="0">
+              <a:solidFill>
+                <a:schemeClr val="tx1"/>
+              </a:solidFill>
+              <a:latin typeface="微软雅黑" panose="020B0503020204020204" charset="-122"/>
+              <a:ea typeface="微软雅黑" panose="020B0503020204020204" charset="-122"/>
+            </a:endParaRPr>
+          </a:p>
+          <a:p>
+            <a:pPr marL="0" lvl="0" indent="0">
+              <a:buNone/>
+            </a:pPr>
+            <a:endParaRPr lang="en-US" altLang="zh-CN" sz="1600" dirty="0">
+              <a:solidFill>
+                <a:schemeClr val="tx1"/>
+              </a:solidFill>
+              <a:latin typeface="微软雅黑" panose="020B0503020204020204" charset="-122"/>
+              <a:ea typeface="微软雅黑" panose="020B0503020204020204" charset="-122"/>
+            </a:endParaRPr>
+          </a:p>
+          <a:p>
+            <a:pPr marL="0" lvl="0" indent="0">
+              <a:buNone/>
+            </a:pPr>
+            <a:endParaRPr lang="en-US" altLang="zh-CN" sz="1600" dirty="0">
+              <a:solidFill>
+                <a:schemeClr val="tx1"/>
+              </a:solidFill>
+              <a:latin typeface="微软雅黑" panose="020B0503020204020204" charset="-122"/>
+              <a:ea typeface="微软雅黑" panose="020B0503020204020204" charset="-122"/>
+            </a:endParaRPr>
+          </a:p>
+        </p:txBody>
+      </p:sp>
+      <p:sp>
+        <p:nvSpPr>
+          <p:cNvPr id="11" name="文本框 10"/>
+          <p:cNvSpPr txBox="1"/>
+          <p:nvPr>
+            <p:custDataLst>
+              <p:tags r:id="rId3"/>
+            </p:custDataLst>
+          </p:nvPr>
+        </p:nvSpPr>
+        <p:spPr>
+          <a:xfrm>
+            <a:off x="455295" y="2056765"/>
+            <a:ext cx="1725930" cy="506730"/>
+          </a:xfrm>
+          <a:prstGeom prst="rect">
+            <a:avLst/>
+          </a:prstGeom>
+          <a:noFill/>
+        </p:spPr>
+        <p:txBody>
+          <a:bodyPr wrap="square" rtlCol="0">
+            <a:spAutoFit/>
+          </a:bodyPr>
+          <a:p>
+            <a:pPr marL="285750" indent="-285750">
+              <a:lnSpc>
+                <a:spcPct val="150000"/>
+              </a:lnSpc>
+              <a:buFont typeface="Wingdings" panose="05000000000000000000" charset="0"/>
+              <a:buChar char="p"/>
+            </a:pPr>
+            <a:r>
+              <a:rPr lang="zh-CN" altLang="en-US" b="1" dirty="0">
+                <a:latin typeface="微软雅黑" panose="020B0503020204020204" charset="-122"/>
+                <a:ea typeface="微软雅黑" panose="020B0503020204020204" charset="-122"/>
+              </a:rPr>
+              <a:t>动机：</a:t>
+            </a:r>
+            <a:endParaRPr lang="en-US" altLang="zh-CN" b="1" dirty="0">
+              <a:latin typeface="微软雅黑" panose="020B0503020204020204" charset="-122"/>
+              <a:ea typeface="微软雅黑" panose="020B0503020204020204" charset="-122"/>
+            </a:endParaRPr>
+          </a:p>
+        </p:txBody>
+      </p:sp>
+      <p:sp>
+        <p:nvSpPr>
+          <p:cNvPr id="4" name="文本框 3"/>
+          <p:cNvSpPr txBox="1"/>
+          <p:nvPr>
+            <p:custDataLst>
+              <p:tags r:id="rId4"/>
+            </p:custDataLst>
+          </p:nvPr>
+        </p:nvSpPr>
+        <p:spPr>
+          <a:xfrm>
+            <a:off x="455295" y="3487420"/>
+            <a:ext cx="1725930" cy="506730"/>
+          </a:xfrm>
+          <a:prstGeom prst="rect">
+            <a:avLst/>
+          </a:prstGeom>
+          <a:noFill/>
+        </p:spPr>
+        <p:txBody>
+          <a:bodyPr wrap="square" rtlCol="0">
+            <a:spAutoFit/>
+          </a:bodyPr>
+          <a:p>
+            <a:pPr marL="285750" indent="-285750">
+              <a:lnSpc>
+                <a:spcPct val="150000"/>
+              </a:lnSpc>
+              <a:buFont typeface="Wingdings" panose="05000000000000000000" charset="0"/>
+              <a:buChar char="p"/>
+            </a:pPr>
+            <a:r>
+              <a:rPr lang="zh-CN" altLang="en-US" b="1" dirty="0">
+                <a:latin typeface="微软雅黑" panose="020B0503020204020204" charset="-122"/>
+                <a:ea typeface="微软雅黑" panose="020B0503020204020204" charset="-122"/>
+              </a:rPr>
+              <a:t>整体</a:t>
+            </a:r>
+            <a:r>
+              <a:rPr lang="zh-CN" altLang="en-US" b="1" dirty="0">
+                <a:latin typeface="微软雅黑" panose="020B0503020204020204" charset="-122"/>
+                <a:ea typeface="微软雅黑" panose="020B0503020204020204" charset="-122"/>
+              </a:rPr>
+              <a:t>思路：</a:t>
+            </a:r>
+            <a:endParaRPr lang="en-US" altLang="zh-CN" b="1" dirty="0">
+              <a:latin typeface="微软雅黑" panose="020B0503020204020204" charset="-122"/>
+              <a:ea typeface="微软雅黑" panose="020B0503020204020204" charset="-122"/>
+            </a:endParaRPr>
+          </a:p>
+        </p:txBody>
+      </p:sp>
+      <p:sp>
+        <p:nvSpPr>
+          <p:cNvPr id="6" name="文本框 5"/>
+          <p:cNvSpPr txBox="1"/>
+          <p:nvPr>
+            <p:custDataLst>
+              <p:tags r:id="rId5"/>
+            </p:custDataLst>
+          </p:nvPr>
+        </p:nvSpPr>
+        <p:spPr>
+          <a:xfrm>
+            <a:off x="455295" y="5053330"/>
+            <a:ext cx="1725930" cy="506730"/>
+          </a:xfrm>
+          <a:prstGeom prst="rect">
+            <a:avLst/>
+          </a:prstGeom>
+          <a:noFill/>
+        </p:spPr>
+        <p:txBody>
+          <a:bodyPr wrap="square" rtlCol="0">
+            <a:spAutoFit/>
+          </a:bodyPr>
+          <a:p>
+            <a:pPr marL="285750" indent="-285750">
+              <a:lnSpc>
+                <a:spcPct val="150000"/>
+              </a:lnSpc>
+              <a:buFont typeface="Wingdings" panose="05000000000000000000" charset="0"/>
+              <a:buChar char="p"/>
+            </a:pPr>
+            <a:r>
+              <a:rPr lang="zh-CN" altLang="en-US" b="1" dirty="0">
+                <a:latin typeface="微软雅黑" panose="020B0503020204020204" charset="-122"/>
+                <a:ea typeface="微软雅黑" panose="020B0503020204020204" charset="-122"/>
+              </a:rPr>
+              <a:t>贡献：</a:t>
+            </a:r>
+            <a:endParaRPr lang="en-US" altLang="zh-CN" b="1" dirty="0">
+              <a:latin typeface="微软雅黑" panose="020B0503020204020204" charset="-122"/>
+              <a:ea typeface="微软雅黑" panose="020B0503020204020204" charset="-122"/>
+            </a:endParaRPr>
+          </a:p>
+        </p:txBody>
+      </p:sp>
+      <p:sp>
+        <p:nvSpPr>
+          <p:cNvPr id="9" name="文本框 8"/>
+          <p:cNvSpPr txBox="1"/>
+          <p:nvPr/>
+        </p:nvSpPr>
+        <p:spPr>
+          <a:xfrm>
+            <a:off x="724535" y="5537200"/>
+            <a:ext cx="10685145" cy="583565"/>
+          </a:xfrm>
+          <a:prstGeom prst="rect">
+            <a:avLst/>
+          </a:prstGeom>
+          <a:noFill/>
+        </p:spPr>
+        <p:txBody>
+          <a:bodyPr wrap="square" rtlCol="0" anchor="t">
+            <a:spAutoFit/>
+          </a:bodyPr>
+          <a:p>
+            <a:pPr marL="0" lvl="0" indent="0">
+              <a:buNone/>
+            </a:pPr>
+            <a:r>
+              <a:rPr lang="en-US" altLang="zh-CN" sz="1600" dirty="0">
+                <a:latin typeface="微软雅黑" panose="020B0503020204020204" charset="-122"/>
+                <a:ea typeface="微软雅黑" panose="020B0503020204020204" charset="-122"/>
+                <a:sym typeface="+mn-ea"/>
+              </a:rPr>
+              <a:t>1.</a:t>
+            </a:r>
+            <a:r>
+              <a:rPr lang="zh-CN" altLang="en-US" sz="1600" dirty="0">
+                <a:latin typeface="微软雅黑" panose="020B0503020204020204" charset="-122"/>
+                <a:ea typeface="微软雅黑" panose="020B0503020204020204" charset="-122"/>
+                <a:sym typeface="+mn-ea"/>
+              </a:rPr>
+              <a:t>提出了把图片切分为等大小的</a:t>
+            </a:r>
+            <a:r>
+              <a:rPr lang="en-US" altLang="zh-CN" sz="1600" dirty="0">
+                <a:latin typeface="微软雅黑" panose="020B0503020204020204" charset="-122"/>
+                <a:ea typeface="微软雅黑" panose="020B0503020204020204" charset="-122"/>
+                <a:sym typeface="+mn-ea"/>
+              </a:rPr>
+              <a:t>batch</a:t>
+            </a:r>
+            <a:r>
+              <a:rPr lang="zh-CN" altLang="en-US" sz="1600" dirty="0">
+                <a:latin typeface="微软雅黑" panose="020B0503020204020204" charset="-122"/>
+                <a:ea typeface="微软雅黑" panose="020B0503020204020204" charset="-122"/>
+                <a:sym typeface="+mn-ea"/>
+              </a:rPr>
+              <a:t>，将</a:t>
+            </a:r>
+            <a:r>
+              <a:rPr lang="en-US" altLang="zh-CN" sz="1600" dirty="0">
+                <a:latin typeface="微软雅黑" panose="020B0503020204020204" charset="-122"/>
+                <a:ea typeface="微软雅黑" panose="020B0503020204020204" charset="-122"/>
+                <a:sym typeface="+mn-ea"/>
+              </a:rPr>
+              <a:t>Transformer</a:t>
+            </a:r>
+            <a:r>
+              <a:rPr lang="zh-CN" altLang="en-US" sz="1600" dirty="0">
+                <a:latin typeface="微软雅黑" panose="020B0503020204020204" charset="-122"/>
+                <a:ea typeface="微软雅黑" panose="020B0503020204020204" charset="-122"/>
+                <a:sym typeface="+mn-ea"/>
+              </a:rPr>
+              <a:t>直接应用到了</a:t>
+            </a:r>
+            <a:r>
+              <a:rPr lang="en-US" altLang="zh-CN" sz="1600" dirty="0">
+                <a:latin typeface="微软雅黑" panose="020B0503020204020204" charset="-122"/>
+                <a:ea typeface="微软雅黑" panose="020B0503020204020204" charset="-122"/>
+                <a:sym typeface="+mn-ea"/>
+              </a:rPr>
+              <a:t>cv</a:t>
+            </a:r>
+            <a:r>
+              <a:rPr lang="zh-CN" altLang="en-US" sz="1600" dirty="0">
+                <a:latin typeface="微软雅黑" panose="020B0503020204020204" charset="-122"/>
+                <a:ea typeface="微软雅黑" panose="020B0503020204020204" charset="-122"/>
+                <a:sym typeface="+mn-ea"/>
+              </a:rPr>
+              <a:t>任务里面</a:t>
+            </a:r>
+            <a:endParaRPr lang="zh-CN" altLang="en-US" sz="1600" dirty="0">
+              <a:latin typeface="微软雅黑" panose="020B0503020204020204" charset="-122"/>
+              <a:ea typeface="微软雅黑" panose="020B0503020204020204" charset="-122"/>
+              <a:sym typeface="+mn-ea"/>
+            </a:endParaRPr>
+          </a:p>
+          <a:p>
+            <a:pPr marL="0" lvl="0" indent="0">
+              <a:buNone/>
+            </a:pPr>
+            <a:r>
+              <a:rPr lang="en-US" altLang="zh-CN" sz="1600" dirty="0">
+                <a:latin typeface="微软雅黑" panose="020B0503020204020204" charset="-122"/>
+                <a:ea typeface="微软雅黑" panose="020B0503020204020204" charset="-122"/>
+                <a:sym typeface="+mn-ea"/>
+              </a:rPr>
+              <a:t>2.</a:t>
+            </a:r>
+            <a:r>
+              <a:rPr lang="zh-CN" altLang="en-US" sz="1600" dirty="0">
+                <a:latin typeface="微软雅黑" panose="020B0503020204020204" charset="-122"/>
+                <a:ea typeface="微软雅黑" panose="020B0503020204020204" charset="-122"/>
+                <a:sym typeface="+mn-ea"/>
+              </a:rPr>
+              <a:t>利用</a:t>
+            </a:r>
+            <a:r>
+              <a:rPr lang="en-US" altLang="zh-CN" sz="1600" dirty="0">
+                <a:latin typeface="微软雅黑" panose="020B0503020204020204" charset="-122"/>
+                <a:ea typeface="微软雅黑" panose="020B0503020204020204" charset="-122"/>
+                <a:sym typeface="+mn-ea"/>
+              </a:rPr>
+              <a:t>Transformer</a:t>
+            </a:r>
+            <a:r>
+              <a:rPr lang="zh-CN" altLang="en-US" sz="1600" dirty="0">
+                <a:latin typeface="微软雅黑" panose="020B0503020204020204" charset="-122"/>
+                <a:ea typeface="微软雅黑" panose="020B0503020204020204" charset="-122"/>
+                <a:sym typeface="+mn-ea"/>
+              </a:rPr>
+              <a:t>，实现了预训练数据集大小对模型效果增益几乎无饱和的预期</a:t>
+            </a:r>
+            <a:endParaRPr lang="zh-CN" altLang="en-US" sz="1600" dirty="0">
+              <a:latin typeface="微软雅黑" panose="020B0503020204020204" charset="-122"/>
+              <a:ea typeface="微软雅黑" panose="020B0503020204020204" charset="-122"/>
+              <a:sym typeface="+mn-ea"/>
+            </a:endParaRPr>
+          </a:p>
+        </p:txBody>
+      </p:sp>
+      <p:sp>
+        <p:nvSpPr>
+          <p:cNvPr id="10" name="文本框 9"/>
+          <p:cNvSpPr txBox="1"/>
+          <p:nvPr/>
+        </p:nvSpPr>
+        <p:spPr>
+          <a:xfrm>
+            <a:off x="286385" y="1457325"/>
+            <a:ext cx="6884035" cy="603885"/>
+          </a:xfrm>
+          <a:prstGeom prst="rect">
+            <a:avLst/>
+          </a:prstGeom>
+          <a:noFill/>
+        </p:spPr>
+        <p:txBody>
+          <a:bodyPr wrap="square" rtlCol="0">
+            <a:noAutofit/>
+          </a:bodyPr>
+          <a:p>
+            <a:pPr indent="457200"/>
+            <a:r>
+              <a:rPr lang="zh-CN" altLang="en-US" sz="1600" dirty="0">
+                <a:solidFill>
+                  <a:schemeClr val="tx1"/>
+                </a:solidFill>
+                <a:latin typeface="微软雅黑" panose="020B0503020204020204" charset="-122"/>
+                <a:ea typeface="微软雅黑" panose="020B0503020204020204" charset="-122"/>
+              </a:rPr>
+              <a:t>直</a:t>
+            </a:r>
+            <a:endParaRPr lang="en-US" altLang="zh-CN" sz="1600" dirty="0">
+              <a:solidFill>
+                <a:schemeClr val="tx1"/>
+              </a:solidFill>
+              <a:latin typeface="微软雅黑" panose="020B0503020204020204" charset="-122"/>
+              <a:ea typeface="微软雅黑" panose="020B0503020204020204" charset="-122"/>
+            </a:endParaRPr>
+          </a:p>
+          <a:p>
+            <a:pPr marL="0" lvl="0" indent="0">
+              <a:buNone/>
+            </a:pPr>
+            <a:endParaRPr lang="en-US" altLang="zh-CN" sz="1600" dirty="0">
+              <a:solidFill>
+                <a:schemeClr val="tx1"/>
+              </a:solidFill>
+              <a:latin typeface="微软雅黑" panose="020B0503020204020204" charset="-122"/>
+              <a:ea typeface="微软雅黑" panose="020B0503020204020204" charset="-122"/>
+            </a:endParaRPr>
+          </a:p>
+          <a:p>
+            <a:pPr marL="0" lvl="0" indent="0">
+              <a:buNone/>
+            </a:pPr>
+            <a:endParaRPr lang="en-US" altLang="zh-CN" sz="1600" dirty="0">
+              <a:solidFill>
+                <a:schemeClr val="tx1"/>
+              </a:solidFill>
+              <a:latin typeface="微软雅黑" panose="020B0503020204020204" charset="-122"/>
+              <a:ea typeface="微软雅黑" panose="020B0503020204020204" charset="-122"/>
+            </a:endParaRPr>
+          </a:p>
+          <a:p>
+            <a:pPr marL="0" lvl="0" indent="0">
+              <a:buNone/>
+            </a:pPr>
+            <a:endParaRPr lang="en-US" altLang="zh-CN" sz="1600" dirty="0">
+              <a:solidFill>
+                <a:schemeClr val="tx1"/>
+              </a:solidFill>
+              <a:latin typeface="微软雅黑" panose="020B0503020204020204" charset="-122"/>
+              <a:ea typeface="微软雅黑" panose="020B0503020204020204" charset="-122"/>
+            </a:endParaRPr>
+          </a:p>
+          <a:p>
+            <a:pPr marL="0" lvl="0" indent="0">
+              <a:buNone/>
+            </a:pPr>
+            <a:endParaRPr lang="en-US" altLang="zh-CN" sz="1600" dirty="0">
+              <a:solidFill>
+                <a:schemeClr val="tx1"/>
+              </a:solidFill>
+              <a:latin typeface="微软雅黑" panose="020B0503020204020204" charset="-122"/>
+              <a:ea typeface="微软雅黑" panose="020B0503020204020204" charset="-122"/>
+            </a:endParaRPr>
+          </a:p>
+        </p:txBody>
+      </p:sp>
+      <p:sp>
+        <p:nvSpPr>
+          <p:cNvPr id="2" name="文本框 1"/>
+          <p:cNvSpPr txBox="1"/>
+          <p:nvPr/>
+        </p:nvSpPr>
+        <p:spPr>
+          <a:xfrm>
+            <a:off x="205105" y="3982085"/>
+            <a:ext cx="8361045" cy="1276350"/>
+          </a:xfrm>
+          <a:prstGeom prst="rect">
+            <a:avLst/>
+          </a:prstGeom>
+          <a:noFill/>
+        </p:spPr>
+        <p:txBody>
+          <a:bodyPr wrap="square" rtlCol="0">
+            <a:noAutofit/>
+          </a:bodyPr>
+          <a:p>
+            <a:pPr indent="457200"/>
+            <a:r>
+              <a:rPr lang="en-US" altLang="zh-CN" sz="1600" dirty="0">
+                <a:solidFill>
+                  <a:schemeClr val="tx1"/>
+                </a:solidFill>
+                <a:latin typeface="微软雅黑" panose="020B0503020204020204" charset="-122"/>
+                <a:ea typeface="微软雅黑" panose="020B0503020204020204" charset="-122"/>
+              </a:rPr>
+              <a:t>1.</a:t>
+            </a:r>
+            <a:r>
+              <a:rPr lang="zh-CN" altLang="en-US" sz="1600" dirty="0">
+                <a:solidFill>
+                  <a:schemeClr val="tx1"/>
+                </a:solidFill>
+                <a:latin typeface="微软雅黑" panose="020B0503020204020204" charset="-122"/>
+                <a:ea typeface="微软雅黑" panose="020B0503020204020204" charset="-122"/>
+              </a:rPr>
+              <a:t>把图片打成</a:t>
+            </a:r>
+            <a:r>
+              <a:rPr lang="en-US" altLang="zh-CN" sz="1600" dirty="0">
+                <a:solidFill>
+                  <a:schemeClr val="tx1"/>
+                </a:solidFill>
+                <a:latin typeface="微软雅黑" panose="020B0503020204020204" charset="-122"/>
+                <a:ea typeface="微软雅黑" panose="020B0503020204020204" charset="-122"/>
+              </a:rPr>
+              <a:t>16*16</a:t>
+            </a:r>
+            <a:r>
+              <a:rPr lang="zh-CN" altLang="en-US" sz="1600" dirty="0">
+                <a:solidFill>
+                  <a:schemeClr val="tx1"/>
+                </a:solidFill>
+                <a:latin typeface="微软雅黑" panose="020B0503020204020204" charset="-122"/>
+                <a:ea typeface="微软雅黑" panose="020B0503020204020204" charset="-122"/>
+              </a:rPr>
+              <a:t>的</a:t>
+            </a:r>
+            <a:r>
+              <a:rPr lang="en-US" altLang="zh-CN" sz="1600" dirty="0">
+                <a:solidFill>
+                  <a:schemeClr val="tx1"/>
+                </a:solidFill>
+                <a:latin typeface="微软雅黑" panose="020B0503020204020204" charset="-122"/>
+                <a:ea typeface="微软雅黑" panose="020B0503020204020204" charset="-122"/>
+              </a:rPr>
+              <a:t>patch </a:t>
+            </a:r>
+            <a:endParaRPr lang="en-US" altLang="zh-CN" sz="1600" dirty="0">
+              <a:solidFill>
+                <a:schemeClr val="tx1"/>
+              </a:solidFill>
+              <a:latin typeface="微软雅黑" panose="020B0503020204020204" charset="-122"/>
+              <a:ea typeface="微软雅黑" panose="020B0503020204020204" charset="-122"/>
+            </a:endParaRPr>
+          </a:p>
+          <a:p>
+            <a:pPr indent="457200"/>
+            <a:r>
+              <a:rPr lang="en-US" altLang="zh-CN" sz="1600" dirty="0">
+                <a:solidFill>
+                  <a:schemeClr val="tx1"/>
+                </a:solidFill>
+                <a:latin typeface="微软雅黑" panose="020B0503020204020204" charset="-122"/>
+                <a:ea typeface="微软雅黑" panose="020B0503020204020204" charset="-122"/>
+              </a:rPr>
+              <a:t>2.</a:t>
+            </a:r>
+            <a:r>
+              <a:rPr lang="zh-CN" altLang="en-US" sz="1600" dirty="0">
+                <a:solidFill>
+                  <a:schemeClr val="tx1"/>
+                </a:solidFill>
+                <a:latin typeface="微软雅黑" panose="020B0503020204020204" charset="-122"/>
+                <a:ea typeface="微软雅黑" panose="020B0503020204020204" charset="-122"/>
+              </a:rPr>
+              <a:t>在经过线性层后加入位置编码后加入一个</a:t>
+            </a:r>
+            <a:r>
+              <a:rPr lang="en-US" altLang="zh-CN" sz="1600" dirty="0">
+                <a:solidFill>
+                  <a:schemeClr val="tx1"/>
+                </a:solidFill>
+                <a:latin typeface="微软雅黑" panose="020B0503020204020204" charset="-122"/>
+                <a:ea typeface="微软雅黑" panose="020B0503020204020204" charset="-122"/>
+              </a:rPr>
+              <a:t>class</a:t>
+            </a:r>
+            <a:r>
+              <a:rPr lang="zh-CN" altLang="en-US" sz="1600" dirty="0">
+                <a:solidFill>
+                  <a:schemeClr val="tx1"/>
+                </a:solidFill>
+                <a:latin typeface="微软雅黑" panose="020B0503020204020204" charset="-122"/>
+                <a:ea typeface="微软雅黑" panose="020B0503020204020204" charset="-122"/>
+              </a:rPr>
+              <a:t>（</a:t>
+            </a:r>
+            <a:r>
+              <a:rPr lang="en-US" altLang="zh-CN" sz="1600" dirty="0">
+                <a:solidFill>
+                  <a:schemeClr val="tx1"/>
+                </a:solidFill>
+                <a:latin typeface="微软雅黑" panose="020B0503020204020204" charset="-122"/>
+                <a:ea typeface="微软雅黑" panose="020B0503020204020204" charset="-122"/>
+              </a:rPr>
+              <a:t>token</a:t>
+            </a:r>
+            <a:r>
+              <a:rPr lang="zh-CN" altLang="en-US" sz="1600" dirty="0">
+                <a:solidFill>
+                  <a:schemeClr val="tx1"/>
+                </a:solidFill>
+                <a:latin typeface="微软雅黑" panose="020B0503020204020204" charset="-122"/>
+                <a:ea typeface="微软雅黑" panose="020B0503020204020204" charset="-122"/>
+              </a:rPr>
+              <a:t>为</a:t>
+            </a:r>
+            <a:r>
+              <a:rPr lang="en-US" altLang="zh-CN" sz="1600" dirty="0">
+                <a:solidFill>
+                  <a:schemeClr val="tx1"/>
+                </a:solidFill>
+                <a:latin typeface="微软雅黑" panose="020B0503020204020204" charset="-122"/>
+                <a:ea typeface="微软雅黑" panose="020B0503020204020204" charset="-122"/>
+              </a:rPr>
+              <a:t>0</a:t>
+            </a:r>
+            <a:r>
+              <a:rPr lang="zh-CN" altLang="en-US" sz="1600" dirty="0">
+                <a:solidFill>
+                  <a:schemeClr val="tx1"/>
+                </a:solidFill>
+                <a:latin typeface="微软雅黑" panose="020B0503020204020204" charset="-122"/>
+                <a:ea typeface="微软雅黑" panose="020B0503020204020204" charset="-122"/>
+              </a:rPr>
+              <a:t>）</a:t>
+            </a:r>
+            <a:endParaRPr lang="zh-CN" altLang="en-US" sz="1600" dirty="0">
+              <a:solidFill>
+                <a:schemeClr val="tx1"/>
+              </a:solidFill>
+              <a:latin typeface="微软雅黑" panose="020B0503020204020204" charset="-122"/>
+              <a:ea typeface="微软雅黑" panose="020B0503020204020204" charset="-122"/>
+            </a:endParaRPr>
+          </a:p>
+          <a:p>
+            <a:pPr indent="457200"/>
+            <a:r>
+              <a:rPr lang="en-US" altLang="zh-CN" sz="1600" dirty="0">
+                <a:solidFill>
+                  <a:schemeClr val="tx1"/>
+                </a:solidFill>
+                <a:latin typeface="微软雅黑" panose="020B0503020204020204" charset="-122"/>
+                <a:ea typeface="微软雅黑" panose="020B0503020204020204" charset="-122"/>
+              </a:rPr>
+              <a:t>3.</a:t>
+            </a:r>
+            <a:r>
+              <a:rPr lang="zh-CN" altLang="en-US" sz="1600" dirty="0">
+                <a:solidFill>
+                  <a:schemeClr val="tx1"/>
+                </a:solidFill>
+                <a:latin typeface="微软雅黑" panose="020B0503020204020204" charset="-122"/>
+                <a:ea typeface="微软雅黑" panose="020B0503020204020204" charset="-122"/>
+              </a:rPr>
+              <a:t>经过</a:t>
+            </a:r>
+            <a:r>
+              <a:rPr lang="en-US" altLang="zh-CN" sz="1600" dirty="0">
+                <a:solidFill>
+                  <a:schemeClr val="tx1"/>
+                </a:solidFill>
+                <a:latin typeface="微软雅黑" panose="020B0503020204020204" charset="-122"/>
+                <a:ea typeface="微软雅黑" panose="020B0503020204020204" charset="-122"/>
+              </a:rPr>
+              <a:t>L</a:t>
+            </a:r>
+            <a:r>
+              <a:rPr lang="zh-CN" altLang="en-US" sz="1600" dirty="0">
+                <a:solidFill>
+                  <a:schemeClr val="tx1"/>
+                </a:solidFill>
+                <a:latin typeface="微软雅黑" panose="020B0503020204020204" charset="-122"/>
+                <a:ea typeface="微软雅黑" panose="020B0503020204020204" charset="-122"/>
+              </a:rPr>
+              <a:t>层</a:t>
+            </a:r>
+            <a:r>
+              <a:rPr lang="en-US" altLang="zh-CN" sz="1600" dirty="0">
+                <a:solidFill>
+                  <a:schemeClr val="tx1"/>
+                </a:solidFill>
+                <a:latin typeface="微软雅黑" panose="020B0503020204020204" charset="-122"/>
+                <a:ea typeface="微软雅黑" panose="020B0503020204020204" charset="-122"/>
+              </a:rPr>
+              <a:t>Transformer</a:t>
+            </a:r>
+            <a:r>
+              <a:rPr lang="zh-CN" altLang="en-US" sz="1600" dirty="0">
+                <a:solidFill>
+                  <a:schemeClr val="tx1"/>
+                </a:solidFill>
+                <a:latin typeface="微软雅黑" panose="020B0503020204020204" charset="-122"/>
+                <a:ea typeface="微软雅黑" panose="020B0503020204020204" charset="-122"/>
+              </a:rPr>
+              <a:t>循环之后取</a:t>
+            </a:r>
+            <a:r>
+              <a:rPr lang="en-US" altLang="zh-CN" sz="1600" dirty="0">
+                <a:solidFill>
+                  <a:schemeClr val="tx1"/>
+                </a:solidFill>
+                <a:latin typeface="微软雅黑" panose="020B0503020204020204" charset="-122"/>
+                <a:ea typeface="微软雅黑" panose="020B0503020204020204" charset="-122"/>
+              </a:rPr>
+              <a:t>class</a:t>
+            </a:r>
+            <a:r>
+              <a:rPr lang="zh-CN" altLang="en-US" sz="1600" dirty="0">
+                <a:solidFill>
+                  <a:schemeClr val="tx1"/>
+                </a:solidFill>
+                <a:latin typeface="微软雅黑" panose="020B0503020204020204" charset="-122"/>
+                <a:ea typeface="微软雅黑" panose="020B0503020204020204" charset="-122"/>
+              </a:rPr>
+              <a:t>对应的输出作为分类预</a:t>
+            </a:r>
+            <a:endParaRPr lang="zh-CN" altLang="en-US" sz="1600" dirty="0">
+              <a:solidFill>
+                <a:schemeClr val="tx1"/>
+              </a:solidFill>
+              <a:latin typeface="微软雅黑" panose="020B0503020204020204" charset="-122"/>
+              <a:ea typeface="微软雅黑" panose="020B0503020204020204" charset="-122"/>
+            </a:endParaRPr>
+          </a:p>
+          <a:p>
+            <a:pPr indent="457200"/>
+            <a:r>
+              <a:rPr lang="zh-CN" altLang="en-US" sz="1600" dirty="0">
+                <a:solidFill>
+                  <a:schemeClr val="tx1"/>
+                </a:solidFill>
+                <a:latin typeface="微软雅黑" panose="020B0503020204020204" charset="-122"/>
+                <a:ea typeface="微软雅黑" panose="020B0503020204020204" charset="-122"/>
+              </a:rPr>
+              <a:t> </a:t>
+            </a:r>
+            <a:r>
+              <a:rPr lang="en-US" altLang="zh-CN" sz="1600" dirty="0">
+                <a:solidFill>
+                  <a:schemeClr val="tx1"/>
+                </a:solidFill>
+                <a:latin typeface="微软雅黑" panose="020B0503020204020204" charset="-122"/>
+                <a:ea typeface="微软雅黑" panose="020B0503020204020204" charset="-122"/>
+              </a:rPr>
+              <a:t>  </a:t>
+            </a:r>
+            <a:r>
+              <a:rPr lang="zh-CN" altLang="en-US" sz="1600" dirty="0">
+                <a:solidFill>
+                  <a:schemeClr val="tx1"/>
+                </a:solidFill>
+                <a:latin typeface="微软雅黑" panose="020B0503020204020204" charset="-122"/>
+                <a:ea typeface="微软雅黑" panose="020B0503020204020204" charset="-122"/>
+              </a:rPr>
+              <a:t>测</a:t>
+            </a:r>
+            <a:endParaRPr lang="en-US" altLang="zh-CN" sz="1600" dirty="0">
+              <a:solidFill>
+                <a:schemeClr val="tx1"/>
+              </a:solidFill>
+              <a:latin typeface="微软雅黑" panose="020B0503020204020204" charset="-122"/>
+              <a:ea typeface="微软雅黑" panose="020B0503020204020204" charset="-122"/>
+            </a:endParaRPr>
+          </a:p>
+          <a:p>
+            <a:pPr marL="0" lvl="0" indent="0">
+              <a:buNone/>
+            </a:pPr>
+            <a:endParaRPr lang="en-US" altLang="zh-CN" sz="1600" dirty="0">
+              <a:solidFill>
+                <a:schemeClr val="tx1"/>
+              </a:solidFill>
+              <a:latin typeface="微软雅黑" panose="020B0503020204020204" charset="-122"/>
+              <a:ea typeface="微软雅黑" panose="020B0503020204020204" charset="-122"/>
+            </a:endParaRPr>
+          </a:p>
+          <a:p>
+            <a:pPr marL="0" lvl="0" indent="0">
+              <a:buNone/>
+            </a:pPr>
+            <a:endParaRPr lang="en-US" altLang="zh-CN" sz="1600" dirty="0">
+              <a:solidFill>
+                <a:schemeClr val="tx1"/>
+              </a:solidFill>
+              <a:latin typeface="微软雅黑" panose="020B0503020204020204" charset="-122"/>
+              <a:ea typeface="微软雅黑" panose="020B0503020204020204" charset="-122"/>
+            </a:endParaRPr>
+          </a:p>
+          <a:p>
+            <a:pPr marL="0" lvl="0" indent="0">
+              <a:buNone/>
+            </a:pPr>
+            <a:endParaRPr lang="en-US" altLang="zh-CN" sz="1600" dirty="0">
+              <a:solidFill>
+                <a:schemeClr val="tx1"/>
+              </a:solidFill>
+              <a:latin typeface="微软雅黑" panose="020B0503020204020204" charset="-122"/>
+              <a:ea typeface="微软雅黑" panose="020B0503020204020204" charset="-122"/>
+            </a:endParaRPr>
+          </a:p>
+        </p:txBody>
+      </p:sp>
+      <p:pic>
+        <p:nvPicPr>
+          <p:cNvPr id="12" name="图片 11"/>
+          <p:cNvPicPr>
+            <a:picLocks noChangeAspect="1"/>
+          </p:cNvPicPr>
+          <p:nvPr/>
+        </p:nvPicPr>
+        <p:blipFill>
+          <a:blip r:embed="rId6"/>
+          <a:stretch>
+            <a:fillRect/>
+          </a:stretch>
+        </p:blipFill>
+        <p:spPr>
+          <a:xfrm>
+            <a:off x="6920230" y="685800"/>
+            <a:ext cx="5157470" cy="4932045"/>
+          </a:xfrm>
+          <a:prstGeom prst="rect">
+            <a:avLst/>
+          </a:prstGeom>
+        </p:spPr>
+      </p:pic>
+    </p:spTree>
+  </p:cSld>
+  <p:clrMapOvr>
+    <a:masterClrMapping/>
+  </p:clrMapOvr>
+</p:sld>
+</file>
+
+<file path=ppt/slides/slide11.xml><?xml version="1.0" encoding="utf-8"?>
+<p:sld xmlns:a="http://schemas.openxmlformats.org/drawingml/2006/main" xmlns:r="http://schemas.openxmlformats.org/officeDocument/2006/relationships" xmlns:p="http://schemas.openxmlformats.org/presentationml/2006/main">
+  <p:cSld>
+    <p:spTree>
+      <p:nvGrpSpPr>
+        <p:cNvPr id="1" name=""/>
+        <p:cNvGrpSpPr/>
+        <p:nvPr/>
+      </p:nvGrpSpPr>
+      <p:grpSpPr>
+        <a:xfrm>
+          <a:off x="0" y="0"/>
+          <a:ext cx="0" cy="0"/>
+          <a:chOff x="0" y="0"/>
+          <a:chExt cx="0" cy="0"/>
+        </a:xfrm>
+      </p:grpSpPr>
+      <p:sp>
+        <p:nvSpPr>
+          <p:cNvPr id="7" name="文本框 6"/>
+          <p:cNvSpPr txBox="1"/>
+          <p:nvPr/>
+        </p:nvSpPr>
+        <p:spPr>
+          <a:xfrm>
+            <a:off x="724535" y="1323340"/>
+            <a:ext cx="2247900" cy="410845"/>
+          </a:xfrm>
+          <a:prstGeom prst="rect">
+            <a:avLst/>
+          </a:prstGeom>
+          <a:noFill/>
+        </p:spPr>
+        <p:txBody>
+          <a:bodyPr wrap="square">
+            <a:noAutofit/>
+          </a:bodyPr>
+          <a:lstStyle/>
+          <a:p>
+            <a:pPr algn="l" fontAlgn="auto">
+              <a:lnSpc>
+                <a:spcPts val="2200"/>
+              </a:lnSpc>
+              <a:buClrTx/>
+              <a:buSzTx/>
+              <a:buNone/>
+            </a:pPr>
+            <a:endParaRPr lang="zh-CN" altLang="en-US" sz="1600" dirty="0">
+              <a:latin typeface="微软雅黑" panose="020B0503020204020204" charset="-122"/>
+              <a:ea typeface="微软雅黑" panose="020B0503020204020204" charset="-122"/>
+            </a:endParaRPr>
+          </a:p>
+        </p:txBody>
+      </p:sp>
+      <p:sp>
+        <p:nvSpPr>
+          <p:cNvPr id="3" name="矩形 2"/>
+          <p:cNvSpPr/>
+          <p:nvPr>
+            <p:custDataLst>
+              <p:tags r:id="rId1"/>
+            </p:custDataLst>
+          </p:nvPr>
+        </p:nvSpPr>
+        <p:spPr>
+          <a:xfrm>
+            <a:off x="-6350" y="0"/>
+            <a:ext cx="12198350" cy="540000"/>
+          </a:xfrm>
+          <a:prstGeom prst="rect">
+            <a:avLst/>
+          </a:prstGeom>
+          <a:solidFill>
+            <a:srgbClr val="A099CB"/>
+          </a:solidFill>
+          <a:ln>
+            <a:noFill/>
+          </a:ln>
+        </p:spPr>
+        <p:style>
+          <a:lnRef idx="2">
+            <a:schemeClr val="accent1">
+              <a:shade val="50000"/>
+            </a:schemeClr>
+          </a:lnRef>
+          <a:fillRef idx="1">
+            <a:schemeClr val="accent1"/>
+          </a:fillRef>
+          <a:effectRef idx="0">
+            <a:schemeClr val="accent1"/>
+          </a:effectRef>
+          <a:fontRef idx="minor">
+            <a:schemeClr val="lt1"/>
+          </a:fontRef>
+        </p:style>
+        <p:txBody>
+          <a:bodyPr rtlCol="0" anchor="ctr"/>
+          <a:p>
+            <a:pPr marL="0" marR="0" lvl="0" indent="0" algn="ctr" defTabSz="914400" rtl="0" eaLnBrk="1" fontAlgn="auto" latinLnBrk="0" hangingPunct="1">
+              <a:lnSpc>
+                <a:spcPct val="100000"/>
+              </a:lnSpc>
+              <a:spcBef>
+                <a:spcPts val="0"/>
+              </a:spcBef>
+              <a:spcAft>
+                <a:spcPts val="0"/>
+              </a:spcAft>
+              <a:buClrTx/>
+              <a:buSzTx/>
+              <a:buFontTx/>
+              <a:buNone/>
+              <a:defRPr/>
+            </a:pPr>
+            <a:r>
+              <a:rPr lang="en-US" altLang="zh-CN" dirty="0">
+                <a:effectLst/>
+                <a:latin typeface="微软雅黑" panose="020B0503020204020204" charset="-122"/>
+                <a:ea typeface="微软雅黑" panose="020B0503020204020204" charset="-122"/>
+              </a:rPr>
+              <a:t>3.</a:t>
+            </a:r>
+            <a:r>
+              <a:rPr lang="zh-CN" altLang="en-US" dirty="0">
+                <a:effectLst/>
+                <a:latin typeface="微软雅黑" panose="020B0503020204020204" charset="-122"/>
+                <a:ea typeface="微软雅黑" panose="020B0503020204020204" charset="-122"/>
+              </a:rPr>
+              <a:t>下周计划</a:t>
+            </a:r>
+            <a:r>
+              <a:rPr lang="en-US" altLang="zh-CN" dirty="0">
+                <a:effectLst/>
+                <a:latin typeface="微软雅黑" panose="020B0503020204020204" charset="-122"/>
+                <a:ea typeface="微软雅黑" panose="020B0503020204020204" charset="-122"/>
+              </a:rPr>
+              <a:t>&amp;</a:t>
+            </a:r>
+            <a:r>
+              <a:rPr lang="zh-CN" altLang="en-US" dirty="0">
+                <a:effectLst/>
+                <a:latin typeface="微软雅黑" panose="020B0503020204020204" charset="-122"/>
+                <a:ea typeface="微软雅黑" panose="020B0503020204020204" charset="-122"/>
+              </a:rPr>
+              <a:t>基础补齐</a:t>
+            </a:r>
+            <a:endParaRPr lang="zh-CN" altLang="en-US" dirty="0">
+              <a:effectLst/>
+              <a:latin typeface="微软雅黑" panose="020B0503020204020204" charset="-122"/>
+              <a:ea typeface="微软雅黑" panose="020B0503020204020204" charset="-122"/>
+            </a:endParaRPr>
+          </a:p>
+        </p:txBody>
+      </p:sp>
+      <p:sp>
+        <p:nvSpPr>
+          <p:cNvPr id="2" name="文本框 1"/>
+          <p:cNvSpPr txBox="1"/>
+          <p:nvPr>
+            <p:custDataLst>
+              <p:tags r:id="rId2"/>
+            </p:custDataLst>
+          </p:nvPr>
+        </p:nvSpPr>
+        <p:spPr>
+          <a:xfrm>
+            <a:off x="455295" y="972185"/>
+            <a:ext cx="1725930" cy="506730"/>
+          </a:xfrm>
+          <a:prstGeom prst="rect">
+            <a:avLst/>
+          </a:prstGeom>
+          <a:noFill/>
+        </p:spPr>
+        <p:txBody>
+          <a:bodyPr wrap="square" rtlCol="0">
+            <a:spAutoFit/>
+          </a:bodyPr>
+          <a:p>
+            <a:pPr marL="285750" indent="-285750">
+              <a:lnSpc>
+                <a:spcPct val="150000"/>
+              </a:lnSpc>
+              <a:buFont typeface="Wingdings" panose="05000000000000000000" charset="0"/>
+              <a:buChar char="p"/>
+            </a:pPr>
+            <a:r>
+              <a:rPr lang="zh-CN" altLang="en-US" b="1" dirty="0">
+                <a:latin typeface="微软雅黑" panose="020B0503020204020204" charset="-122"/>
+                <a:ea typeface="微软雅黑" panose="020B0503020204020204" charset="-122"/>
+              </a:rPr>
+              <a:t>深度学习：</a:t>
+            </a:r>
+            <a:endParaRPr lang="en-US" altLang="zh-CN" b="1" dirty="0">
+              <a:latin typeface="微软雅黑" panose="020B0503020204020204" charset="-122"/>
+              <a:ea typeface="微软雅黑" panose="020B0503020204020204" charset="-122"/>
+            </a:endParaRPr>
+          </a:p>
+        </p:txBody>
+      </p:sp>
+      <p:sp>
+        <p:nvSpPr>
+          <p:cNvPr id="4" name="文本框 3"/>
+          <p:cNvSpPr txBox="1"/>
+          <p:nvPr/>
+        </p:nvSpPr>
+        <p:spPr>
+          <a:xfrm>
+            <a:off x="979170" y="1513840"/>
+            <a:ext cx="2676525" cy="5110480"/>
+          </a:xfrm>
+          <a:prstGeom prst="rect">
+            <a:avLst/>
+          </a:prstGeom>
+          <a:noFill/>
+        </p:spPr>
+        <p:txBody>
+          <a:bodyPr wrap="square" rtlCol="0">
+            <a:noAutofit/>
+          </a:bodyPr>
+          <a:p>
+            <a:r>
+              <a:rPr lang="en-US" altLang="zh-CN" sz="1600" dirty="0">
+                <a:solidFill>
+                  <a:schemeClr val="tx1"/>
+                </a:solidFill>
+                <a:latin typeface="微软雅黑" panose="020B0503020204020204" charset="-122"/>
+                <a:ea typeface="微软雅黑" panose="020B0503020204020204" charset="-122"/>
+              </a:rPr>
+              <a:t>1.  </a:t>
+            </a:r>
+            <a:r>
+              <a:rPr lang="zh-CN" altLang="en-US" sz="1600" dirty="0">
+                <a:solidFill>
+                  <a:schemeClr val="tx1"/>
+                </a:solidFill>
+                <a:latin typeface="微软雅黑" panose="020B0503020204020204" charset="-122"/>
+                <a:ea typeface="微软雅黑" panose="020B0503020204020204" charset="-122"/>
+              </a:rPr>
+              <a:t>学习吴恩达卷积进阶课</a:t>
+            </a:r>
+            <a:endParaRPr lang="zh-CN" altLang="en-US" sz="1600" dirty="0">
+              <a:solidFill>
+                <a:schemeClr val="tx1"/>
+              </a:solidFill>
+              <a:latin typeface="微软雅黑" panose="020B0503020204020204" charset="-122"/>
+              <a:ea typeface="微软雅黑" panose="020B0503020204020204" charset="-122"/>
+            </a:endParaRPr>
+          </a:p>
+          <a:p>
+            <a:endParaRPr lang="zh-CN" altLang="en-US" sz="1600" dirty="0">
+              <a:solidFill>
+                <a:schemeClr val="tx1"/>
+              </a:solidFill>
+              <a:latin typeface="微软雅黑" panose="020B0503020204020204" charset="-122"/>
+              <a:ea typeface="微软雅黑" panose="020B0503020204020204" charset="-122"/>
+            </a:endParaRPr>
+          </a:p>
+          <a:p>
+            <a:endParaRPr lang="zh-CN" altLang="en-US" sz="1600" dirty="0">
+              <a:solidFill>
+                <a:schemeClr val="tx1"/>
+              </a:solidFill>
+              <a:latin typeface="微软雅黑" panose="020B0503020204020204" charset="-122"/>
+              <a:ea typeface="微软雅黑" panose="020B0503020204020204" charset="-122"/>
+            </a:endParaRPr>
+          </a:p>
+          <a:p>
+            <a:r>
+              <a:rPr lang="en-US" altLang="zh-CN" sz="1600" dirty="0">
+                <a:solidFill>
+                  <a:schemeClr val="tx1"/>
+                </a:solidFill>
+                <a:latin typeface="微软雅黑" panose="020B0503020204020204" charset="-122"/>
+                <a:ea typeface="微软雅黑" panose="020B0503020204020204" charset="-122"/>
+              </a:rPr>
+              <a:t>2.  </a:t>
+            </a:r>
+            <a:r>
+              <a:rPr lang="zh-CN" altLang="en-US" sz="1600" dirty="0">
+                <a:solidFill>
+                  <a:schemeClr val="tx1"/>
+                </a:solidFill>
+                <a:latin typeface="微软雅黑" panose="020B0503020204020204" charset="-122"/>
+                <a:ea typeface="微软雅黑" panose="020B0503020204020204" charset="-122"/>
+              </a:rPr>
+              <a:t>重新</a:t>
+            </a:r>
+            <a:r>
+              <a:rPr lang="zh-CN" sz="1600" dirty="0">
+                <a:solidFill>
+                  <a:schemeClr val="tx1"/>
+                </a:solidFill>
+                <a:latin typeface="微软雅黑" panose="020B0503020204020204" charset="-122"/>
+                <a:ea typeface="微软雅黑" panose="020B0503020204020204" charset="-122"/>
+              </a:rPr>
+              <a:t>改一个</a:t>
+            </a:r>
+            <a:r>
+              <a:rPr lang="en-US" altLang="zh-CN" sz="1600" b="1" dirty="0">
+                <a:solidFill>
+                  <a:schemeClr val="tx1"/>
+                </a:solidFill>
+                <a:latin typeface="微软雅黑" panose="020B0503020204020204" charset="-122"/>
+                <a:ea typeface="微软雅黑" panose="020B0503020204020204" charset="-122"/>
+              </a:rPr>
+              <a:t>backbone</a:t>
+            </a:r>
+            <a:r>
+              <a:rPr lang="zh-CN" altLang="en-US" sz="1600" dirty="0">
+                <a:solidFill>
+                  <a:schemeClr val="tx1"/>
+                </a:solidFill>
+                <a:latin typeface="微软雅黑" panose="020B0503020204020204" charset="-122"/>
+                <a:ea typeface="微软雅黑" panose="020B0503020204020204" charset="-122"/>
+              </a:rPr>
+              <a:t>改成</a:t>
+            </a:r>
+            <a:r>
+              <a:rPr lang="en-US" altLang="zh-CN" sz="1600" b="1" dirty="0">
+                <a:solidFill>
+                  <a:schemeClr val="tx1"/>
+                </a:solidFill>
+                <a:latin typeface="微软雅黑" panose="020B0503020204020204" charset="-122"/>
+                <a:ea typeface="微软雅黑" panose="020B0503020204020204" charset="-122"/>
+              </a:rPr>
+              <a:t>detr</a:t>
+            </a:r>
+            <a:r>
+              <a:rPr lang="zh-CN" altLang="en-US" sz="1600" dirty="0">
+                <a:solidFill>
+                  <a:schemeClr val="tx1"/>
+                </a:solidFill>
+                <a:latin typeface="微软雅黑" panose="020B0503020204020204" charset="-122"/>
+                <a:ea typeface="微软雅黑" panose="020B0503020204020204" charset="-122"/>
+              </a:rPr>
+              <a:t>以保证对代码的理解</a:t>
+            </a:r>
+            <a:r>
+              <a:rPr lang="en-US" altLang="zh-CN" sz="1600" dirty="0">
+                <a:solidFill>
+                  <a:schemeClr val="tx1"/>
+                </a:solidFill>
+                <a:latin typeface="微软雅黑" panose="020B0503020204020204" charset="-122"/>
+                <a:ea typeface="微软雅黑" panose="020B0503020204020204" charset="-122"/>
+              </a:rPr>
+              <a:t> </a:t>
+            </a:r>
+            <a:r>
+              <a:rPr lang="zh-CN" altLang="en-US" sz="1600" dirty="0">
+                <a:solidFill>
+                  <a:schemeClr val="tx1"/>
+                </a:solidFill>
+                <a:latin typeface="微软雅黑" panose="020B0503020204020204" charset="-122"/>
+                <a:ea typeface="微软雅黑" panose="020B0503020204020204" charset="-122"/>
+              </a:rPr>
+              <a:t>，凭着自己的理解修改的代码效果更差了</a:t>
+            </a:r>
+            <a:r>
+              <a:rPr lang="en-US" altLang="zh-CN" sz="1600" dirty="0">
+                <a:solidFill>
+                  <a:schemeClr val="tx1"/>
+                </a:solidFill>
+                <a:latin typeface="微软雅黑" panose="020B0503020204020204" charset="-122"/>
+                <a:ea typeface="微软雅黑" panose="020B0503020204020204" charset="-122"/>
+              </a:rPr>
+              <a:t> </a:t>
+            </a:r>
+            <a:r>
+              <a:rPr lang="zh-CN" altLang="en-US" sz="1600" dirty="0">
+                <a:solidFill>
+                  <a:schemeClr val="tx1"/>
+                </a:solidFill>
+                <a:latin typeface="微软雅黑" panose="020B0503020204020204" charset="-122"/>
+                <a:ea typeface="微软雅黑" panose="020B0503020204020204" charset="-122"/>
+              </a:rPr>
+              <a:t>（上图是原效果，下图是修改后效果，</a:t>
+            </a:r>
+            <a:r>
+              <a:rPr lang="zh-CN" altLang="en-US" sz="1600" b="1" dirty="0">
+                <a:solidFill>
+                  <a:schemeClr val="tx1"/>
+                </a:solidFill>
+                <a:latin typeface="微软雅黑" panose="020B0503020204020204" charset="-122"/>
+                <a:ea typeface="微软雅黑" panose="020B0503020204020204" charset="-122"/>
+              </a:rPr>
+              <a:t>只修改架构不用去管下游工作</a:t>
+            </a:r>
+            <a:r>
+              <a:rPr lang="zh-CN" altLang="en-US" sz="1600" dirty="0">
+                <a:solidFill>
+                  <a:schemeClr val="tx1"/>
+                </a:solidFill>
+                <a:latin typeface="微软雅黑" panose="020B0503020204020204" charset="-122"/>
+                <a:ea typeface="微软雅黑" panose="020B0503020204020204" charset="-122"/>
+              </a:rPr>
+              <a:t>（是一个时间序列的预测工作））</a:t>
+            </a:r>
+            <a:endParaRPr lang="zh-CN" altLang="en-US" sz="1600" dirty="0">
+              <a:solidFill>
+                <a:schemeClr val="tx1"/>
+              </a:solidFill>
+              <a:latin typeface="微软雅黑" panose="020B0503020204020204" charset="-122"/>
+              <a:ea typeface="微软雅黑" panose="020B0503020204020204" charset="-122"/>
+            </a:endParaRPr>
+          </a:p>
+          <a:p>
+            <a:endParaRPr lang="zh-CN" altLang="en-US" sz="1600" dirty="0">
+              <a:solidFill>
+                <a:schemeClr val="tx1"/>
+              </a:solidFill>
+              <a:latin typeface="微软雅黑" panose="020B0503020204020204" charset="-122"/>
+              <a:ea typeface="微软雅黑" panose="020B0503020204020204" charset="-122"/>
+            </a:endParaRPr>
+          </a:p>
+          <a:p>
+            <a:endParaRPr lang="en-US" altLang="zh-CN" sz="1600" dirty="0">
+              <a:solidFill>
+                <a:schemeClr val="tx1"/>
+              </a:solidFill>
+              <a:latin typeface="微软雅黑" panose="020B0503020204020204" charset="-122"/>
+              <a:ea typeface="微软雅黑" panose="020B0503020204020204" charset="-122"/>
+            </a:endParaRPr>
+          </a:p>
+          <a:p>
+            <a:r>
+              <a:rPr lang="en-US" altLang="zh-CN" sz="1600" dirty="0">
+                <a:solidFill>
+                  <a:schemeClr val="tx1"/>
+                </a:solidFill>
+                <a:latin typeface="微软雅黑" panose="020B0503020204020204" charset="-122"/>
+                <a:ea typeface="微软雅黑" panose="020B0503020204020204" charset="-122"/>
+              </a:rPr>
+              <a:t>3.  </a:t>
+            </a:r>
+            <a:r>
+              <a:rPr lang="zh-CN" altLang="en-US" sz="1600" dirty="0">
+                <a:solidFill>
+                  <a:schemeClr val="tx1"/>
+                </a:solidFill>
+                <a:latin typeface="微软雅黑" panose="020B0503020204020204" charset="-122"/>
+                <a:ea typeface="微软雅黑" panose="020B0503020204020204" charset="-122"/>
+              </a:rPr>
+              <a:t>下次汇报打算重新讲讲自己对</a:t>
+            </a:r>
+            <a:r>
+              <a:rPr lang="en-US" altLang="zh-CN" sz="1600" b="1" dirty="0">
+                <a:solidFill>
+                  <a:schemeClr val="tx1"/>
+                </a:solidFill>
+                <a:latin typeface="微软雅黑" panose="020B0503020204020204" charset="-122"/>
+                <a:ea typeface="微软雅黑" panose="020B0503020204020204" charset="-122"/>
+              </a:rPr>
+              <a:t>Transformer</a:t>
+            </a:r>
+            <a:r>
+              <a:rPr lang="zh-CN" altLang="en-US" sz="1600" dirty="0">
+                <a:solidFill>
+                  <a:schemeClr val="tx1"/>
+                </a:solidFill>
+                <a:latin typeface="微软雅黑" panose="020B0503020204020204" charset="-122"/>
+                <a:ea typeface="微软雅黑" panose="020B0503020204020204" charset="-122"/>
+              </a:rPr>
+              <a:t>的理解，不能为了讲而讲，最近敲代码才感觉对</a:t>
+            </a:r>
+            <a:r>
+              <a:rPr lang="en-US" altLang="zh-CN" sz="1600" b="1" dirty="0">
+                <a:solidFill>
+                  <a:schemeClr val="tx1"/>
+                </a:solidFill>
+                <a:latin typeface="微软雅黑" panose="020B0503020204020204" charset="-122"/>
+                <a:ea typeface="微软雅黑" panose="020B0503020204020204" charset="-122"/>
+              </a:rPr>
+              <a:t>Transformer</a:t>
+            </a:r>
+            <a:r>
+              <a:rPr lang="zh-CN" altLang="en-US" sz="1600" dirty="0">
+                <a:solidFill>
+                  <a:schemeClr val="tx1"/>
+                </a:solidFill>
+                <a:latin typeface="微软雅黑" panose="020B0503020204020204" charset="-122"/>
+                <a:ea typeface="微软雅黑" panose="020B0503020204020204" charset="-122"/>
+              </a:rPr>
+              <a:t>系列的模型稍有了解</a:t>
+            </a:r>
+            <a:endParaRPr lang="zh-CN" altLang="en-US" sz="1600" dirty="0">
+              <a:solidFill>
+                <a:schemeClr val="tx1"/>
+              </a:solidFill>
+              <a:latin typeface="微软雅黑" panose="020B0503020204020204" charset="-122"/>
+              <a:ea typeface="微软雅黑" panose="020B0503020204020204" charset="-122"/>
+            </a:endParaRPr>
+          </a:p>
+          <a:p>
+            <a:endParaRPr lang="zh-CN" altLang="en-US" sz="1600" dirty="0">
+              <a:solidFill>
+                <a:schemeClr val="tx1"/>
+              </a:solidFill>
+              <a:latin typeface="微软雅黑" panose="020B0503020204020204" charset="-122"/>
+              <a:ea typeface="微软雅黑" panose="020B0503020204020204" charset="-122"/>
+            </a:endParaRPr>
+          </a:p>
+          <a:p>
+            <a:endParaRPr lang="en-US" altLang="zh-CN" sz="1600" dirty="0">
+              <a:solidFill>
+                <a:schemeClr val="tx1"/>
+              </a:solidFill>
+              <a:latin typeface="微软雅黑" panose="020B0503020204020204" charset="-122"/>
+              <a:ea typeface="微软雅黑" panose="020B0503020204020204" charset="-122"/>
+            </a:endParaRPr>
+          </a:p>
+          <a:p>
+            <a:endParaRPr lang="zh-CN" altLang="en-US" sz="1600" dirty="0">
+              <a:solidFill>
+                <a:schemeClr val="tx1"/>
+              </a:solidFill>
+              <a:latin typeface="微软雅黑" panose="020B0503020204020204" charset="-122"/>
+              <a:ea typeface="微软雅黑" panose="020B0503020204020204" charset="-122"/>
+            </a:endParaRPr>
+          </a:p>
+          <a:p>
+            <a:endParaRPr lang="en-US" altLang="zh-CN" sz="1600" dirty="0">
+              <a:solidFill>
+                <a:schemeClr val="tx1"/>
+              </a:solidFill>
+              <a:latin typeface="微软雅黑" panose="020B0503020204020204" charset="-122"/>
+              <a:ea typeface="微软雅黑" panose="020B0503020204020204" charset="-122"/>
+            </a:endParaRPr>
+          </a:p>
+          <a:p>
+            <a:endParaRPr lang="en-US" altLang="zh-CN" sz="1600" dirty="0">
+              <a:solidFill>
+                <a:schemeClr val="tx1"/>
+              </a:solidFill>
+              <a:latin typeface="微软雅黑" panose="020B0503020204020204" charset="-122"/>
+              <a:ea typeface="微软雅黑" panose="020B0503020204020204" charset="-122"/>
+            </a:endParaRPr>
+          </a:p>
+          <a:p>
+            <a:endParaRPr lang="en-US" altLang="zh-CN" sz="1600" dirty="0">
+              <a:solidFill>
+                <a:schemeClr val="tx1"/>
+              </a:solidFill>
+              <a:latin typeface="微软雅黑" panose="020B0503020204020204" charset="-122"/>
+              <a:ea typeface="微软雅黑" panose="020B0503020204020204" charset="-122"/>
+            </a:endParaRPr>
+          </a:p>
+        </p:txBody>
+      </p:sp>
+      <p:pic>
+        <p:nvPicPr>
+          <p:cNvPr id="6" name="图片 5" descr="scores_ecg2"/>
+          <p:cNvPicPr>
+            <a:picLocks noChangeAspect="1"/>
+          </p:cNvPicPr>
+          <p:nvPr/>
+        </p:nvPicPr>
+        <p:blipFill>
+          <a:blip r:embed="rId3"/>
+          <a:stretch>
+            <a:fillRect/>
+          </a:stretch>
+        </p:blipFill>
+        <p:spPr>
+          <a:xfrm>
+            <a:off x="3858895" y="539750"/>
+            <a:ext cx="8216265" cy="2739390"/>
+          </a:xfrm>
+          <a:prstGeom prst="rect">
+            <a:avLst/>
+          </a:prstGeom>
+        </p:spPr>
+      </p:pic>
+      <p:pic>
+        <p:nvPicPr>
+          <p:cNvPr id="5" name="图片 4" descr="微信图片_20241015164347"/>
+          <p:cNvPicPr>
+            <a:picLocks noChangeAspect="1"/>
+          </p:cNvPicPr>
+          <p:nvPr/>
+        </p:nvPicPr>
+        <p:blipFill>
+          <a:blip r:embed="rId4"/>
+          <a:stretch>
+            <a:fillRect/>
+          </a:stretch>
+        </p:blipFill>
+        <p:spPr>
+          <a:xfrm>
+            <a:off x="3936365" y="4011295"/>
+            <a:ext cx="7838440" cy="2613025"/>
+          </a:xfrm>
+          <a:prstGeom prst="rect">
+            <a:avLst/>
+          </a:prstGeom>
+        </p:spPr>
+      </p:pic>
+    </p:spTree>
+  </p:cSld>
+  <p:clrMapOvr>
+    <a:masterClrMapping/>
+  </p:clrMapOvr>
+</p:sld>
+</file>
+
+<file path=ppt/slides/slide12.xml><?xml version="1.0" encoding="utf-8"?>
+<p:sld xmlns:a="http://schemas.openxmlformats.org/drawingml/2006/main" xmlns:r="http://schemas.openxmlformats.org/officeDocument/2006/relationships" xmlns:p="http://schemas.openxmlformats.org/presentationml/2006/main">
+  <p:cSld>
+    <p:spTree>
+      <p:nvGrpSpPr>
+        <p:cNvPr id="1" name=""/>
+        <p:cNvGrpSpPr/>
+        <p:nvPr/>
+      </p:nvGrpSpPr>
+      <p:grpSpPr>
+        <a:xfrm>
+          <a:off x="0" y="0"/>
+          <a:ext cx="0" cy="0"/>
+          <a:chOff x="0" y="0"/>
+          <a:chExt cx="0" cy="0"/>
+        </a:xfrm>
+      </p:grpSpPr>
       <p:pic>
         <p:nvPicPr>
           <p:cNvPr id="4" name="图片 3" descr="1"/>
@@ -8749,16 +10740,40 @@
           <a:chExt cx="0" cy="0"/>
         </a:xfrm>
       </p:grpSpPr>
-      <p:sp>
-        <p:nvSpPr>
-          <p:cNvPr id="7" name="文本框 6"/>
+      <p:pic>
+        <p:nvPicPr>
+          <p:cNvPr id="4" name="图片 3" descr="1"/>
+          <p:cNvPicPr>
+            <a:picLocks noChangeAspect="1"/>
+          </p:cNvPicPr>
+          <p:nvPr/>
+        </p:nvPicPr>
+        <p:blipFill>
+          <a:blip r:embed="rId1"/>
+          <a:stretch>
+            <a:fillRect/>
+          </a:stretch>
+        </p:blipFill>
+        <p:spPr>
+          <a:xfrm>
+            <a:off x="4745355" y="-588645"/>
+            <a:ext cx="12060555" cy="8474075"/>
+          </a:xfrm>
+          <a:prstGeom prst="rect">
+            <a:avLst/>
+          </a:prstGeom>
+        </p:spPr>
+      </p:pic>
+      <p:sp>
+        <p:nvSpPr>
+          <p:cNvPr id="5" name="文本框 4"/>
           <p:cNvSpPr txBox="1"/>
           <p:nvPr/>
         </p:nvSpPr>
         <p:spPr>
           <a:xfrm>
-            <a:off x="724535" y="1323340"/>
-            <a:ext cx="2247900" cy="410845"/>
+            <a:off x="1038225" y="1470025"/>
+            <a:ext cx="2301875" cy="1861185"/>
           </a:xfrm>
           <a:prstGeom prst="rect">
             <a:avLst/>
@@ -8766,69 +10781,82 @@
           <a:noFill/>
         </p:spPr>
         <p:txBody>
-          <a:bodyPr wrap="square">
-            <a:noAutofit/>
+          <a:bodyPr wrap="square" rtlCol="0">
+            <a:spAutoFit/>
           </a:bodyPr>
           <a:lstStyle/>
           <a:p>
-            <a:pPr algn="l" fontAlgn="auto">
+            <a:pPr marL="0" marR="0" lvl="0" indent="0" algn="l" defTabSz="914400" rtl="0" eaLnBrk="1" fontAlgn="auto" latinLnBrk="0" hangingPunct="1">
               <a:lnSpc>
-                <a:spcPts val="2200"/>
+                <a:spcPct val="100000"/>
               </a:lnSpc>
+              <a:spcBef>
+                <a:spcPts val="0"/>
+              </a:spcBef>
+              <a:spcAft>
+                <a:spcPts val="0"/>
+              </a:spcAft>
               <a:buClrTx/>
               <a:buSzTx/>
-              <a:buNone/>
+              <a:buFontTx/>
+              <a:buNone/>
+              <a:defRPr/>
             </a:pPr>
-            <a:endParaRPr lang="zh-CN" altLang="en-US" sz="1600" dirty="0">
-              <a:latin typeface="微软雅黑" panose="020B0503020204020204" charset="-122"/>
-              <a:ea typeface="微软雅黑" panose="020B0503020204020204" charset="-122"/>
-            </a:endParaRPr>
-          </a:p>
-        </p:txBody>
-      </p:sp>
-      <p:sp>
-        <p:nvSpPr>
-          <p:cNvPr id="3" name="矩形 2"/>
-          <p:cNvSpPr/>
-          <p:nvPr>
-            <p:custDataLst>
-              <p:tags r:id="rId1"/>
-            </p:custDataLst>
-          </p:nvPr>
+            <a:r>
+              <a:rPr kumimoji="0" lang="en-US" altLang="zh-CN" sz="11500" b="0" i="0" u="none" strike="noStrike" kern="1200" cap="none" spc="0" normalizeH="0" baseline="0" noProof="0" dirty="0">
+                <a:ln>
+                  <a:solidFill>
+                    <a:srgbClr val="383987"/>
+                  </a:solidFill>
+                </a:ln>
+                <a:noFill/>
+                <a:effectLst/>
+                <a:uLnTx/>
+                <a:uFillTx/>
+                <a:latin typeface="Agency FB" panose="020B0503020202020204" pitchFamily="34" charset="0"/>
+                <a:ea typeface="宋体" panose="02010600030101010101" pitchFamily="2" charset="-122"/>
+                <a:cs typeface="+mn-cs"/>
+              </a:rPr>
+              <a:t>02</a:t>
+            </a:r>
+            <a:endParaRPr kumimoji="0" lang="en-US" altLang="zh-CN" sz="11500" b="0" i="0" u="none" strike="noStrike" kern="1200" cap="none" spc="0" normalizeH="0" baseline="0" noProof="0" dirty="0">
+              <a:ln>
+                <a:solidFill>
+                  <a:srgbClr val="383987"/>
+                </a:solidFill>
+              </a:ln>
+              <a:noFill/>
+              <a:effectLst/>
+              <a:uLnTx/>
+              <a:uFillTx/>
+              <a:latin typeface="Agency FB" panose="020B0503020202020204" pitchFamily="34" charset="0"/>
+              <a:ea typeface="宋体" panose="02010600030101010101" pitchFamily="2" charset="-122"/>
+              <a:cs typeface="+mn-cs"/>
+            </a:endParaRPr>
+          </a:p>
+        </p:txBody>
+      </p:sp>
+      <p:sp>
+        <p:nvSpPr>
+          <p:cNvPr id="6" name="文本框 5"/>
+          <p:cNvSpPr txBox="1"/>
+          <p:nvPr/>
         </p:nvSpPr>
         <p:spPr>
           <a:xfrm>
-            <a:off x="-6350" y="0"/>
-            <a:ext cx="12198350" cy="540000"/>
+            <a:off x="1265555" y="3049270"/>
+            <a:ext cx="11768455" cy="777240"/>
           </a:xfrm>
           <a:prstGeom prst="rect">
             <a:avLst/>
           </a:prstGeom>
-          <a:solidFill>
-            <a:srgbClr val="A099CB"/>
-          </a:solidFill>
-          <a:ln>
-            <a:noFill/>
-          </a:ln>
+          <a:noFill/>
         </p:spPr>
-        <p:style>
-          <a:lnRef idx="2">
-            <a:schemeClr val="accent1">
-              <a:shade val="50000"/>
-            </a:schemeClr>
-          </a:lnRef>
-          <a:fillRef idx="1">
-            <a:schemeClr val="accent1"/>
-          </a:fillRef>
-          <a:effectRef idx="0">
-            <a:schemeClr val="accent1"/>
-          </a:effectRef>
-          <a:fontRef idx="minor">
-            <a:schemeClr val="lt1"/>
-          </a:fontRef>
-        </p:style>
-        <p:txBody>
-          <a:bodyPr rtlCol="0" anchor="ctr"/>
+        <p:txBody>
+          <a:bodyPr wrap="square" rtlCol="0">
+            <a:noAutofit/>
+          </a:bodyPr>
+          <a:lstStyle/>
           <a:p>
             <a:pPr marL="0" marR="0" lvl="0" indent="0" algn="ctr" defTabSz="914400" rtl="0" eaLnBrk="1" fontAlgn="auto" latinLnBrk="0" hangingPunct="1">
               <a:lnSpc>
@@ -8847,464 +10875,90 @@
               <a:defRPr/>
             </a:pPr>
             <a:r>
-              <a:rPr lang="en-US" altLang="zh-CN" dirty="0">
-                <a:effectLst/>
-                <a:latin typeface="微软雅黑" panose="020B0503020204020204" charset="-122"/>
-                <a:ea typeface="微软雅黑" panose="020B0503020204020204" charset="-122"/>
-              </a:rPr>
-              <a:t>3.</a:t>
-            </a:r>
-            <a:r>
-              <a:rPr lang="zh-CN" altLang="en-US" dirty="0">
-                <a:effectLst/>
-                <a:latin typeface="微软雅黑" panose="020B0503020204020204" charset="-122"/>
-                <a:ea typeface="微软雅黑" panose="020B0503020204020204" charset="-122"/>
-              </a:rPr>
-              <a:t>下周计划</a:t>
-            </a:r>
-            <a:r>
-              <a:rPr lang="en-US" altLang="zh-CN" dirty="0">
-                <a:effectLst/>
-                <a:latin typeface="微软雅黑" panose="020B0503020204020204" charset="-122"/>
-                <a:ea typeface="微软雅黑" panose="020B0503020204020204" charset="-122"/>
-              </a:rPr>
-              <a:t>&amp;</a:t>
-            </a:r>
-            <a:r>
-              <a:rPr lang="zh-CN" altLang="en-US" dirty="0">
-                <a:effectLst/>
-                <a:latin typeface="微软雅黑" panose="020B0503020204020204" charset="-122"/>
-                <a:ea typeface="微软雅黑" panose="020B0503020204020204" charset="-122"/>
-              </a:rPr>
-              <a:t>基础补齐</a:t>
-            </a:r>
-            <a:endParaRPr lang="zh-CN" altLang="en-US" dirty="0">
-              <a:effectLst/>
-              <a:latin typeface="微软雅黑" panose="020B0503020204020204" charset="-122"/>
-              <a:ea typeface="微软雅黑" panose="020B0503020204020204" charset="-122"/>
-            </a:endParaRPr>
-          </a:p>
-        </p:txBody>
-      </p:sp>
-      <p:sp>
-        <p:nvSpPr>
-          <p:cNvPr id="2" name="文本框 1"/>
-          <p:cNvSpPr txBox="1"/>
-          <p:nvPr>
-            <p:custDataLst>
-              <p:tags r:id="rId2"/>
-            </p:custDataLst>
-          </p:nvPr>
-        </p:nvSpPr>
-        <p:spPr>
-          <a:xfrm>
-            <a:off x="455295" y="972185"/>
-            <a:ext cx="1725930" cy="506730"/>
-          </a:xfrm>
-          <a:prstGeom prst="rect">
-            <a:avLst/>
-          </a:prstGeom>
-          <a:noFill/>
-        </p:spPr>
-        <p:txBody>
-          <a:bodyPr wrap="square" rtlCol="0">
-            <a:spAutoFit/>
-          </a:bodyPr>
-          <a:p>
-            <a:pPr marL="285750" indent="-285750">
+              <a:rPr lang="en-US" altLang="zh-CN" sz="3600" dirty="0">
+                <a:solidFill>
+                  <a:srgbClr val="383987"/>
+                </a:solidFill>
+                <a:latin typeface="微软雅黑" panose="020B0503020204020204" charset="-122"/>
+                <a:ea typeface="微软雅黑" panose="020B0503020204020204" charset="-122"/>
+                <a:sym typeface="+mn-ea"/>
+              </a:rPr>
+              <a:t>Matching Anything by Segmenting Anything</a:t>
+            </a:r>
+            <a:endParaRPr lang="en-US" altLang="zh-CN" sz="3600" dirty="0">
+              <a:solidFill>
+                <a:srgbClr val="383987"/>
+              </a:solidFill>
+              <a:latin typeface="微软雅黑" panose="020B0503020204020204" charset="-122"/>
+              <a:ea typeface="微软雅黑" panose="020B0503020204020204" charset="-122"/>
+              <a:sym typeface="+mn-ea"/>
+            </a:endParaRPr>
+          </a:p>
+          <a:p>
+            <a:pPr marL="0" marR="0" lvl="0" indent="0" algn="ctr" defTabSz="914400" rtl="0" eaLnBrk="1" fontAlgn="auto" latinLnBrk="0" hangingPunct="1">
               <a:lnSpc>
-                <a:spcPct val="150000"/>
+                <a:spcPct val="100000"/>
               </a:lnSpc>
-              <a:buFont typeface="Wingdings" panose="05000000000000000000" charset="0"/>
-              <a:buChar char="p"/>
+              <a:spcBef>
+                <a:spcPts val="0"/>
+              </a:spcBef>
+              <a:spcAft>
+                <a:spcPts val="0"/>
+              </a:spcAft>
+              <a:buClrTx/>
+              <a:buSzTx/>
+              <a:buFontTx/>
+              <a:buNone/>
+              <a:defRPr/>
             </a:pPr>
-            <a:r>
-              <a:rPr lang="zh-CN" altLang="en-US" b="1" dirty="0">
-                <a:latin typeface="微软雅黑" panose="020B0503020204020204" charset="-122"/>
-                <a:ea typeface="微软雅黑" panose="020B0503020204020204" charset="-122"/>
-              </a:rPr>
-              <a:t>深度学习：</a:t>
-            </a:r>
-            <a:endParaRPr lang="en-US" altLang="zh-CN" b="1" dirty="0">
-              <a:latin typeface="微软雅黑" panose="020B0503020204020204" charset="-122"/>
-              <a:ea typeface="微软雅黑" panose="020B0503020204020204" charset="-122"/>
-            </a:endParaRPr>
-          </a:p>
-        </p:txBody>
-      </p:sp>
-      <p:sp>
-        <p:nvSpPr>
-          <p:cNvPr id="4" name="文本框 3"/>
-          <p:cNvSpPr txBox="1"/>
-          <p:nvPr/>
-        </p:nvSpPr>
-        <p:spPr>
-          <a:xfrm>
-            <a:off x="979170" y="1513840"/>
-            <a:ext cx="2676525" cy="5110480"/>
-          </a:xfrm>
-          <a:prstGeom prst="rect">
-            <a:avLst/>
-          </a:prstGeom>
-          <a:noFill/>
-        </p:spPr>
-        <p:txBody>
-          <a:bodyPr wrap="square" rtlCol="0">
-            <a:noAutofit/>
-          </a:bodyPr>
-          <a:p>
-            <a:r>
-              <a:rPr lang="en-US" altLang="zh-CN" sz="1600" dirty="0">
-                <a:solidFill>
-                  <a:schemeClr val="tx1"/>
-                </a:solidFill>
-                <a:latin typeface="微软雅黑" panose="020B0503020204020204" charset="-122"/>
-                <a:ea typeface="微软雅黑" panose="020B0503020204020204" charset="-122"/>
-              </a:rPr>
-              <a:t>1.  </a:t>
-            </a:r>
-            <a:r>
-              <a:rPr lang="zh-CN" altLang="en-US" sz="1600" dirty="0">
-                <a:solidFill>
-                  <a:schemeClr val="tx1"/>
-                </a:solidFill>
-                <a:latin typeface="微软雅黑" panose="020B0503020204020204" charset="-122"/>
-                <a:ea typeface="微软雅黑" panose="020B0503020204020204" charset="-122"/>
-              </a:rPr>
-              <a:t>学习吴恩达卷积进阶课</a:t>
-            </a:r>
-            <a:endParaRPr lang="zh-CN" altLang="en-US" sz="1600" dirty="0">
+            <a:endParaRPr lang="en-US" altLang="zh-CN" sz="3600" dirty="0">
               <a:solidFill>
-                <a:schemeClr val="tx1"/>
+                <a:srgbClr val="383987"/>
               </a:solidFill>
               <a:latin typeface="微软雅黑" panose="020B0503020204020204" charset="-122"/>
               <a:ea typeface="微软雅黑" panose="020B0503020204020204" charset="-122"/>
-            </a:endParaRPr>
-          </a:p>
-          <a:p>
-            <a:endParaRPr lang="zh-CN" altLang="en-US" sz="1600" dirty="0">
+              <a:sym typeface="+mn-ea"/>
+            </a:endParaRPr>
+          </a:p>
+          <a:p>
+            <a:pPr marL="0" marR="0" lvl="0" indent="0" algn="ctr" defTabSz="914400" rtl="0" eaLnBrk="1" fontAlgn="auto" latinLnBrk="0" hangingPunct="1">
+              <a:lnSpc>
+                <a:spcPct val="100000"/>
+              </a:lnSpc>
+              <a:spcBef>
+                <a:spcPts val="0"/>
+              </a:spcBef>
+              <a:spcAft>
+                <a:spcPts val="0"/>
+              </a:spcAft>
+              <a:buClrTx/>
+              <a:buSzTx/>
+              <a:buFontTx/>
+              <a:buNone/>
+              <a:defRPr/>
+            </a:pPr>
+            <a:r>
+              <a:rPr lang="en-US" altLang="zh-CN" sz="3600" dirty="0">
+                <a:solidFill>
+                  <a:srgbClr val="383987"/>
+                </a:solidFill>
+                <a:latin typeface="微软雅黑" panose="020B0503020204020204" charset="-122"/>
+                <a:ea typeface="微软雅黑" panose="020B0503020204020204" charset="-122"/>
+                <a:sym typeface="+mn-ea"/>
+              </a:rPr>
+              <a:t> </a:t>
+            </a:r>
+            <a:endParaRPr lang="en-US" altLang="zh-CN" sz="3600" dirty="0">
               <a:solidFill>
-                <a:schemeClr val="tx1"/>
+                <a:srgbClr val="383987"/>
               </a:solidFill>
               <a:latin typeface="微软雅黑" panose="020B0503020204020204" charset="-122"/>
               <a:ea typeface="微软雅黑" panose="020B0503020204020204" charset="-122"/>
-            </a:endParaRPr>
-          </a:p>
-          <a:p>
-            <a:endParaRPr lang="zh-CN" altLang="en-US" sz="1600" dirty="0">
-              <a:solidFill>
-                <a:schemeClr val="tx1"/>
-              </a:solidFill>
-              <a:latin typeface="微软雅黑" panose="020B0503020204020204" charset="-122"/>
-              <a:ea typeface="微软雅黑" panose="020B0503020204020204" charset="-122"/>
-            </a:endParaRPr>
-          </a:p>
-          <a:p>
-            <a:r>
-              <a:rPr lang="en-US" altLang="zh-CN" sz="1600" dirty="0">
-                <a:solidFill>
-                  <a:schemeClr val="tx1"/>
-                </a:solidFill>
-                <a:latin typeface="微软雅黑" panose="020B0503020204020204" charset="-122"/>
-                <a:ea typeface="微软雅黑" panose="020B0503020204020204" charset="-122"/>
-              </a:rPr>
-              <a:t>2.  </a:t>
-            </a:r>
-            <a:r>
-              <a:rPr lang="zh-CN" altLang="en-US" sz="1600" dirty="0">
-                <a:solidFill>
-                  <a:schemeClr val="tx1"/>
-                </a:solidFill>
-                <a:latin typeface="微软雅黑" panose="020B0503020204020204" charset="-122"/>
-                <a:ea typeface="微软雅黑" panose="020B0503020204020204" charset="-122"/>
-              </a:rPr>
-              <a:t>重新</a:t>
-            </a:r>
-            <a:r>
-              <a:rPr lang="zh-CN" sz="1600" dirty="0">
-                <a:solidFill>
-                  <a:schemeClr val="tx1"/>
-                </a:solidFill>
-                <a:latin typeface="微软雅黑" panose="020B0503020204020204" charset="-122"/>
-                <a:ea typeface="微软雅黑" panose="020B0503020204020204" charset="-122"/>
-              </a:rPr>
-              <a:t>改一个</a:t>
-            </a:r>
-            <a:r>
-              <a:rPr lang="en-US" altLang="zh-CN" sz="1600" b="1" dirty="0">
-                <a:solidFill>
-                  <a:schemeClr val="tx1"/>
-                </a:solidFill>
-                <a:latin typeface="微软雅黑" panose="020B0503020204020204" charset="-122"/>
-                <a:ea typeface="微软雅黑" panose="020B0503020204020204" charset="-122"/>
-              </a:rPr>
-              <a:t>backbone</a:t>
-            </a:r>
-            <a:r>
-              <a:rPr lang="zh-CN" altLang="en-US" sz="1600" dirty="0">
-                <a:solidFill>
-                  <a:schemeClr val="tx1"/>
-                </a:solidFill>
-                <a:latin typeface="微软雅黑" panose="020B0503020204020204" charset="-122"/>
-                <a:ea typeface="微软雅黑" panose="020B0503020204020204" charset="-122"/>
-              </a:rPr>
-              <a:t>改成</a:t>
-            </a:r>
-            <a:r>
-              <a:rPr lang="en-US" altLang="zh-CN" sz="1600" b="1" dirty="0">
-                <a:solidFill>
-                  <a:schemeClr val="tx1"/>
-                </a:solidFill>
-                <a:latin typeface="微软雅黑" panose="020B0503020204020204" charset="-122"/>
-                <a:ea typeface="微软雅黑" panose="020B0503020204020204" charset="-122"/>
-              </a:rPr>
-              <a:t>detr</a:t>
-            </a:r>
-            <a:r>
-              <a:rPr lang="zh-CN" altLang="en-US" sz="1600" dirty="0">
-                <a:solidFill>
-                  <a:schemeClr val="tx1"/>
-                </a:solidFill>
-                <a:latin typeface="微软雅黑" panose="020B0503020204020204" charset="-122"/>
-                <a:ea typeface="微软雅黑" panose="020B0503020204020204" charset="-122"/>
-              </a:rPr>
-              <a:t>以保证对代码的理解</a:t>
-            </a:r>
-            <a:r>
-              <a:rPr lang="en-US" altLang="zh-CN" sz="1600" dirty="0">
-                <a:solidFill>
-                  <a:schemeClr val="tx1"/>
-                </a:solidFill>
-                <a:latin typeface="微软雅黑" panose="020B0503020204020204" charset="-122"/>
-                <a:ea typeface="微软雅黑" panose="020B0503020204020204" charset="-122"/>
-              </a:rPr>
-              <a:t> </a:t>
-            </a:r>
-            <a:r>
-              <a:rPr lang="zh-CN" altLang="en-US" sz="1600" dirty="0">
-                <a:solidFill>
-                  <a:schemeClr val="tx1"/>
-                </a:solidFill>
-                <a:latin typeface="微软雅黑" panose="020B0503020204020204" charset="-122"/>
-                <a:ea typeface="微软雅黑" panose="020B0503020204020204" charset="-122"/>
-              </a:rPr>
-              <a:t>，凭着自己的理解修改的代码效果更差了</a:t>
-            </a:r>
-            <a:r>
-              <a:rPr lang="en-US" altLang="zh-CN" sz="1600" dirty="0">
-                <a:solidFill>
-                  <a:schemeClr val="tx1"/>
-                </a:solidFill>
-                <a:latin typeface="微软雅黑" panose="020B0503020204020204" charset="-122"/>
-                <a:ea typeface="微软雅黑" panose="020B0503020204020204" charset="-122"/>
-              </a:rPr>
-              <a:t> </a:t>
-            </a:r>
-            <a:r>
-              <a:rPr lang="zh-CN" altLang="en-US" sz="1600" dirty="0">
-                <a:solidFill>
-                  <a:schemeClr val="tx1"/>
-                </a:solidFill>
-                <a:latin typeface="微软雅黑" panose="020B0503020204020204" charset="-122"/>
-                <a:ea typeface="微软雅黑" panose="020B0503020204020204" charset="-122"/>
-              </a:rPr>
-              <a:t>（上图是原效果，下图是修改后效果，</a:t>
-            </a:r>
-            <a:r>
-              <a:rPr lang="zh-CN" altLang="en-US" sz="1600" b="1" dirty="0">
-                <a:solidFill>
-                  <a:schemeClr val="tx1"/>
-                </a:solidFill>
-                <a:latin typeface="微软雅黑" panose="020B0503020204020204" charset="-122"/>
-                <a:ea typeface="微软雅黑" panose="020B0503020204020204" charset="-122"/>
-              </a:rPr>
-              <a:t>只修改架构不用去管下游工作</a:t>
-            </a:r>
-            <a:r>
-              <a:rPr lang="zh-CN" altLang="en-US" sz="1600" dirty="0">
-                <a:solidFill>
-                  <a:schemeClr val="tx1"/>
-                </a:solidFill>
-                <a:latin typeface="微软雅黑" panose="020B0503020204020204" charset="-122"/>
-                <a:ea typeface="微软雅黑" panose="020B0503020204020204" charset="-122"/>
-              </a:rPr>
-              <a:t>（是一个时间序列的预测工作））</a:t>
-            </a:r>
-            <a:endParaRPr lang="zh-CN" altLang="en-US" sz="1600" dirty="0">
-              <a:solidFill>
-                <a:schemeClr val="tx1"/>
-              </a:solidFill>
-              <a:latin typeface="微软雅黑" panose="020B0503020204020204" charset="-122"/>
-              <a:ea typeface="微软雅黑" panose="020B0503020204020204" charset="-122"/>
-            </a:endParaRPr>
-          </a:p>
-          <a:p>
-            <a:endParaRPr lang="zh-CN" altLang="en-US" sz="1600" dirty="0">
-              <a:solidFill>
-                <a:schemeClr val="tx1"/>
-              </a:solidFill>
-              <a:latin typeface="微软雅黑" panose="020B0503020204020204" charset="-122"/>
-              <a:ea typeface="微软雅黑" panose="020B0503020204020204" charset="-122"/>
-            </a:endParaRPr>
-          </a:p>
-          <a:p>
-            <a:endParaRPr lang="en-US" altLang="zh-CN" sz="1600" dirty="0">
-              <a:solidFill>
-                <a:schemeClr val="tx1"/>
-              </a:solidFill>
-              <a:latin typeface="微软雅黑" panose="020B0503020204020204" charset="-122"/>
-              <a:ea typeface="微软雅黑" panose="020B0503020204020204" charset="-122"/>
-            </a:endParaRPr>
-          </a:p>
-          <a:p>
-            <a:r>
-              <a:rPr lang="en-US" altLang="zh-CN" sz="1600" dirty="0">
-                <a:solidFill>
-                  <a:schemeClr val="tx1"/>
-                </a:solidFill>
-                <a:latin typeface="微软雅黑" panose="020B0503020204020204" charset="-122"/>
-                <a:ea typeface="微软雅黑" panose="020B0503020204020204" charset="-122"/>
-              </a:rPr>
-              <a:t>3.  </a:t>
-            </a:r>
-            <a:r>
-              <a:rPr lang="zh-CN" altLang="en-US" sz="1600" dirty="0">
-                <a:solidFill>
-                  <a:schemeClr val="tx1"/>
-                </a:solidFill>
-                <a:latin typeface="微软雅黑" panose="020B0503020204020204" charset="-122"/>
-                <a:ea typeface="微软雅黑" panose="020B0503020204020204" charset="-122"/>
-              </a:rPr>
-              <a:t>下次汇报打算重新讲讲自己对</a:t>
-            </a:r>
-            <a:r>
-              <a:rPr lang="en-US" altLang="zh-CN" sz="1600" b="1" dirty="0">
-                <a:solidFill>
-                  <a:schemeClr val="tx1"/>
-                </a:solidFill>
-                <a:latin typeface="微软雅黑" panose="020B0503020204020204" charset="-122"/>
-                <a:ea typeface="微软雅黑" panose="020B0503020204020204" charset="-122"/>
-              </a:rPr>
-              <a:t>Transformer</a:t>
-            </a:r>
-            <a:r>
-              <a:rPr lang="zh-CN" altLang="en-US" sz="1600" dirty="0">
-                <a:solidFill>
-                  <a:schemeClr val="tx1"/>
-                </a:solidFill>
-                <a:latin typeface="微软雅黑" panose="020B0503020204020204" charset="-122"/>
-                <a:ea typeface="微软雅黑" panose="020B0503020204020204" charset="-122"/>
-              </a:rPr>
-              <a:t>的理解，不能为了讲而讲，最近敲代码才感觉对</a:t>
-            </a:r>
-            <a:r>
-              <a:rPr lang="en-US" altLang="zh-CN" sz="1600" b="1" dirty="0">
-                <a:solidFill>
-                  <a:schemeClr val="tx1"/>
-                </a:solidFill>
-                <a:latin typeface="微软雅黑" panose="020B0503020204020204" charset="-122"/>
-                <a:ea typeface="微软雅黑" panose="020B0503020204020204" charset="-122"/>
-              </a:rPr>
-              <a:t>Transformer</a:t>
-            </a:r>
-            <a:r>
-              <a:rPr lang="zh-CN" altLang="en-US" sz="1600" dirty="0">
-                <a:solidFill>
-                  <a:schemeClr val="tx1"/>
-                </a:solidFill>
-                <a:latin typeface="微软雅黑" panose="020B0503020204020204" charset="-122"/>
-                <a:ea typeface="微软雅黑" panose="020B0503020204020204" charset="-122"/>
-              </a:rPr>
-              <a:t>系列的模型稍有了解</a:t>
-            </a:r>
-            <a:endParaRPr lang="zh-CN" altLang="en-US" sz="1600" dirty="0">
-              <a:solidFill>
-                <a:schemeClr val="tx1"/>
-              </a:solidFill>
-              <a:latin typeface="微软雅黑" panose="020B0503020204020204" charset="-122"/>
-              <a:ea typeface="微软雅黑" panose="020B0503020204020204" charset="-122"/>
-            </a:endParaRPr>
-          </a:p>
-          <a:p>
-            <a:endParaRPr lang="zh-CN" altLang="en-US" sz="1600" dirty="0">
-              <a:solidFill>
-                <a:schemeClr val="tx1"/>
-              </a:solidFill>
-              <a:latin typeface="微软雅黑" panose="020B0503020204020204" charset="-122"/>
-              <a:ea typeface="微软雅黑" panose="020B0503020204020204" charset="-122"/>
-            </a:endParaRPr>
-          </a:p>
-          <a:p>
-            <a:endParaRPr lang="en-US" altLang="zh-CN" sz="1600" dirty="0">
-              <a:solidFill>
-                <a:schemeClr val="tx1"/>
-              </a:solidFill>
-              <a:latin typeface="微软雅黑" panose="020B0503020204020204" charset="-122"/>
-              <a:ea typeface="微软雅黑" panose="020B0503020204020204" charset="-122"/>
-            </a:endParaRPr>
-          </a:p>
-          <a:p>
-            <a:endParaRPr lang="zh-CN" altLang="en-US" sz="1600" dirty="0">
-              <a:solidFill>
-                <a:schemeClr val="tx1"/>
-              </a:solidFill>
-              <a:latin typeface="微软雅黑" panose="020B0503020204020204" charset="-122"/>
-              <a:ea typeface="微软雅黑" panose="020B0503020204020204" charset="-122"/>
-            </a:endParaRPr>
-          </a:p>
-          <a:p>
-            <a:endParaRPr lang="en-US" altLang="zh-CN" sz="1600" dirty="0">
-              <a:solidFill>
-                <a:schemeClr val="tx1"/>
-              </a:solidFill>
-              <a:latin typeface="微软雅黑" panose="020B0503020204020204" charset="-122"/>
-              <a:ea typeface="微软雅黑" panose="020B0503020204020204" charset="-122"/>
-            </a:endParaRPr>
-          </a:p>
-          <a:p>
-            <a:endParaRPr lang="en-US" altLang="zh-CN" sz="1600" dirty="0">
-              <a:solidFill>
-                <a:schemeClr val="tx1"/>
-              </a:solidFill>
-              <a:latin typeface="微软雅黑" panose="020B0503020204020204" charset="-122"/>
-              <a:ea typeface="微软雅黑" panose="020B0503020204020204" charset="-122"/>
-            </a:endParaRPr>
-          </a:p>
-          <a:p>
-            <a:endParaRPr lang="en-US" altLang="zh-CN" sz="1600" dirty="0">
-              <a:solidFill>
-                <a:schemeClr val="tx1"/>
-              </a:solidFill>
-              <a:latin typeface="微软雅黑" panose="020B0503020204020204" charset="-122"/>
-              <a:ea typeface="微软雅黑" panose="020B0503020204020204" charset="-122"/>
-            </a:endParaRPr>
-          </a:p>
-        </p:txBody>
-      </p:sp>
-      <p:pic>
-        <p:nvPicPr>
-          <p:cNvPr id="6" name="图片 5" descr="scores_ecg2"/>
-          <p:cNvPicPr>
-            <a:picLocks noChangeAspect="1"/>
-          </p:cNvPicPr>
-          <p:nvPr/>
-        </p:nvPicPr>
-        <p:blipFill>
-          <a:blip r:embed="rId3"/>
-          <a:stretch>
-            <a:fillRect/>
-          </a:stretch>
-        </p:blipFill>
-        <p:spPr>
-          <a:xfrm>
-            <a:off x="3858895" y="539750"/>
-            <a:ext cx="8216265" cy="2739390"/>
-          </a:xfrm>
-          <a:prstGeom prst="rect">
-            <a:avLst/>
-          </a:prstGeom>
-        </p:spPr>
-      </p:pic>
+              <a:sym typeface="+mn-ea"/>
+            </a:endParaRPr>
+          </a:p>
+        </p:txBody>
+      </p:sp>
     </p:spTree>
   </p:cSld>
   <p:clrMapOvr>
@@ -9404,6 +11058,36 @@
 </file>
 
 <file path=ppt/tags/tag23.xml><?xml version="1.0" encoding="utf-8"?>
+<p:tagLst xmlns:p="http://schemas.openxmlformats.org/presentationml/2006/main">
+  <p:tag name="KSO_WM_BEAUTIFY_FLAG" val=""/>
+</p:tagLst>
+</file>
+
+<file path=ppt/tags/tag24.xml><?xml version="1.0" encoding="utf-8"?>
+<p:tagLst xmlns:p="http://schemas.openxmlformats.org/presentationml/2006/main">
+  <p:tag name="KSO_WM_BEAUTIFY_FLAG" val=""/>
+</p:tagLst>
+</file>
+
+<file path=ppt/tags/tag25.xml><?xml version="1.0" encoding="utf-8"?>
+<p:tagLst xmlns:p="http://schemas.openxmlformats.org/presentationml/2006/main">
+  <p:tag name="KSO_WM_BEAUTIFY_FLAG" val=""/>
+</p:tagLst>
+</file>
+
+<file path=ppt/tags/tag26.xml><?xml version="1.0" encoding="utf-8"?>
+<p:tagLst xmlns:p="http://schemas.openxmlformats.org/presentationml/2006/main">
+  <p:tag name="KSO_WM_BEAUTIFY_FLAG" val=""/>
+</p:tagLst>
+</file>
+
+<file path=ppt/tags/tag27.xml><?xml version="1.0" encoding="utf-8"?>
+<p:tagLst xmlns:p="http://schemas.openxmlformats.org/presentationml/2006/main">
+  <p:tag name="KSO_WM_BEAUTIFY_FLAG" val=""/>
+</p:tagLst>
+</file>
+
+<file path=ppt/tags/tag28.xml><?xml version="1.0" encoding="utf-8"?>
 <p:tagLst xmlns:p="http://schemas.openxmlformats.org/presentationml/2006/main">
   <p:tag name="KSO_WPP_MARK_KEY" val="c7925d13-95db-4618-ac98-c22196edd7f9"/>
   <p:tag name="COMMONDATA" val="eyJoZGlkIjoiZTg3MzIzMDhlODgyZTlkYzQ0OWY3ZDI2YzlhMjBjMGIifQ=="/>

--- a/0.组会记录/2024-10-17/report-2024-10-10.pptx
+++ b/0.组会记录/2024-10-17/report-2024-10-10.pptx
@@ -4386,7 +4386,7 @@
         <p:spPr>
           <a:xfrm>
             <a:off x="286385" y="2472055"/>
-            <a:ext cx="9719945" cy="1276350"/>
+            <a:ext cx="6574155" cy="1276350"/>
           </a:xfrm>
           <a:prstGeom prst="rect">
             <a:avLst/>
@@ -4417,7 +4417,7 @@
                 <a:latin typeface="微软雅黑" panose="020B0503020204020204" charset="-122"/>
                 <a:ea typeface="微软雅黑" panose="020B0503020204020204" charset="-122"/>
               </a:rPr>
-              <a:t>解决</a:t>
+              <a:t>解</a:t>
             </a:r>
             <a:r>
               <a:rPr lang="en-US" altLang="zh-CN" sz="1600" dirty="0">
@@ -4427,237 +4427,7 @@
                 <a:latin typeface="微软雅黑" panose="020B0503020204020204" charset="-122"/>
                 <a:ea typeface="微软雅黑" panose="020B0503020204020204" charset="-122"/>
               </a:rPr>
-              <a:t>Transformer</a:t>
-            </a:r>
-            <a:r>
-              <a:rPr lang="zh-CN" altLang="en-US" sz="1600" dirty="0">
-                <a:solidFill>
-                  <a:schemeClr val="tx1"/>
-                </a:solidFill>
-                <a:latin typeface="微软雅黑" panose="020B0503020204020204" charset="-122"/>
-                <a:ea typeface="微软雅黑" panose="020B0503020204020204" charset="-122"/>
-              </a:rPr>
-              <a:t>在处理</a:t>
-            </a:r>
-            <a:r>
-              <a:rPr lang="en-US" altLang="zh-CN" sz="1600" dirty="0">
-                <a:solidFill>
-                  <a:schemeClr val="tx1"/>
-                </a:solidFill>
-                <a:latin typeface="微软雅黑" panose="020B0503020204020204" charset="-122"/>
-                <a:ea typeface="微软雅黑" panose="020B0503020204020204" charset="-122"/>
-              </a:rPr>
-              <a:t>cv</a:t>
-            </a:r>
-            <a:r>
-              <a:rPr lang="zh-CN" altLang="en-US" sz="1600" dirty="0">
-                <a:solidFill>
-                  <a:schemeClr val="tx1"/>
-                </a:solidFill>
-                <a:latin typeface="微软雅黑" panose="020B0503020204020204" charset="-122"/>
-                <a:ea typeface="微软雅黑" panose="020B0503020204020204" charset="-122"/>
-              </a:rPr>
-              <a:t>问题上要单独处理一个像素点的</a:t>
-            </a:r>
-            <a:r>
-              <a:rPr lang="en-US" altLang="zh-CN" sz="1600" dirty="0">
-                <a:solidFill>
-                  <a:schemeClr val="tx1"/>
-                </a:solidFill>
-                <a:latin typeface="微软雅黑" panose="020B0503020204020204" charset="-122"/>
-                <a:ea typeface="微软雅黑" panose="020B0503020204020204" charset="-122"/>
-              </a:rPr>
-              <a:t>           </a:t>
-            </a:r>
-            <a:endParaRPr lang="en-US" altLang="zh-CN" sz="1600" dirty="0">
-              <a:solidFill>
-                <a:schemeClr val="tx1"/>
-              </a:solidFill>
-              <a:latin typeface="微软雅黑" panose="020B0503020204020204" charset="-122"/>
-              <a:ea typeface="微软雅黑" panose="020B0503020204020204" charset="-122"/>
-            </a:endParaRPr>
-          </a:p>
-          <a:p>
-            <a:pPr indent="457200"/>
-            <a:r>
-              <a:rPr lang="en-US" altLang="zh-CN" sz="1600" dirty="0">
-                <a:solidFill>
-                  <a:schemeClr val="tx1"/>
-                </a:solidFill>
-                <a:latin typeface="微软雅黑" panose="020B0503020204020204" charset="-122"/>
-                <a:ea typeface="微软雅黑" panose="020B0503020204020204" charset="-122"/>
-              </a:rPr>
-              <a:t>   o(n</a:t>
-            </a:r>
-            <a:r>
-              <a:rPr lang="en-US" altLang="zh-CN" sz="1600" baseline="30000" dirty="0">
-                <a:solidFill>
-                  <a:schemeClr val="tx1"/>
-                </a:solidFill>
-                <a:latin typeface="微软雅黑" panose="020B0503020204020204" charset="-122"/>
-                <a:ea typeface="微软雅黑" panose="020B0503020204020204" charset="-122"/>
-              </a:rPr>
-              <a:t>2</a:t>
-            </a:r>
-            <a:r>
-              <a:rPr lang="en-US" altLang="zh-CN" sz="1600" dirty="0">
-                <a:solidFill>
-                  <a:schemeClr val="tx1"/>
-                </a:solidFill>
-                <a:latin typeface="微软雅黑" panose="020B0503020204020204" charset="-122"/>
-                <a:ea typeface="微软雅黑" panose="020B0503020204020204" charset="-122"/>
-              </a:rPr>
-              <a:t>) </a:t>
-            </a:r>
-            <a:r>
-              <a:rPr lang="zh-CN" altLang="en-US" sz="1600" dirty="0">
-                <a:solidFill>
-                  <a:schemeClr val="tx1"/>
-                </a:solidFill>
-                <a:latin typeface="微软雅黑" panose="020B0503020204020204" charset="-122"/>
-                <a:ea typeface="微软雅黑" panose="020B0503020204020204" charset="-122"/>
-              </a:rPr>
-              <a:t>太过复杂的问题</a:t>
-            </a:r>
-            <a:r>
-              <a:rPr lang="en-US" altLang="zh-CN" sz="1600" dirty="0">
-                <a:solidFill>
-                  <a:schemeClr val="tx1"/>
-                </a:solidFill>
-                <a:latin typeface="微软雅黑" panose="020B0503020204020204" charset="-122"/>
-                <a:ea typeface="微软雅黑" panose="020B0503020204020204" charset="-122"/>
-              </a:rPr>
               <a:t> </a:t>
-            </a:r>
-            <a:endParaRPr lang="en-US" altLang="zh-CN" sz="1600" dirty="0">
-              <a:solidFill>
-                <a:schemeClr val="tx1"/>
-              </a:solidFill>
-              <a:latin typeface="微软雅黑" panose="020B0503020204020204" charset="-122"/>
-              <a:ea typeface="微软雅黑" panose="020B0503020204020204" charset="-122"/>
-            </a:endParaRPr>
-          </a:p>
-          <a:p>
-            <a:pPr indent="457200"/>
-            <a:r>
-              <a:rPr lang="en-US" altLang="zh-CN" sz="1600" dirty="0">
-                <a:solidFill>
-                  <a:schemeClr val="tx1"/>
-                </a:solidFill>
-                <a:latin typeface="微软雅黑" panose="020B0503020204020204" charset="-122"/>
-                <a:ea typeface="微软雅黑" panose="020B0503020204020204" charset="-122"/>
-              </a:rPr>
-              <a:t>2.</a:t>
-            </a:r>
-            <a:r>
-              <a:rPr lang="zh-CN" altLang="en-US" sz="1600" dirty="0">
-                <a:solidFill>
-                  <a:schemeClr val="tx1"/>
-                </a:solidFill>
-                <a:latin typeface="微软雅黑" panose="020B0503020204020204" charset="-122"/>
-                <a:ea typeface="微软雅黑" panose="020B0503020204020204" charset="-122"/>
-              </a:rPr>
-              <a:t>解决原先</a:t>
-            </a:r>
-            <a:r>
-              <a:rPr lang="en-US" altLang="zh-CN" sz="1600" dirty="0">
-                <a:solidFill>
-                  <a:schemeClr val="tx1"/>
-                </a:solidFill>
-                <a:latin typeface="微软雅黑" panose="020B0503020204020204" charset="-122"/>
-                <a:ea typeface="微软雅黑" panose="020B0503020204020204" charset="-122"/>
-              </a:rPr>
-              <a:t>CNN</a:t>
-            </a:r>
-            <a:r>
-              <a:rPr lang="zh-CN" altLang="en-US" sz="1600" dirty="0">
-                <a:solidFill>
-                  <a:schemeClr val="tx1"/>
-                </a:solidFill>
-                <a:latin typeface="微软雅黑" panose="020B0503020204020204" charset="-122"/>
-                <a:ea typeface="微软雅黑" panose="020B0503020204020204" charset="-122"/>
-              </a:rPr>
-              <a:t>等具有太多针对视觉问题的先验知识（归纳偏</a:t>
-            </a:r>
-            <a:endParaRPr lang="zh-CN" altLang="en-US" sz="1600" dirty="0">
-              <a:solidFill>
-                <a:schemeClr val="tx1"/>
-              </a:solidFill>
-              <a:latin typeface="微软雅黑" panose="020B0503020204020204" charset="-122"/>
-              <a:ea typeface="微软雅黑" panose="020B0503020204020204" charset="-122"/>
-            </a:endParaRPr>
-          </a:p>
-          <a:p>
-            <a:pPr indent="457200"/>
-            <a:r>
-              <a:rPr lang="zh-CN" altLang="en-US" sz="1600" dirty="0">
-                <a:solidFill>
-                  <a:schemeClr val="tx1"/>
-                </a:solidFill>
-                <a:latin typeface="微软雅黑" panose="020B0503020204020204" charset="-122"/>
-                <a:ea typeface="微软雅黑" panose="020B0503020204020204" charset="-122"/>
-              </a:rPr>
-              <a:t> </a:t>
-            </a:r>
-            <a:r>
-              <a:rPr lang="en-US" altLang="zh-CN" sz="1600" dirty="0">
-                <a:solidFill>
-                  <a:schemeClr val="tx1"/>
-                </a:solidFill>
-                <a:latin typeface="微软雅黑" panose="020B0503020204020204" charset="-122"/>
-                <a:ea typeface="微软雅黑" panose="020B0503020204020204" charset="-122"/>
-              </a:rPr>
-              <a:t>  </a:t>
-            </a:r>
-            <a:r>
-              <a:rPr lang="zh-CN" altLang="en-US" sz="1600" dirty="0">
-                <a:solidFill>
-                  <a:schemeClr val="tx1"/>
-                </a:solidFill>
-                <a:latin typeface="微软雅黑" panose="020B0503020204020204" charset="-122"/>
-                <a:ea typeface="微软雅黑" panose="020B0503020204020204" charset="-122"/>
-              </a:rPr>
-              <a:t>置），这样无法实现把</a:t>
-            </a:r>
-            <a:r>
-              <a:rPr lang="en-US" altLang="zh-CN" sz="1600" dirty="0">
-                <a:solidFill>
-                  <a:schemeClr val="tx1"/>
-                </a:solidFill>
-                <a:latin typeface="微软雅黑" panose="020B0503020204020204" charset="-122"/>
-                <a:ea typeface="微软雅黑" panose="020B0503020204020204" charset="-122"/>
-              </a:rPr>
-              <a:t>cv</a:t>
-            </a:r>
-            <a:r>
-              <a:rPr lang="zh-CN" altLang="en-US" sz="1600" dirty="0">
-                <a:solidFill>
-                  <a:schemeClr val="tx1"/>
-                </a:solidFill>
-                <a:latin typeface="微软雅黑" panose="020B0503020204020204" charset="-122"/>
-                <a:ea typeface="微软雅黑" panose="020B0503020204020204" charset="-122"/>
-              </a:rPr>
-              <a:t>问题当做</a:t>
-            </a:r>
-            <a:r>
-              <a:rPr lang="en-US" altLang="zh-CN" sz="1600" dirty="0">
-                <a:solidFill>
-                  <a:schemeClr val="tx1"/>
-                </a:solidFill>
-                <a:latin typeface="微软雅黑" panose="020B0503020204020204" charset="-122"/>
-                <a:ea typeface="微软雅黑" panose="020B0503020204020204" charset="-122"/>
-              </a:rPr>
-              <a:t>nlp</a:t>
-            </a:r>
-            <a:r>
-              <a:rPr lang="zh-CN" altLang="en-US" sz="1600" dirty="0">
-                <a:solidFill>
-                  <a:schemeClr val="tx1"/>
-                </a:solidFill>
-                <a:latin typeface="微软雅黑" panose="020B0503020204020204" charset="-122"/>
-                <a:ea typeface="微软雅黑" panose="020B0503020204020204" charset="-122"/>
-              </a:rPr>
-              <a:t>问题来解决</a:t>
             </a:r>
             <a:endParaRPr lang="en-US" altLang="zh-CN" sz="1600" dirty="0">
               <a:solidFill>
@@ -4871,7 +4641,7 @@
         <p:spPr>
           <a:xfrm>
             <a:off x="724535" y="5537200"/>
-            <a:ext cx="10685145" cy="583565"/>
+            <a:ext cx="8395970" cy="583565"/>
           </a:xfrm>
           <a:prstGeom prst="rect">
             <a:avLst/>
@@ -4892,7 +4662,7 @@
                 <a:ea typeface="微软雅黑" panose="020B0503020204020204" charset="-122"/>
                 <a:sym typeface="+mn-ea"/>
               </a:rPr>
-              <a:t>1.</a:t>
+              <a:t>1.  </a:t>
             </a:r>
             <a:r>
               <a:rPr lang="zh-CN" altLang="en-US" sz="1600" dirty="0">
@@ -4900,7 +4670,7 @@
                 <a:ea typeface="微软雅黑" panose="020B0503020204020204" charset="-122"/>
                 <a:sym typeface="+mn-ea"/>
               </a:rPr>
-              <a:t>提出了把图片切分为等大小的</a:t>
+              <a:t>提出一个</a:t>
             </a:r>
             <a:r>
               <a:rPr lang="en-US" altLang="zh-CN" sz="1600" dirty="0">
@@ -4908,7 +4678,7 @@
                 <a:ea typeface="微软雅黑" panose="020B0503020204020204" charset="-122"/>
                 <a:sym typeface="+mn-ea"/>
               </a:rPr>
-              <a:t>batch</a:t>
+              <a:t>MASA</a:t>
             </a:r>
             <a:r>
               <a:rPr lang="zh-CN" altLang="en-US" sz="1600" dirty="0">
@@ -4916,15 +4686,25 @@
                 <a:ea typeface="微软雅黑" panose="020B0503020204020204" charset="-122"/>
                 <a:sym typeface="+mn-ea"/>
               </a:rPr>
-              <a:t>，将</a:t>
-            </a:r>
+              <a:t>管道，对来自丰富的未标记图像集合的密集实例级通信构建了详尽的监督</a:t>
+            </a:r>
+            <a:endParaRPr lang="zh-CN" altLang="en-US" sz="1600" dirty="0">
+              <a:latin typeface="微软雅黑" panose="020B0503020204020204" charset="-122"/>
+              <a:ea typeface="微软雅黑" panose="020B0503020204020204" charset="-122"/>
+              <a:sym typeface="+mn-ea"/>
+            </a:endParaRPr>
+          </a:p>
+          <a:p>
+            <a:pPr marL="0" lvl="0" indent="0">
+              <a:buNone/>
+            </a:pPr>
             <a:r>
               <a:rPr lang="en-US" altLang="zh-CN" sz="1600" dirty="0">
                 <a:latin typeface="微软雅黑" panose="020B0503020204020204" charset="-122"/>
                 <a:ea typeface="微软雅黑" panose="020B0503020204020204" charset="-122"/>
                 <a:sym typeface="+mn-ea"/>
               </a:rPr>
-              <a:t>Transformer</a:t>
+              <a:t>2.  引入了一个通用的MASA适配器</a:t>
             </a:r>
             <a:r>
               <a:rPr lang="zh-CN" altLang="en-US" sz="1600" dirty="0">
@@ -4932,65 +4712,7 @@
                 <a:ea typeface="微软雅黑" panose="020B0503020204020204" charset="-122"/>
                 <a:sym typeface="+mn-ea"/>
               </a:rPr>
-              <a:t>直接应用到了</a:t>
-            </a:r>
-            <a:r>
-              <a:rPr lang="en-US" altLang="zh-CN" sz="1600" dirty="0">
-                <a:latin typeface="微软雅黑" panose="020B0503020204020204" charset="-122"/>
-                <a:ea typeface="微软雅黑" panose="020B0503020204020204" charset="-122"/>
-                <a:sym typeface="+mn-ea"/>
-              </a:rPr>
-              <a:t>cv</a:t>
-            </a:r>
-            <a:r>
-              <a:rPr lang="zh-CN" altLang="en-US" sz="1600" dirty="0">
-                <a:latin typeface="微软雅黑" panose="020B0503020204020204" charset="-122"/>
-                <a:ea typeface="微软雅黑" panose="020B0503020204020204" charset="-122"/>
-                <a:sym typeface="+mn-ea"/>
-              </a:rPr>
-              <a:t>任务里面</a:t>
-            </a:r>
-            <a:endParaRPr lang="zh-CN" altLang="en-US" sz="1600" dirty="0">
-              <a:latin typeface="微软雅黑" panose="020B0503020204020204" charset="-122"/>
-              <a:ea typeface="微软雅黑" panose="020B0503020204020204" charset="-122"/>
-              <a:sym typeface="+mn-ea"/>
-            </a:endParaRPr>
-          </a:p>
-          <a:p>
-            <a:pPr marL="0" lvl="0" indent="0">
-              <a:buNone/>
-            </a:pPr>
-            <a:r>
-              <a:rPr lang="en-US" altLang="zh-CN" sz="1600" dirty="0">
-                <a:latin typeface="微软雅黑" panose="020B0503020204020204" charset="-122"/>
-                <a:ea typeface="微软雅黑" panose="020B0503020204020204" charset="-122"/>
-                <a:sym typeface="+mn-ea"/>
-              </a:rPr>
-              <a:t>2.</a:t>
-            </a:r>
-            <a:r>
-              <a:rPr lang="zh-CN" altLang="en-US" sz="1600" dirty="0">
-                <a:latin typeface="微软雅黑" panose="020B0503020204020204" charset="-122"/>
-                <a:ea typeface="微软雅黑" panose="020B0503020204020204" charset="-122"/>
-                <a:sym typeface="+mn-ea"/>
-              </a:rPr>
-              <a:t>利用</a:t>
-            </a:r>
-            <a:r>
-              <a:rPr lang="en-US" altLang="zh-CN" sz="1600" dirty="0">
-                <a:latin typeface="微软雅黑" panose="020B0503020204020204" charset="-122"/>
-                <a:ea typeface="微软雅黑" panose="020B0503020204020204" charset="-122"/>
-                <a:sym typeface="+mn-ea"/>
-              </a:rPr>
-              <a:t>Transformer</a:t>
-            </a:r>
-            <a:r>
-              <a:rPr lang="zh-CN" altLang="en-US" sz="1600" dirty="0">
-                <a:latin typeface="微软雅黑" panose="020B0503020204020204" charset="-122"/>
-                <a:ea typeface="微软雅黑" panose="020B0503020204020204" charset="-122"/>
-                <a:sym typeface="+mn-ea"/>
-              </a:rPr>
-              <a:t>，实现了预训练数据集大小对模型效果增益几乎无饱和的预期</a:t>
+              <a:t>，有效地从固定的检测或分割主干转换特征</a:t>
             </a:r>
             <a:endParaRPr lang="zh-CN" altLang="en-US" sz="1600" dirty="0">
               <a:latin typeface="微软雅黑" panose="020B0503020204020204" charset="-122"/>
@@ -5009,7 +4731,7 @@
         <p:spPr>
           <a:xfrm>
             <a:off x="286385" y="1457325"/>
-            <a:ext cx="6884035" cy="603885"/>
+            <a:ext cx="6701790" cy="603885"/>
           </a:xfrm>
           <a:prstGeom prst="rect">
             <a:avLst/>
@@ -5030,9 +4752,9 @@
                 <a:latin typeface="微软雅黑" panose="020B0503020204020204" charset="-122"/>
                 <a:ea typeface="微软雅黑" panose="020B0503020204020204" charset="-122"/>
               </a:rPr>
-              <a:t>直</a:t>
-            </a:r>
-            <a:endParaRPr lang="en-US" altLang="zh-CN" sz="1600" dirty="0">
+              <a:t>在不产生大量标签成本的情况下，对不同领域的一般对象进行匹配监督</a:t>
+            </a:r>
+            <a:endParaRPr lang="zh-CN" altLang="en-US" sz="1600" dirty="0">
               <a:solidFill>
                 <a:schemeClr val="tx1"/>
               </a:solidFill>
@@ -5076,18 +4798,6 @@
               <a:ea typeface="微软雅黑" panose="020B0503020204020204" charset="-122"/>
             </a:endParaRPr>
           </a:p>
-          <a:p>
-            <a:pPr marL="0" lvl="0" indent="0">
-              <a:buNone/>
-            </a:pPr>
-            <a:endParaRPr lang="en-US" altLang="zh-CN" sz="1600" dirty="0">
-              <a:solidFill>
-                <a:schemeClr val="tx1"/>
-              </a:solidFill>
-              <a:latin typeface="微软雅黑" panose="020B0503020204020204" charset="-122"/>
-              <a:ea typeface="微软雅黑" panose="020B0503020204020204" charset="-122"/>
-            </a:endParaRPr>
-          </a:p>
         </p:txBody>
       </p:sp>
       <p:sp>
@@ -5099,7 +4809,7 @@
         <p:spPr>
           <a:xfrm>
             <a:off x="205105" y="3982085"/>
-            <a:ext cx="8361045" cy="1276350"/>
+            <a:ext cx="6447155" cy="1276350"/>
           </a:xfrm>
           <a:prstGeom prst="rect">
             <a:avLst/>
@@ -5120,267 +4830,7 @@
                 <a:latin typeface="微软雅黑" panose="020B0503020204020204" charset="-122"/>
                 <a:ea typeface="微软雅黑" panose="020B0503020204020204" charset="-122"/>
               </a:rPr>
-              <a:t>1.</a:t>
-            </a:r>
-            <a:r>
-              <a:rPr lang="zh-CN" altLang="en-US" sz="1600" dirty="0">
-                <a:solidFill>
-                  <a:schemeClr val="tx1"/>
-                </a:solidFill>
-                <a:latin typeface="微软雅黑" panose="020B0503020204020204" charset="-122"/>
-                <a:ea typeface="微软雅黑" panose="020B0503020204020204" charset="-122"/>
-              </a:rPr>
-              <a:t>把图片打成</a:t>
-            </a:r>
-            <a:r>
-              <a:rPr lang="en-US" altLang="zh-CN" sz="1600" dirty="0">
-                <a:solidFill>
-                  <a:schemeClr val="tx1"/>
-                </a:solidFill>
-                <a:latin typeface="微软雅黑" panose="020B0503020204020204" charset="-122"/>
-                <a:ea typeface="微软雅黑" panose="020B0503020204020204" charset="-122"/>
-              </a:rPr>
-              <a:t>16*16</a:t>
-            </a:r>
-            <a:r>
-              <a:rPr lang="zh-CN" altLang="en-US" sz="1600" dirty="0">
-                <a:solidFill>
-                  <a:schemeClr val="tx1"/>
-                </a:solidFill>
-                <a:latin typeface="微软雅黑" panose="020B0503020204020204" charset="-122"/>
-                <a:ea typeface="微软雅黑" panose="020B0503020204020204" charset="-122"/>
-              </a:rPr>
-              <a:t>的</a:t>
-            </a:r>
-            <a:r>
-              <a:rPr lang="en-US" altLang="zh-CN" sz="1600" dirty="0">
-                <a:solidFill>
-                  <a:schemeClr val="tx1"/>
-                </a:solidFill>
-                <a:latin typeface="微软雅黑" panose="020B0503020204020204" charset="-122"/>
-                <a:ea typeface="微软雅黑" panose="020B0503020204020204" charset="-122"/>
-              </a:rPr>
-              <a:t>patch </a:t>
-            </a:r>
-            <a:endParaRPr lang="en-US" altLang="zh-CN" sz="1600" dirty="0">
-              <a:solidFill>
-                <a:schemeClr val="tx1"/>
-              </a:solidFill>
-              <a:latin typeface="微软雅黑" panose="020B0503020204020204" charset="-122"/>
-              <a:ea typeface="微软雅黑" panose="020B0503020204020204" charset="-122"/>
-            </a:endParaRPr>
-          </a:p>
-          <a:p>
-            <a:pPr indent="457200"/>
-            <a:r>
-              <a:rPr lang="en-US" altLang="zh-CN" sz="1600" dirty="0">
-                <a:solidFill>
-                  <a:schemeClr val="tx1"/>
-                </a:solidFill>
-                <a:latin typeface="微软雅黑" panose="020B0503020204020204" charset="-122"/>
-                <a:ea typeface="微软雅黑" panose="020B0503020204020204" charset="-122"/>
-              </a:rPr>
-              <a:t>2.</a:t>
-            </a:r>
-            <a:r>
-              <a:rPr lang="zh-CN" altLang="en-US" sz="1600" dirty="0">
-                <a:solidFill>
-                  <a:schemeClr val="tx1"/>
-                </a:solidFill>
-                <a:latin typeface="微软雅黑" panose="020B0503020204020204" charset="-122"/>
-                <a:ea typeface="微软雅黑" panose="020B0503020204020204" charset="-122"/>
-              </a:rPr>
-              <a:t>在经过线性层后加入位置编码后加入一个</a:t>
-            </a:r>
-            <a:r>
-              <a:rPr lang="en-US" altLang="zh-CN" sz="1600" dirty="0">
-                <a:solidFill>
-                  <a:schemeClr val="tx1"/>
-                </a:solidFill>
-                <a:latin typeface="微软雅黑" panose="020B0503020204020204" charset="-122"/>
-                <a:ea typeface="微软雅黑" panose="020B0503020204020204" charset="-122"/>
-              </a:rPr>
-              <a:t>class</a:t>
-            </a:r>
-            <a:r>
-              <a:rPr lang="zh-CN" altLang="en-US" sz="1600" dirty="0">
-                <a:solidFill>
-                  <a:schemeClr val="tx1"/>
-                </a:solidFill>
-                <a:latin typeface="微软雅黑" panose="020B0503020204020204" charset="-122"/>
-                <a:ea typeface="微软雅黑" panose="020B0503020204020204" charset="-122"/>
-              </a:rPr>
-              <a:t>（</a:t>
-            </a:r>
-            <a:r>
-              <a:rPr lang="en-US" altLang="zh-CN" sz="1600" dirty="0">
-                <a:solidFill>
-                  <a:schemeClr val="tx1"/>
-                </a:solidFill>
-                <a:latin typeface="微软雅黑" panose="020B0503020204020204" charset="-122"/>
-                <a:ea typeface="微软雅黑" panose="020B0503020204020204" charset="-122"/>
-              </a:rPr>
-              <a:t>token</a:t>
-            </a:r>
-            <a:r>
-              <a:rPr lang="zh-CN" altLang="en-US" sz="1600" dirty="0">
-                <a:solidFill>
-                  <a:schemeClr val="tx1"/>
-                </a:solidFill>
-                <a:latin typeface="微软雅黑" panose="020B0503020204020204" charset="-122"/>
-                <a:ea typeface="微软雅黑" panose="020B0503020204020204" charset="-122"/>
-              </a:rPr>
-              <a:t>为</a:t>
-            </a:r>
-            <a:r>
-              <a:rPr lang="en-US" altLang="zh-CN" sz="1600" dirty="0">
-                <a:solidFill>
-                  <a:schemeClr val="tx1"/>
-                </a:solidFill>
-                <a:latin typeface="微软雅黑" panose="020B0503020204020204" charset="-122"/>
-                <a:ea typeface="微软雅黑" panose="020B0503020204020204" charset="-122"/>
-              </a:rPr>
-              <a:t>0</a:t>
-            </a:r>
-            <a:r>
-              <a:rPr lang="zh-CN" altLang="en-US" sz="1600" dirty="0">
-                <a:solidFill>
-                  <a:schemeClr val="tx1"/>
-                </a:solidFill>
-                <a:latin typeface="微软雅黑" panose="020B0503020204020204" charset="-122"/>
-                <a:ea typeface="微软雅黑" panose="020B0503020204020204" charset="-122"/>
-              </a:rPr>
-              <a:t>）</a:t>
-            </a:r>
-            <a:endParaRPr lang="zh-CN" altLang="en-US" sz="1600" dirty="0">
-              <a:solidFill>
-                <a:schemeClr val="tx1"/>
-              </a:solidFill>
-              <a:latin typeface="微软雅黑" panose="020B0503020204020204" charset="-122"/>
-              <a:ea typeface="微软雅黑" panose="020B0503020204020204" charset="-122"/>
-            </a:endParaRPr>
-          </a:p>
-          <a:p>
-            <a:pPr indent="457200"/>
-            <a:r>
-              <a:rPr lang="en-US" altLang="zh-CN" sz="1600" dirty="0">
-                <a:solidFill>
-                  <a:schemeClr val="tx1"/>
-                </a:solidFill>
-                <a:latin typeface="微软雅黑" panose="020B0503020204020204" charset="-122"/>
-                <a:ea typeface="微软雅黑" panose="020B0503020204020204" charset="-122"/>
-              </a:rPr>
-              <a:t>3.</a:t>
-            </a:r>
-            <a:r>
-              <a:rPr lang="zh-CN" altLang="en-US" sz="1600" dirty="0">
-                <a:solidFill>
-                  <a:schemeClr val="tx1"/>
-                </a:solidFill>
-                <a:latin typeface="微软雅黑" panose="020B0503020204020204" charset="-122"/>
-                <a:ea typeface="微软雅黑" panose="020B0503020204020204" charset="-122"/>
-              </a:rPr>
-              <a:t>经过</a:t>
-            </a:r>
-            <a:r>
-              <a:rPr lang="en-US" altLang="zh-CN" sz="1600" dirty="0">
-                <a:solidFill>
-                  <a:schemeClr val="tx1"/>
-                </a:solidFill>
-                <a:latin typeface="微软雅黑" panose="020B0503020204020204" charset="-122"/>
-                <a:ea typeface="微软雅黑" panose="020B0503020204020204" charset="-122"/>
-              </a:rPr>
-              <a:t>L</a:t>
-            </a:r>
-            <a:r>
-              <a:rPr lang="zh-CN" altLang="en-US" sz="1600" dirty="0">
-                <a:solidFill>
-                  <a:schemeClr val="tx1"/>
-                </a:solidFill>
-                <a:latin typeface="微软雅黑" panose="020B0503020204020204" charset="-122"/>
-                <a:ea typeface="微软雅黑" panose="020B0503020204020204" charset="-122"/>
-              </a:rPr>
-              <a:t>层</a:t>
-            </a:r>
-            <a:r>
-              <a:rPr lang="en-US" altLang="zh-CN" sz="1600" dirty="0">
-                <a:solidFill>
-                  <a:schemeClr val="tx1"/>
-                </a:solidFill>
-                <a:latin typeface="微软雅黑" panose="020B0503020204020204" charset="-122"/>
-                <a:ea typeface="微软雅黑" panose="020B0503020204020204" charset="-122"/>
-              </a:rPr>
-              <a:t>Transformer</a:t>
-            </a:r>
-            <a:r>
-              <a:rPr lang="zh-CN" altLang="en-US" sz="1600" dirty="0">
-                <a:solidFill>
-                  <a:schemeClr val="tx1"/>
-                </a:solidFill>
-                <a:latin typeface="微软雅黑" panose="020B0503020204020204" charset="-122"/>
-                <a:ea typeface="微软雅黑" panose="020B0503020204020204" charset="-122"/>
-              </a:rPr>
-              <a:t>循环之后取</a:t>
-            </a:r>
-            <a:r>
-              <a:rPr lang="en-US" altLang="zh-CN" sz="1600" dirty="0">
-                <a:solidFill>
-                  <a:schemeClr val="tx1"/>
-                </a:solidFill>
-                <a:latin typeface="微软雅黑" panose="020B0503020204020204" charset="-122"/>
-                <a:ea typeface="微软雅黑" panose="020B0503020204020204" charset="-122"/>
-              </a:rPr>
-              <a:t>class</a:t>
-            </a:r>
-            <a:r>
-              <a:rPr lang="zh-CN" altLang="en-US" sz="1600" dirty="0">
-                <a:solidFill>
-                  <a:schemeClr val="tx1"/>
-                </a:solidFill>
-                <a:latin typeface="微软雅黑" panose="020B0503020204020204" charset="-122"/>
-                <a:ea typeface="微软雅黑" panose="020B0503020204020204" charset="-122"/>
-              </a:rPr>
-              <a:t>对应的输出作为分类预</a:t>
-            </a:r>
-            <a:endParaRPr lang="zh-CN" altLang="en-US" sz="1600" dirty="0">
-              <a:solidFill>
-                <a:schemeClr val="tx1"/>
-              </a:solidFill>
-              <a:latin typeface="微软雅黑" panose="020B0503020204020204" charset="-122"/>
-              <a:ea typeface="微软雅黑" panose="020B0503020204020204" charset="-122"/>
-            </a:endParaRPr>
-          </a:p>
-          <a:p>
-            <a:pPr indent="457200"/>
-            <a:r>
-              <a:rPr lang="zh-CN" altLang="en-US" sz="1600" dirty="0">
-                <a:solidFill>
-                  <a:schemeClr val="tx1"/>
-                </a:solidFill>
-                <a:latin typeface="微软雅黑" panose="020B0503020204020204" charset="-122"/>
-                <a:ea typeface="微软雅黑" panose="020B0503020204020204" charset="-122"/>
-              </a:rPr>
-              <a:t> </a:t>
-            </a:r>
-            <a:r>
-              <a:rPr lang="en-US" altLang="zh-CN" sz="1600" dirty="0">
-                <a:solidFill>
-                  <a:schemeClr val="tx1"/>
-                </a:solidFill>
-                <a:latin typeface="微软雅黑" panose="020B0503020204020204" charset="-122"/>
-                <a:ea typeface="微软雅黑" panose="020B0503020204020204" charset="-122"/>
-              </a:rPr>
-              <a:t>  </a:t>
-            </a:r>
-            <a:r>
-              <a:rPr lang="zh-CN" altLang="en-US" sz="1600" dirty="0">
-                <a:solidFill>
-                  <a:schemeClr val="tx1"/>
-                </a:solidFill>
-                <a:latin typeface="微软雅黑" panose="020B0503020204020204" charset="-122"/>
-                <a:ea typeface="微软雅黑" panose="020B0503020204020204" charset="-122"/>
-              </a:rPr>
-              <a:t>测</a:t>
+              <a:t>1. </a:t>
             </a:r>
             <a:endParaRPr lang="en-US" altLang="zh-CN" sz="1600" dirty="0">
               <a:solidFill>

--- a/0.组会记录/2024-10-17/report-2024-10-10.pptx
+++ b/0.组会记录/2024-10-17/report-2024-10-10.pptx
@@ -18,13 +18,14 @@
     <p:sldId id="1365" r:id="rId11"/>
     <p:sldId id="1369" r:id="rId12"/>
     <p:sldId id="1370" r:id="rId13"/>
-    <p:sldId id="1358" r:id="rId14"/>
-    <p:sldId id="1356" r:id="rId15"/>
+    <p:sldId id="1371" r:id="rId14"/>
+    <p:sldId id="1358" r:id="rId15"/>
+    <p:sldId id="1356" r:id="rId16"/>
   </p:sldIdLst>
   <p:sldSz cx="12192000" cy="6858000"/>
   <p:notesSz cx="6858000" cy="9144000"/>
   <p:custDataLst>
-    <p:tags r:id="rId20"/>
+    <p:tags r:id="rId21"/>
   </p:custDataLst>
   <p:defaultTextStyle>
     <a:defPPr>
@@ -946,6 +947,84 @@
 </file>
 
 <file path=ppt/notesSlides/notesSlide7.xml><?xml version="1.0" encoding="utf-8"?>
+<p:notes xmlns:a="http://schemas.openxmlformats.org/drawingml/2006/main" xmlns:r="http://schemas.openxmlformats.org/officeDocument/2006/relationships" xmlns:p="http://schemas.openxmlformats.org/presentationml/2006/main">
+  <p:cSld>
+    <p:spTree>
+      <p:nvGrpSpPr>
+        <p:cNvPr id="1" name=""/>
+        <p:cNvGrpSpPr/>
+        <p:nvPr/>
+      </p:nvGrpSpPr>
+      <p:grpSpPr>
+        <a:xfrm>
+          <a:off x="0" y="0"/>
+          <a:ext cx="0" cy="0"/>
+          <a:chOff x="0" y="0"/>
+          <a:chExt cx="0" cy="0"/>
+        </a:xfrm>
+      </p:grpSpPr>
+      <p:sp>
+        <p:nvSpPr>
+          <p:cNvPr id="2" name="幻灯片图像占位符 1"/>
+          <p:cNvSpPr>
+            <a:spLocks noGrp="1" noRot="1" noChangeAspect="1"/>
+          </p:cNvSpPr>
+          <p:nvPr>
+            <p:ph type="sldImg"/>
+          </p:nvPr>
+        </p:nvSpPr>
+        <p:spPr/>
+      </p:sp>
+      <p:sp>
+        <p:nvSpPr>
+          <p:cNvPr id="3" name="备注占位符 2"/>
+          <p:cNvSpPr>
+            <a:spLocks noGrp="1"/>
+          </p:cNvSpPr>
+          <p:nvPr>
+            <p:ph type="body" idx="1"/>
+          </p:nvPr>
+        </p:nvSpPr>
+        <p:spPr/>
+        <p:txBody>
+          <a:bodyPr/>
+          <a:lstStyle/>
+          <a:p>
+            <a:endParaRPr lang="zh-CN" altLang="en-US" dirty="0"/>
+          </a:p>
+        </p:txBody>
+      </p:sp>
+      <p:sp>
+        <p:nvSpPr>
+          <p:cNvPr id="4" name="灯片编号占位符 3"/>
+          <p:cNvSpPr>
+            <a:spLocks noGrp="1"/>
+          </p:cNvSpPr>
+          <p:nvPr>
+            <p:ph type="sldNum" sz="quarter" idx="5"/>
+          </p:nvPr>
+        </p:nvSpPr>
+        <p:spPr/>
+        <p:txBody>
+          <a:bodyPr/>
+          <a:lstStyle/>
+          <a:p>
+            <a:fld id="{311DA921-5814-416C-A214-0F50BD081254}" type="slidenum">
+              <a:rPr lang="zh-CN" altLang="en-US" smtClean="0"/>
+            </a:fld>
+            <a:endParaRPr lang="zh-CN" altLang="en-US"/>
+          </a:p>
+        </p:txBody>
+      </p:sp>
+    </p:spTree>
+  </p:cSld>
+  <p:clrMapOvr>
+    <a:masterClrMapping/>
+  </p:clrMapOvr>
+</p:notes>
+</file>
+
+<file path=ppt/notesSlides/notesSlide8.xml><?xml version="1.0" encoding="utf-8"?>
 <p:notes xmlns:a="http://schemas.openxmlformats.org/drawingml/2006/main" xmlns:r="http://schemas.openxmlformats.org/officeDocument/2006/relationships" xmlns:p="http://schemas.openxmlformats.org/presentationml/2006/main">
   <p:cSld>
     <p:spTree>
@@ -4320,7 +4399,7 @@
                 <a:ea typeface="微软雅黑" panose="020B0503020204020204" charset="-122"/>
                 <a:sym typeface="+mn-ea"/>
               </a:rPr>
-              <a:t>Matching Anything by Segmenting Anything</a:t>
+              <a:t>DEFORMABLE DETR: DEFORMABLE TRANSFORMERS FOR END-TO-END OBJECT DETECTION</a:t>
             </a:r>
             <a:endParaRPr lang="en-US" altLang="zh-CN" dirty="0">
               <a:effectLst/>
@@ -4662,59 +4741,27 @@
                 <a:ea typeface="微软雅黑" panose="020B0503020204020204" charset="-122"/>
                 <a:sym typeface="+mn-ea"/>
               </a:rPr>
-              <a:t>1.  </a:t>
-            </a:r>
-            <a:r>
-              <a:rPr lang="zh-CN" altLang="en-US" sz="1600" dirty="0">
+              <a:t>1.  提出多尺度可变形注意力代替Encoder中的自注意力和Decoder中的交叉注意力</a:t>
+            </a:r>
+            <a:endParaRPr lang="en-US" altLang="zh-CN" sz="1600" dirty="0">
+              <a:latin typeface="微软雅黑" panose="020B0503020204020204" charset="-122"/>
+              <a:ea typeface="微软雅黑" panose="020B0503020204020204" charset="-122"/>
+              <a:sym typeface="+mn-ea"/>
+            </a:endParaRPr>
+          </a:p>
+          <a:p>
+            <a:pPr marL="0" lvl="0" indent="0">
+              <a:buNone/>
+            </a:pPr>
+            <a:r>
+              <a:rPr lang="en-US" altLang="zh-CN" sz="1600" dirty="0">
                 <a:latin typeface="微软雅黑" panose="020B0503020204020204" charset="-122"/>
                 <a:ea typeface="微软雅黑" panose="020B0503020204020204" charset="-122"/>
                 <a:sym typeface="+mn-ea"/>
               </a:rPr>
-              <a:t>提出一个</a:t>
-            </a:r>
-            <a:r>
-              <a:rPr lang="en-US" altLang="zh-CN" sz="1600" dirty="0">
-                <a:latin typeface="微软雅黑" panose="020B0503020204020204" charset="-122"/>
-                <a:ea typeface="微软雅黑" panose="020B0503020204020204" charset="-122"/>
-                <a:sym typeface="+mn-ea"/>
-              </a:rPr>
-              <a:t>MASA</a:t>
-            </a:r>
-            <a:r>
-              <a:rPr lang="zh-CN" altLang="en-US" sz="1600" dirty="0">
-                <a:latin typeface="微软雅黑" panose="020B0503020204020204" charset="-122"/>
-                <a:ea typeface="微软雅黑" panose="020B0503020204020204" charset="-122"/>
-                <a:sym typeface="+mn-ea"/>
-              </a:rPr>
-              <a:t>管道，对来自丰富的未标记图像集合的密集实例级通信构建了详尽的监督</a:t>
-            </a:r>
-            <a:endParaRPr lang="zh-CN" altLang="en-US" sz="1600" dirty="0">
-              <a:latin typeface="微软雅黑" panose="020B0503020204020204" charset="-122"/>
-              <a:ea typeface="微软雅黑" panose="020B0503020204020204" charset="-122"/>
-              <a:sym typeface="+mn-ea"/>
-            </a:endParaRPr>
-          </a:p>
-          <a:p>
-            <a:pPr marL="0" lvl="0" indent="0">
-              <a:buNone/>
-            </a:pPr>
-            <a:r>
-              <a:rPr lang="en-US" altLang="zh-CN" sz="1600" dirty="0">
-                <a:latin typeface="微软雅黑" panose="020B0503020204020204" charset="-122"/>
-                <a:ea typeface="微软雅黑" panose="020B0503020204020204" charset="-122"/>
-                <a:sym typeface="+mn-ea"/>
-              </a:rPr>
-              <a:t>2.  引入了一个通用的MASA适配器</a:t>
-            </a:r>
-            <a:r>
-              <a:rPr lang="zh-CN" altLang="en-US" sz="1600" dirty="0">
-                <a:latin typeface="微软雅黑" panose="020B0503020204020204" charset="-122"/>
-                <a:ea typeface="微软雅黑" panose="020B0503020204020204" charset="-122"/>
-                <a:sym typeface="+mn-ea"/>
-              </a:rPr>
-              <a:t>，有效地从固定的检测或分割主干转换特征</a:t>
-            </a:r>
-            <a:endParaRPr lang="zh-CN" altLang="en-US" sz="1600" dirty="0">
+              <a:t>2.  多尺度特征，并且使用scale-level pos embedding，用于区分不同的特征层</a:t>
+            </a:r>
+            <a:endParaRPr lang="en-US" altLang="zh-CN" sz="1600" dirty="0">
               <a:latin typeface="微软雅黑" panose="020B0503020204020204" charset="-122"/>
               <a:ea typeface="微软雅黑" panose="020B0503020204020204" charset="-122"/>
               <a:sym typeface="+mn-ea"/>
@@ -4752,7 +4799,27 @@
                 <a:latin typeface="微软雅黑" panose="020B0503020204020204" charset="-122"/>
                 <a:ea typeface="微软雅黑" panose="020B0503020204020204" charset="-122"/>
               </a:rPr>
-              <a:t>在不产生大量标签成本的情况下，对不同领域的一般对象进行匹配监督</a:t>
+              <a:t>改进</a:t>
+            </a:r>
+            <a:r>
+              <a:rPr lang="en-US" altLang="zh-CN" sz="1600" dirty="0">
+                <a:solidFill>
+                  <a:schemeClr val="tx1"/>
+                </a:solidFill>
+                <a:latin typeface="微软雅黑" panose="020B0503020204020204" charset="-122"/>
+                <a:ea typeface="微软雅黑" panose="020B0503020204020204" charset="-122"/>
+              </a:rPr>
+              <a:t>detr</a:t>
+            </a:r>
+            <a:r>
+              <a:rPr lang="zh-CN" altLang="en-US" sz="1600" dirty="0">
+                <a:solidFill>
+                  <a:schemeClr val="tx1"/>
+                </a:solidFill>
+                <a:latin typeface="微软雅黑" panose="020B0503020204020204" charset="-122"/>
+                <a:ea typeface="微软雅黑" panose="020B0503020204020204" charset="-122"/>
+              </a:rPr>
+              <a:t>的收敛速度慢问题和因为复杂度对高分辨率图片使用的限制而导致的小目标检测性能差问题</a:t>
             </a:r>
             <a:endParaRPr lang="zh-CN" altLang="en-US" sz="1600" dirty="0">
               <a:solidFill>
@@ -4880,7 +4947,7 @@
       </p:sp>
       <p:pic>
         <p:nvPicPr>
-          <p:cNvPr id="12" name="图片 11"/>
+          <p:cNvPr id="14" name="图片 13"/>
           <p:cNvPicPr>
             <a:picLocks noChangeAspect="1"/>
           </p:cNvPicPr>
@@ -4894,8 +4961,8 @@
         </p:blipFill>
         <p:spPr>
           <a:xfrm>
-            <a:off x="6920230" y="685800"/>
-            <a:ext cx="5157470" cy="4932045"/>
+            <a:off x="7075170" y="850265"/>
+            <a:ext cx="5006975" cy="2578735"/>
           </a:xfrm>
           <a:prstGeom prst="rect">
             <a:avLst/>
@@ -4911,6 +4978,155 @@
 </file>
 
 <file path=ppt/slides/slide11.xml><?xml version="1.0" encoding="utf-8"?>
+<p:sld xmlns:a="http://schemas.openxmlformats.org/drawingml/2006/main" xmlns:r="http://schemas.openxmlformats.org/officeDocument/2006/relationships" xmlns:p="http://schemas.openxmlformats.org/presentationml/2006/main">
+  <p:cSld>
+    <p:spTree>
+      <p:nvGrpSpPr>
+        <p:cNvPr id="1" name=""/>
+        <p:cNvGrpSpPr/>
+        <p:nvPr/>
+      </p:nvGrpSpPr>
+      <p:grpSpPr>
+        <a:xfrm>
+          <a:off x="0" y="0"/>
+          <a:ext cx="0" cy="0"/>
+          <a:chOff x="0" y="0"/>
+          <a:chExt cx="0" cy="0"/>
+        </a:xfrm>
+      </p:grpSpPr>
+      <p:sp>
+        <p:nvSpPr>
+          <p:cNvPr id="13" name="文本框 12"/>
+          <p:cNvSpPr txBox="1"/>
+          <p:nvPr/>
+        </p:nvSpPr>
+        <p:spPr>
+          <a:xfrm>
+            <a:off x="106466" y="601786"/>
+            <a:ext cx="1541780" cy="398780"/>
+          </a:xfrm>
+          <a:prstGeom prst="rect">
+            <a:avLst/>
+          </a:prstGeom>
+          <a:noFill/>
+        </p:spPr>
+        <p:txBody>
+          <a:bodyPr wrap="none" rtlCol="0">
+            <a:spAutoFit/>
+          </a:bodyPr>
+          <a:lstStyle/>
+          <a:p>
+            <a:pPr marL="342900" indent="-342900">
+              <a:buFont typeface="Wingdings" panose="05000000000000000000" charset="0"/>
+              <a:buChar char="n"/>
+            </a:pPr>
+            <a:r>
+              <a:rPr lang="zh-CN" altLang="en-US" sz="2000" b="1" dirty="0">
+                <a:latin typeface="微软雅黑" panose="020B0503020204020204" charset="-122"/>
+                <a:ea typeface="微软雅黑" panose="020B0503020204020204" charset="-122"/>
+              </a:rPr>
+              <a:t>模型</a:t>
+            </a:r>
+            <a:r>
+              <a:rPr lang="zh-CN" altLang="en-US" sz="2000" b="1" dirty="0">
+                <a:latin typeface="微软雅黑" panose="020B0503020204020204" charset="-122"/>
+                <a:ea typeface="微软雅黑" panose="020B0503020204020204" charset="-122"/>
+              </a:rPr>
+              <a:t>架构</a:t>
+            </a:r>
+            <a:endParaRPr lang="zh-CN" altLang="en-US" sz="2000" b="1" dirty="0">
+              <a:latin typeface="微软雅黑" panose="020B0503020204020204" charset="-122"/>
+              <a:ea typeface="微软雅黑" panose="020B0503020204020204" charset="-122"/>
+            </a:endParaRPr>
+          </a:p>
+        </p:txBody>
+      </p:sp>
+      <p:sp>
+        <p:nvSpPr>
+          <p:cNvPr id="6" name="矩形 5"/>
+          <p:cNvSpPr/>
+          <p:nvPr>
+            <p:custDataLst>
+              <p:tags r:id="rId1"/>
+            </p:custDataLst>
+          </p:nvPr>
+        </p:nvSpPr>
+        <p:spPr>
+          <a:xfrm>
+            <a:off x="-6350" y="0"/>
+            <a:ext cx="12198350" cy="540000"/>
+          </a:xfrm>
+          <a:prstGeom prst="rect">
+            <a:avLst/>
+          </a:prstGeom>
+          <a:solidFill>
+            <a:srgbClr val="A099CB"/>
+          </a:solidFill>
+          <a:ln>
+            <a:noFill/>
+          </a:ln>
+        </p:spPr>
+        <p:style>
+          <a:lnRef idx="2">
+            <a:schemeClr val="accent1">
+              <a:shade val="50000"/>
+            </a:schemeClr>
+          </a:lnRef>
+          <a:fillRef idx="1">
+            <a:schemeClr val="accent1"/>
+          </a:fillRef>
+          <a:effectRef idx="0">
+            <a:schemeClr val="accent1"/>
+          </a:effectRef>
+          <a:fontRef idx="minor">
+            <a:schemeClr val="lt1"/>
+          </a:fontRef>
+        </p:style>
+        <p:txBody>
+          <a:bodyPr rtlCol="0" anchor="ctr"/>
+          <a:p>
+            <a:pPr marL="0" marR="0" lvl="0" indent="0" algn="ctr" defTabSz="914400" rtl="0" eaLnBrk="1" fontAlgn="auto" latinLnBrk="0" hangingPunct="1">
+              <a:lnSpc>
+                <a:spcPct val="100000"/>
+              </a:lnSpc>
+              <a:spcBef>
+                <a:spcPts val="0"/>
+              </a:spcBef>
+              <a:spcAft>
+                <a:spcPts val="0"/>
+              </a:spcAft>
+              <a:buClrTx/>
+              <a:buSzTx/>
+              <a:buFontTx/>
+              <a:buNone/>
+              <a:defRPr/>
+            </a:pPr>
+            <a:r>
+              <a:rPr lang="en-US" altLang="zh-CN" dirty="0">
+                <a:effectLst/>
+                <a:latin typeface="微软雅黑" panose="020B0503020204020204" charset="-122"/>
+                <a:ea typeface="微软雅黑" panose="020B0503020204020204" charset="-122"/>
+                <a:sym typeface="+mn-ea"/>
+              </a:rPr>
+              <a:t>2.DEFORMABLE DETR: DEFORMABLE TRANSFORMERS FOR END-TO-END OBJECT DETECTION</a:t>
+            </a:r>
+            <a:endParaRPr lang="en-US" altLang="zh-CN" dirty="0">
+              <a:effectLst/>
+              <a:latin typeface="微软雅黑" panose="020B0503020204020204" charset="-122"/>
+              <a:ea typeface="微软雅黑" panose="020B0503020204020204" charset="-122"/>
+            </a:endParaRPr>
+          </a:p>
+        </p:txBody>
+      </p:sp>
+    </p:spTree>
+  </p:cSld>
+  <p:clrMapOvr>
+    <a:masterClrMapping/>
+  </p:clrMapOvr>
+</p:sld>
+</file>
+
+<file path=ppt/slides/slide12.xml><?xml version="1.0" encoding="utf-8"?>
 <p:sld xmlns:a="http://schemas.openxmlformats.org/drawingml/2006/main" xmlns:r="http://schemas.openxmlformats.org/officeDocument/2006/relationships" xmlns:p="http://schemas.openxmlformats.org/presentationml/2006/main">
   <p:cSld>
     <p:spTree>
@@ -5515,7 +5731,7 @@
 </p:sld>
 </file>
 
-<file path=ppt/slides/slide12.xml><?xml version="1.0" encoding="utf-8"?>
+<file path=ppt/slides/slide13.xml><?xml version="1.0" encoding="utf-8"?>
 <p:sld xmlns:a="http://schemas.openxmlformats.org/drawingml/2006/main" xmlns:r="http://schemas.openxmlformats.org/officeDocument/2006/relationships" xmlns:p="http://schemas.openxmlformats.org/presentationml/2006/main">
   <p:cSld>
     <p:spTree>
@@ -6491,7 +6707,7 @@
                 <a:ea typeface="微软雅黑" panose="020B0503020204020204" charset="-122"/>
                 <a:sym typeface="+mn-ea"/>
               </a:rPr>
-              <a:t>Matching Anything by Segmenting Anything</a:t>
+              <a:t>DEFORMABLE DETR: DEFORMABLE TRANSFORMERS FOR END-TO-END OBJECT DETECTION</a:t>
             </a:r>
             <a:endParaRPr lang="zh-CN" altLang="en-US" sz="2400" dirty="0">
               <a:solidFill>
@@ -10333,34 +10549,8 @@
                 <a:ea typeface="微软雅黑" panose="020B0503020204020204" charset="-122"/>
                 <a:sym typeface="+mn-ea"/>
               </a:rPr>
-              <a:t>Matching Anything by Segmenting Anything</a:t>
-            </a:r>
-            <a:endParaRPr lang="en-US" altLang="zh-CN" sz="3600" dirty="0">
-              <a:solidFill>
-                <a:srgbClr val="383987"/>
-              </a:solidFill>
-              <a:latin typeface="微软雅黑" panose="020B0503020204020204" charset="-122"/>
-              <a:ea typeface="微软雅黑" panose="020B0503020204020204" charset="-122"/>
-              <a:sym typeface="+mn-ea"/>
-            </a:endParaRPr>
-          </a:p>
-          <a:p>
-            <a:pPr marL="0" marR="0" lvl="0" indent="0" algn="ctr" defTabSz="914400" rtl="0" eaLnBrk="1" fontAlgn="auto" latinLnBrk="0" hangingPunct="1">
-              <a:lnSpc>
-                <a:spcPct val="100000"/>
-              </a:lnSpc>
-              <a:spcBef>
-                <a:spcPts val="0"/>
-              </a:spcBef>
-              <a:spcAft>
-                <a:spcPts val="0"/>
-              </a:spcAft>
-              <a:buClrTx/>
-              <a:buSzTx/>
-              <a:buFontTx/>
-              <a:buNone/>
-              <a:defRPr/>
-            </a:pPr>
+              <a:t>DEFORMABLE DETR: DEFORMABLE TRANSFORMERS FOR END-TO-END OBJECT DETECTION</a:t>
+            </a:r>
             <a:endParaRPr lang="en-US" altLang="zh-CN" sz="3600" dirty="0">
               <a:solidFill>
                 <a:srgbClr val="383987"/>
@@ -10538,6 +10728,12 @@
 </file>
 
 <file path=ppt/tags/tag28.xml><?xml version="1.0" encoding="utf-8"?>
+<p:tagLst xmlns:p="http://schemas.openxmlformats.org/presentationml/2006/main">
+  <p:tag name="KSO_WM_BEAUTIFY_FLAG" val=""/>
+</p:tagLst>
+</file>
+
+<file path=ppt/tags/tag29.xml><?xml version="1.0" encoding="utf-8"?>
 <p:tagLst xmlns:p="http://schemas.openxmlformats.org/presentationml/2006/main">
   <p:tag name="KSO_WPP_MARK_KEY" val="c7925d13-95db-4618-ac98-c22196edd7f9"/>
   <p:tag name="COMMONDATA" val="eyJoZGlkIjoiZTg3MzIzMDhlODgyZTlkYzQ0OWY3ZDI2YzlhMjBjMGIifQ=="/>

--- a/0.组会记录/2024-10-17/report-2024-10-10.pptx
+++ b/0.组会记录/2024-10-17/report-2024-10-10.pptx
@@ -19,13 +19,16 @@
     <p:sldId id="1369" r:id="rId12"/>
     <p:sldId id="1370" r:id="rId13"/>
     <p:sldId id="1371" r:id="rId14"/>
-    <p:sldId id="1358" r:id="rId15"/>
-    <p:sldId id="1356" r:id="rId16"/>
+    <p:sldId id="1372" r:id="rId15"/>
+    <p:sldId id="1373" r:id="rId16"/>
+    <p:sldId id="1374" r:id="rId17"/>
+    <p:sldId id="1358" r:id="rId18"/>
+    <p:sldId id="1356" r:id="rId19"/>
   </p:sldIdLst>
   <p:sldSz cx="12192000" cy="6858000"/>
   <p:notesSz cx="6858000" cy="9144000"/>
   <p:custDataLst>
-    <p:tags r:id="rId21"/>
+    <p:tags r:id="rId24"/>
   </p:custDataLst>
   <p:defaultTextStyle>
     <a:defPPr>
@@ -556,6 +559,162 @@
 </p:notes>
 </file>
 
+<file path=ppt/notesSlides/notesSlide10.xml><?xml version="1.0" encoding="utf-8"?>
+<p:notes xmlns:a="http://schemas.openxmlformats.org/drawingml/2006/main" xmlns:r="http://schemas.openxmlformats.org/officeDocument/2006/relationships" xmlns:p="http://schemas.openxmlformats.org/presentationml/2006/main">
+  <p:cSld>
+    <p:spTree>
+      <p:nvGrpSpPr>
+        <p:cNvPr id="1" name=""/>
+        <p:cNvGrpSpPr/>
+        <p:nvPr/>
+      </p:nvGrpSpPr>
+      <p:grpSpPr>
+        <a:xfrm>
+          <a:off x="0" y="0"/>
+          <a:ext cx="0" cy="0"/>
+          <a:chOff x="0" y="0"/>
+          <a:chExt cx="0" cy="0"/>
+        </a:xfrm>
+      </p:grpSpPr>
+      <p:sp>
+        <p:nvSpPr>
+          <p:cNvPr id="2" name="幻灯片图像占位符 1"/>
+          <p:cNvSpPr>
+            <a:spLocks noGrp="1" noRot="1" noChangeAspect="1"/>
+          </p:cNvSpPr>
+          <p:nvPr>
+            <p:ph type="sldImg"/>
+          </p:nvPr>
+        </p:nvSpPr>
+        <p:spPr/>
+      </p:sp>
+      <p:sp>
+        <p:nvSpPr>
+          <p:cNvPr id="3" name="备注占位符 2"/>
+          <p:cNvSpPr>
+            <a:spLocks noGrp="1"/>
+          </p:cNvSpPr>
+          <p:nvPr>
+            <p:ph type="body" idx="1"/>
+          </p:nvPr>
+        </p:nvSpPr>
+        <p:spPr/>
+        <p:txBody>
+          <a:bodyPr/>
+          <a:lstStyle/>
+          <a:p>
+            <a:endParaRPr lang="zh-CN" altLang="en-US" dirty="0"/>
+          </a:p>
+        </p:txBody>
+      </p:sp>
+      <p:sp>
+        <p:nvSpPr>
+          <p:cNvPr id="4" name="灯片编号占位符 3"/>
+          <p:cNvSpPr>
+            <a:spLocks noGrp="1"/>
+          </p:cNvSpPr>
+          <p:nvPr>
+            <p:ph type="sldNum" sz="quarter" idx="5"/>
+          </p:nvPr>
+        </p:nvSpPr>
+        <p:spPr/>
+        <p:txBody>
+          <a:bodyPr/>
+          <a:lstStyle/>
+          <a:p>
+            <a:fld id="{311DA921-5814-416C-A214-0F50BD081254}" type="slidenum">
+              <a:rPr lang="zh-CN" altLang="en-US" smtClean="0"/>
+            </a:fld>
+            <a:endParaRPr lang="zh-CN" altLang="en-US"/>
+          </a:p>
+        </p:txBody>
+      </p:sp>
+    </p:spTree>
+  </p:cSld>
+  <p:clrMapOvr>
+    <a:masterClrMapping/>
+  </p:clrMapOvr>
+</p:notes>
+</file>
+
+<file path=ppt/notesSlides/notesSlide11.xml><?xml version="1.0" encoding="utf-8"?>
+<p:notes xmlns:a="http://schemas.openxmlformats.org/drawingml/2006/main" xmlns:r="http://schemas.openxmlformats.org/officeDocument/2006/relationships" xmlns:p="http://schemas.openxmlformats.org/presentationml/2006/main">
+  <p:cSld>
+    <p:spTree>
+      <p:nvGrpSpPr>
+        <p:cNvPr id="1" name=""/>
+        <p:cNvGrpSpPr/>
+        <p:nvPr/>
+      </p:nvGrpSpPr>
+      <p:grpSpPr>
+        <a:xfrm>
+          <a:off x="0" y="0"/>
+          <a:ext cx="0" cy="0"/>
+          <a:chOff x="0" y="0"/>
+          <a:chExt cx="0" cy="0"/>
+        </a:xfrm>
+      </p:grpSpPr>
+      <p:sp>
+        <p:nvSpPr>
+          <p:cNvPr id="2" name="幻灯片图像占位符 1"/>
+          <p:cNvSpPr>
+            <a:spLocks noGrp="1" noRot="1" noChangeAspect="1"/>
+          </p:cNvSpPr>
+          <p:nvPr>
+            <p:ph type="sldImg"/>
+          </p:nvPr>
+        </p:nvSpPr>
+        <p:spPr/>
+      </p:sp>
+      <p:sp>
+        <p:nvSpPr>
+          <p:cNvPr id="3" name="备注占位符 2"/>
+          <p:cNvSpPr>
+            <a:spLocks noGrp="1"/>
+          </p:cNvSpPr>
+          <p:nvPr>
+            <p:ph type="body" idx="1"/>
+          </p:nvPr>
+        </p:nvSpPr>
+        <p:spPr/>
+        <p:txBody>
+          <a:bodyPr/>
+          <a:lstStyle/>
+          <a:p>
+            <a:endParaRPr lang="zh-CN" altLang="en-US" dirty="0"/>
+          </a:p>
+        </p:txBody>
+      </p:sp>
+      <p:sp>
+        <p:nvSpPr>
+          <p:cNvPr id="4" name="灯片编号占位符 3"/>
+          <p:cNvSpPr>
+            <a:spLocks noGrp="1"/>
+          </p:cNvSpPr>
+          <p:nvPr>
+            <p:ph type="sldNum" sz="quarter" idx="5"/>
+          </p:nvPr>
+        </p:nvSpPr>
+        <p:spPr/>
+        <p:txBody>
+          <a:bodyPr/>
+          <a:lstStyle/>
+          <a:p>
+            <a:fld id="{311DA921-5814-416C-A214-0F50BD081254}" type="slidenum">
+              <a:rPr lang="zh-CN" altLang="en-US" smtClean="0"/>
+            </a:fld>
+            <a:endParaRPr lang="zh-CN" altLang="en-US"/>
+          </a:p>
+        </p:txBody>
+      </p:sp>
+    </p:spTree>
+  </p:cSld>
+  <p:clrMapOvr>
+    <a:masterClrMapping/>
+  </p:clrMapOvr>
+</p:notes>
+</file>
+
 <file path=ppt/notesSlides/notesSlide2.xml><?xml version="1.0" encoding="utf-8"?>
 <p:notes xmlns:a="http://schemas.openxmlformats.org/drawingml/2006/main" xmlns:r="http://schemas.openxmlformats.org/officeDocument/2006/relationships" xmlns:p="http://schemas.openxmlformats.org/presentationml/2006/main">
   <p:cSld>
@@ -1025,6 +1184,84 @@
 </file>
 
 <file path=ppt/notesSlides/notesSlide8.xml><?xml version="1.0" encoding="utf-8"?>
+<p:notes xmlns:a="http://schemas.openxmlformats.org/drawingml/2006/main" xmlns:r="http://schemas.openxmlformats.org/officeDocument/2006/relationships" xmlns:p="http://schemas.openxmlformats.org/presentationml/2006/main">
+  <p:cSld>
+    <p:spTree>
+      <p:nvGrpSpPr>
+        <p:cNvPr id="1" name=""/>
+        <p:cNvGrpSpPr/>
+        <p:nvPr/>
+      </p:nvGrpSpPr>
+      <p:grpSpPr>
+        <a:xfrm>
+          <a:off x="0" y="0"/>
+          <a:ext cx="0" cy="0"/>
+          <a:chOff x="0" y="0"/>
+          <a:chExt cx="0" cy="0"/>
+        </a:xfrm>
+      </p:grpSpPr>
+      <p:sp>
+        <p:nvSpPr>
+          <p:cNvPr id="2" name="幻灯片图像占位符 1"/>
+          <p:cNvSpPr>
+            <a:spLocks noGrp="1" noRot="1" noChangeAspect="1"/>
+          </p:cNvSpPr>
+          <p:nvPr>
+            <p:ph type="sldImg"/>
+          </p:nvPr>
+        </p:nvSpPr>
+        <p:spPr/>
+      </p:sp>
+      <p:sp>
+        <p:nvSpPr>
+          <p:cNvPr id="3" name="备注占位符 2"/>
+          <p:cNvSpPr>
+            <a:spLocks noGrp="1"/>
+          </p:cNvSpPr>
+          <p:nvPr>
+            <p:ph type="body" idx="1"/>
+          </p:nvPr>
+        </p:nvSpPr>
+        <p:spPr/>
+        <p:txBody>
+          <a:bodyPr/>
+          <a:lstStyle/>
+          <a:p>
+            <a:endParaRPr lang="zh-CN" altLang="en-US" dirty="0"/>
+          </a:p>
+        </p:txBody>
+      </p:sp>
+      <p:sp>
+        <p:nvSpPr>
+          <p:cNvPr id="4" name="灯片编号占位符 3"/>
+          <p:cNvSpPr>
+            <a:spLocks noGrp="1"/>
+          </p:cNvSpPr>
+          <p:nvPr>
+            <p:ph type="sldNum" sz="quarter" idx="5"/>
+          </p:nvPr>
+        </p:nvSpPr>
+        <p:spPr/>
+        <p:txBody>
+          <a:bodyPr/>
+          <a:lstStyle/>
+          <a:p>
+            <a:fld id="{311DA921-5814-416C-A214-0F50BD081254}" type="slidenum">
+              <a:rPr lang="zh-CN" altLang="en-US" smtClean="0"/>
+            </a:fld>
+            <a:endParaRPr lang="zh-CN" altLang="en-US"/>
+          </a:p>
+        </p:txBody>
+      </p:sp>
+    </p:spTree>
+  </p:cSld>
+  <p:clrMapOvr>
+    <a:masterClrMapping/>
+  </p:clrMapOvr>
+</p:notes>
+</file>
+
+<file path=ppt/notesSlides/notesSlide9.xml><?xml version="1.0" encoding="utf-8"?>
 <p:notes xmlns:a="http://schemas.openxmlformats.org/drawingml/2006/main" xmlns:r="http://schemas.openxmlformats.org/officeDocument/2006/relationships" xmlns:p="http://schemas.openxmlformats.org/presentationml/2006/main">
   <p:cSld>
     <p:spTree>
@@ -4465,7 +4702,7 @@
         <p:spPr>
           <a:xfrm>
             <a:off x="286385" y="2472055"/>
-            <a:ext cx="6574155" cy="1276350"/>
+            <a:ext cx="10420985" cy="1276350"/>
           </a:xfrm>
           <a:prstGeom prst="rect">
             <a:avLst/>
@@ -4486,7 +4723,7 @@
                 <a:latin typeface="微软雅黑" panose="020B0503020204020204" charset="-122"/>
                 <a:ea typeface="微软雅黑" panose="020B0503020204020204" charset="-122"/>
               </a:rPr>
-              <a:t>1.</a:t>
+              <a:t>1.  </a:t>
             </a:r>
             <a:r>
               <a:rPr lang="zh-CN" altLang="en-US" sz="1600" dirty="0">
@@ -4496,7 +4733,7 @@
                 <a:latin typeface="微软雅黑" panose="020B0503020204020204" charset="-122"/>
                 <a:ea typeface="微软雅黑" panose="020B0503020204020204" charset="-122"/>
               </a:rPr>
-              <a:t>解</a:t>
+              <a:t>缓解可变形的卷积缺乏元素之间全局建模能力，而这正是</a:t>
             </a:r>
             <a:r>
               <a:rPr lang="en-US" altLang="zh-CN" sz="1600" dirty="0">
@@ -4506,7 +4743,17 @@
                 <a:latin typeface="微软雅黑" panose="020B0503020204020204" charset="-122"/>
                 <a:ea typeface="微软雅黑" panose="020B0503020204020204" charset="-122"/>
               </a:rPr>
-              <a:t> </a:t>
+              <a:t>detr</a:t>
+            </a:r>
+            <a:r>
+              <a:rPr lang="zh-CN" altLang="en-US" sz="1600" dirty="0">
+                <a:solidFill>
+                  <a:schemeClr val="tx1"/>
+                </a:solidFill>
+                <a:latin typeface="微软雅黑" panose="020B0503020204020204" charset="-122"/>
+                <a:ea typeface="微软雅黑" panose="020B0503020204020204" charset="-122"/>
+              </a:rPr>
+              <a:t>实现的内容</a:t>
             </a:r>
             <a:endParaRPr lang="en-US" altLang="zh-CN" sz="1600" dirty="0">
               <a:solidFill>
@@ -4517,33 +4764,19 @@
             </a:endParaRPr>
           </a:p>
           <a:p>
-            <a:pPr marL="0" lvl="0" indent="0">
+            <a:pPr marL="0" lvl="0" indent="457200">
               <a:buNone/>
             </a:pPr>
-            <a:endParaRPr lang="en-US" altLang="zh-CN" sz="1600" dirty="0">
-              <a:solidFill>
-                <a:schemeClr val="tx1"/>
-              </a:solidFill>
-              <a:latin typeface="微软雅黑" panose="020B0503020204020204" charset="-122"/>
-              <a:ea typeface="微软雅黑" panose="020B0503020204020204" charset="-122"/>
-            </a:endParaRPr>
-          </a:p>
-          <a:p>
-            <a:pPr marL="0" lvl="0" indent="0">
-              <a:buNone/>
-            </a:pPr>
-            <a:endParaRPr lang="en-US" altLang="zh-CN" sz="1600" dirty="0">
-              <a:solidFill>
-                <a:schemeClr val="tx1"/>
-              </a:solidFill>
-              <a:latin typeface="微软雅黑" panose="020B0503020204020204" charset="-122"/>
-              <a:ea typeface="微软雅黑" panose="020B0503020204020204" charset="-122"/>
-            </a:endParaRPr>
-          </a:p>
-          <a:p>
-            <a:pPr marL="0" lvl="0" indent="0">
-              <a:buNone/>
-            </a:pPr>
+            <a:r>
+              <a:rPr lang="en-US" altLang="zh-CN" sz="1600" dirty="0">
+                <a:solidFill>
+                  <a:schemeClr val="tx1"/>
+                </a:solidFill>
+                <a:latin typeface="微软雅黑" panose="020B0503020204020204" charset="-122"/>
+                <a:ea typeface="微软雅黑" panose="020B0503020204020204" charset="-122"/>
+              </a:rPr>
+              <a:t>2.  </a:t>
+            </a:r>
             <a:endParaRPr lang="en-US" altLang="zh-CN" sz="1600" dirty="0">
               <a:solidFill>
                 <a:schemeClr val="tx1"/>
@@ -4778,7 +5011,7 @@
         <p:spPr>
           <a:xfrm>
             <a:off x="286385" y="1457325"/>
-            <a:ext cx="6701790" cy="603885"/>
+            <a:ext cx="11320145" cy="603885"/>
           </a:xfrm>
           <a:prstGeom prst="rect">
             <a:avLst/>
@@ -4822,42 +5055,6 @@
               <a:t>的收敛速度慢问题和因为复杂度对高分辨率图片使用的限制而导致的小目标检测性能差问题</a:t>
             </a:r>
             <a:endParaRPr lang="zh-CN" altLang="en-US" sz="1600" dirty="0">
-              <a:solidFill>
-                <a:schemeClr val="tx1"/>
-              </a:solidFill>
-              <a:latin typeface="微软雅黑" panose="020B0503020204020204" charset="-122"/>
-              <a:ea typeface="微软雅黑" panose="020B0503020204020204" charset="-122"/>
-            </a:endParaRPr>
-          </a:p>
-          <a:p>
-            <a:pPr marL="0" lvl="0" indent="0">
-              <a:buNone/>
-            </a:pPr>
-            <a:endParaRPr lang="en-US" altLang="zh-CN" sz="1600" dirty="0">
-              <a:solidFill>
-                <a:schemeClr val="tx1"/>
-              </a:solidFill>
-              <a:latin typeface="微软雅黑" panose="020B0503020204020204" charset="-122"/>
-              <a:ea typeface="微软雅黑" panose="020B0503020204020204" charset="-122"/>
-            </a:endParaRPr>
-          </a:p>
-          <a:p>
-            <a:pPr marL="0" lvl="0" indent="0">
-              <a:buNone/>
-            </a:pPr>
-            <a:endParaRPr lang="en-US" altLang="zh-CN" sz="1600" dirty="0">
-              <a:solidFill>
-                <a:schemeClr val="tx1"/>
-              </a:solidFill>
-              <a:latin typeface="微软雅黑" panose="020B0503020204020204" charset="-122"/>
-              <a:ea typeface="微软雅黑" panose="020B0503020204020204" charset="-122"/>
-            </a:endParaRPr>
-          </a:p>
-          <a:p>
-            <a:pPr marL="0" lvl="0" indent="0">
-              <a:buNone/>
-            </a:pPr>
-            <a:endParaRPr lang="en-US" altLang="zh-CN" sz="1600" dirty="0">
               <a:solidFill>
                 <a:schemeClr val="tx1"/>
               </a:solidFill>
@@ -4897,7 +5094,87 @@
                 <a:latin typeface="微软雅黑" panose="020B0503020204020204" charset="-122"/>
                 <a:ea typeface="微软雅黑" panose="020B0503020204020204" charset="-122"/>
               </a:rPr>
-              <a:t>1. </a:t>
+              <a:t>1.  </a:t>
+            </a:r>
+            <a:r>
+              <a:rPr lang="zh-CN" altLang="en-US" sz="1600" dirty="0">
+                <a:solidFill>
+                  <a:schemeClr val="tx1"/>
+                </a:solidFill>
+                <a:latin typeface="微软雅黑" panose="020B0503020204020204" charset="-122"/>
+                <a:ea typeface="微软雅黑" panose="020B0503020204020204" charset="-122"/>
+              </a:rPr>
+              <a:t>取多尺度的特征图之后进行多尺度编码</a:t>
+            </a:r>
+            <a:endParaRPr lang="zh-CN" altLang="en-US" sz="1600" dirty="0">
+              <a:solidFill>
+                <a:schemeClr val="tx1"/>
+              </a:solidFill>
+              <a:latin typeface="微软雅黑" panose="020B0503020204020204" charset="-122"/>
+              <a:ea typeface="微软雅黑" panose="020B0503020204020204" charset="-122"/>
+            </a:endParaRPr>
+          </a:p>
+          <a:p>
+            <a:pPr indent="457200"/>
+            <a:r>
+              <a:rPr lang="en-US" altLang="zh-CN" sz="1600" dirty="0">
+                <a:solidFill>
+                  <a:schemeClr val="tx1"/>
+                </a:solidFill>
+                <a:latin typeface="微软雅黑" panose="020B0503020204020204" charset="-122"/>
+                <a:ea typeface="微软雅黑" panose="020B0503020204020204" charset="-122"/>
+              </a:rPr>
+              <a:t>2.  </a:t>
+            </a:r>
+            <a:r>
+              <a:rPr lang="zh-CN" altLang="en-US" sz="1600" dirty="0">
+                <a:solidFill>
+                  <a:schemeClr val="tx1"/>
+                </a:solidFill>
+                <a:latin typeface="微软雅黑" panose="020B0503020204020204" charset="-122"/>
+                <a:ea typeface="微软雅黑" panose="020B0503020204020204" charset="-122"/>
+              </a:rPr>
+              <a:t>输入</a:t>
+            </a:r>
+            <a:r>
+              <a:rPr lang="en-US" altLang="zh-CN" sz="1600" dirty="0">
+                <a:solidFill>
+                  <a:schemeClr val="tx1"/>
+                </a:solidFill>
+                <a:latin typeface="微软雅黑" panose="020B0503020204020204" charset="-122"/>
+                <a:ea typeface="微软雅黑" panose="020B0503020204020204" charset="-122"/>
+              </a:rPr>
+              <a:t>encoder</a:t>
+            </a:r>
+            <a:r>
+              <a:rPr lang="zh-CN" altLang="en-US" sz="1600" dirty="0">
+                <a:solidFill>
+                  <a:schemeClr val="tx1"/>
+                </a:solidFill>
+                <a:latin typeface="微软雅黑" panose="020B0503020204020204" charset="-122"/>
+                <a:ea typeface="微软雅黑" panose="020B0503020204020204" charset="-122"/>
+              </a:rPr>
+              <a:t>后使用多尺度的可变形注意力</a:t>
+            </a:r>
+            <a:endParaRPr lang="zh-CN" altLang="en-US" sz="1600" dirty="0">
+              <a:solidFill>
+                <a:schemeClr val="tx1"/>
+              </a:solidFill>
+              <a:latin typeface="微软雅黑" panose="020B0503020204020204" charset="-122"/>
+              <a:ea typeface="微软雅黑" panose="020B0503020204020204" charset="-122"/>
+            </a:endParaRPr>
+          </a:p>
+          <a:p>
+            <a:pPr indent="457200"/>
+            <a:r>
+              <a:rPr lang="en-US" altLang="zh-CN" sz="1600" dirty="0">
+                <a:solidFill>
+                  <a:schemeClr val="tx1"/>
+                </a:solidFill>
+                <a:latin typeface="微软雅黑" panose="020B0503020204020204" charset="-122"/>
+                <a:ea typeface="微软雅黑" panose="020B0503020204020204" charset="-122"/>
+              </a:rPr>
+              <a:t>3.  </a:t>
             </a:r>
             <a:endParaRPr lang="en-US" altLang="zh-CN" sz="1600" dirty="0">
               <a:solidFill>
@@ -4945,30 +5222,6 @@
           </a:p>
         </p:txBody>
       </p:sp>
-      <p:pic>
-        <p:nvPicPr>
-          <p:cNvPr id="14" name="图片 13"/>
-          <p:cNvPicPr>
-            <a:picLocks noChangeAspect="1"/>
-          </p:cNvPicPr>
-          <p:nvPr/>
-        </p:nvPicPr>
-        <p:blipFill>
-          <a:blip r:embed="rId6"/>
-          <a:stretch>
-            <a:fillRect/>
-          </a:stretch>
-        </p:blipFill>
-        <p:spPr>
-          <a:xfrm>
-            <a:off x="7075170" y="850265"/>
-            <a:ext cx="5006975" cy="2578735"/>
-          </a:xfrm>
-          <a:prstGeom prst="rect">
-            <a:avLst/>
-          </a:prstGeom>
-        </p:spPr>
-      </p:pic>
     </p:spTree>
   </p:cSld>
   <p:clrMapOvr>
@@ -5118,6 +5371,30 @@
           </a:p>
         </p:txBody>
       </p:sp>
+      <p:pic>
+        <p:nvPicPr>
+          <p:cNvPr id="2" name="图片 1"/>
+          <p:cNvPicPr>
+            <a:picLocks noChangeAspect="1"/>
+          </p:cNvPicPr>
+          <p:nvPr/>
+        </p:nvPicPr>
+        <p:blipFill>
+          <a:blip r:embed="rId2"/>
+          <a:stretch>
+            <a:fillRect/>
+          </a:stretch>
+        </p:blipFill>
+        <p:spPr>
+          <a:xfrm>
+            <a:off x="6087745" y="1074420"/>
+            <a:ext cx="6104255" cy="4496435"/>
+          </a:xfrm>
+          <a:prstGeom prst="rect">
+            <a:avLst/>
+          </a:prstGeom>
+        </p:spPr>
+      </p:pic>
     </p:spTree>
   </p:cSld>
   <p:clrMapOvr>
@@ -5127,6 +5404,1016 @@
 </file>
 
 <file path=ppt/slides/slide12.xml><?xml version="1.0" encoding="utf-8"?>
+<p:sld xmlns:a="http://schemas.openxmlformats.org/drawingml/2006/main" xmlns:r="http://schemas.openxmlformats.org/officeDocument/2006/relationships" xmlns:p="http://schemas.openxmlformats.org/presentationml/2006/main">
+  <p:cSld>
+    <p:spTree>
+      <p:nvGrpSpPr>
+        <p:cNvPr id="1" name=""/>
+        <p:cNvGrpSpPr/>
+        <p:nvPr/>
+      </p:nvGrpSpPr>
+      <p:grpSpPr>
+        <a:xfrm>
+          <a:off x="0" y="0"/>
+          <a:ext cx="0" cy="0"/>
+          <a:chOff x="0" y="0"/>
+          <a:chExt cx="0" cy="0"/>
+        </a:xfrm>
+      </p:grpSpPr>
+      <p:sp>
+        <p:nvSpPr>
+          <p:cNvPr id="13" name="文本框 12"/>
+          <p:cNvSpPr txBox="1"/>
+          <p:nvPr/>
+        </p:nvSpPr>
+        <p:spPr>
+          <a:xfrm>
+            <a:off x="106466" y="601786"/>
+            <a:ext cx="1795780" cy="398780"/>
+          </a:xfrm>
+          <a:prstGeom prst="rect">
+            <a:avLst/>
+          </a:prstGeom>
+          <a:noFill/>
+        </p:spPr>
+        <p:txBody>
+          <a:bodyPr wrap="none" rtlCol="0">
+            <a:spAutoFit/>
+          </a:bodyPr>
+          <a:lstStyle/>
+          <a:p>
+            <a:pPr marL="342900" indent="-342900">
+              <a:buFont typeface="Wingdings" panose="05000000000000000000" charset="0"/>
+              <a:buChar char="n"/>
+            </a:pPr>
+            <a:r>
+              <a:rPr lang="zh-CN" altLang="en-US" sz="2000" b="1" dirty="0">
+                <a:latin typeface="微软雅黑" panose="020B0503020204020204" charset="-122"/>
+                <a:ea typeface="微软雅黑" panose="020B0503020204020204" charset="-122"/>
+              </a:rPr>
+              <a:t>多尺度特征</a:t>
+            </a:r>
+            <a:endParaRPr lang="zh-CN" altLang="en-US" sz="2000" b="1" dirty="0">
+              <a:latin typeface="微软雅黑" panose="020B0503020204020204" charset="-122"/>
+              <a:ea typeface="微软雅黑" panose="020B0503020204020204" charset="-122"/>
+            </a:endParaRPr>
+          </a:p>
+        </p:txBody>
+      </p:sp>
+      <p:sp>
+        <p:nvSpPr>
+          <p:cNvPr id="6" name="矩形 5"/>
+          <p:cNvSpPr/>
+          <p:nvPr>
+            <p:custDataLst>
+              <p:tags r:id="rId1"/>
+            </p:custDataLst>
+          </p:nvPr>
+        </p:nvSpPr>
+        <p:spPr>
+          <a:xfrm>
+            <a:off x="-6350" y="0"/>
+            <a:ext cx="12198350" cy="540000"/>
+          </a:xfrm>
+          <a:prstGeom prst="rect">
+            <a:avLst/>
+          </a:prstGeom>
+          <a:solidFill>
+            <a:srgbClr val="A099CB"/>
+          </a:solidFill>
+          <a:ln>
+            <a:noFill/>
+          </a:ln>
+        </p:spPr>
+        <p:style>
+          <a:lnRef idx="2">
+            <a:schemeClr val="accent1">
+              <a:shade val="50000"/>
+            </a:schemeClr>
+          </a:lnRef>
+          <a:fillRef idx="1">
+            <a:schemeClr val="accent1"/>
+          </a:fillRef>
+          <a:effectRef idx="0">
+            <a:schemeClr val="accent1"/>
+          </a:effectRef>
+          <a:fontRef idx="minor">
+            <a:schemeClr val="lt1"/>
+          </a:fontRef>
+        </p:style>
+        <p:txBody>
+          <a:bodyPr rtlCol="0" anchor="ctr"/>
+          <a:p>
+            <a:pPr marL="0" marR="0" lvl="0" indent="0" algn="ctr" defTabSz="914400" rtl="0" eaLnBrk="1" fontAlgn="auto" latinLnBrk="0" hangingPunct="1">
+              <a:lnSpc>
+                <a:spcPct val="100000"/>
+              </a:lnSpc>
+              <a:spcBef>
+                <a:spcPts val="0"/>
+              </a:spcBef>
+              <a:spcAft>
+                <a:spcPts val="0"/>
+              </a:spcAft>
+              <a:buClrTx/>
+              <a:buSzTx/>
+              <a:buFontTx/>
+              <a:buNone/>
+              <a:defRPr/>
+            </a:pPr>
+            <a:r>
+              <a:rPr lang="en-US" altLang="zh-CN" dirty="0">
+                <a:effectLst/>
+                <a:latin typeface="微软雅黑" panose="020B0503020204020204" charset="-122"/>
+                <a:ea typeface="微软雅黑" panose="020B0503020204020204" charset="-122"/>
+                <a:sym typeface="+mn-ea"/>
+              </a:rPr>
+              <a:t>2.DEFORMABLE DETR: DEFORMABLE TRANSFORMERS FOR END-TO-END OBJECT DETECTION</a:t>
+            </a:r>
+            <a:endParaRPr lang="en-US" altLang="zh-CN" dirty="0">
+              <a:effectLst/>
+              <a:latin typeface="微软雅黑" panose="020B0503020204020204" charset="-122"/>
+              <a:ea typeface="微软雅黑" panose="020B0503020204020204" charset="-122"/>
+            </a:endParaRPr>
+          </a:p>
+        </p:txBody>
+      </p:sp>
+      <p:pic>
+        <p:nvPicPr>
+          <p:cNvPr id="14" name="图片 13"/>
+          <p:cNvPicPr>
+            <a:picLocks noChangeAspect="1"/>
+          </p:cNvPicPr>
+          <p:nvPr/>
+        </p:nvPicPr>
+        <p:blipFill>
+          <a:blip r:embed="rId2"/>
+          <a:stretch>
+            <a:fillRect/>
+          </a:stretch>
+        </p:blipFill>
+        <p:spPr>
+          <a:xfrm>
+            <a:off x="340995" y="1062990"/>
+            <a:ext cx="5006975" cy="2578735"/>
+          </a:xfrm>
+          <a:prstGeom prst="rect">
+            <a:avLst/>
+          </a:prstGeom>
+        </p:spPr>
+      </p:pic>
+      <p:pic>
+        <p:nvPicPr>
+          <p:cNvPr id="3" name="图片 2"/>
+          <p:cNvPicPr>
+            <a:picLocks noChangeAspect="1"/>
+          </p:cNvPicPr>
+          <p:nvPr/>
+        </p:nvPicPr>
+        <p:blipFill>
+          <a:blip r:embed="rId3"/>
+          <a:stretch>
+            <a:fillRect/>
+          </a:stretch>
+        </p:blipFill>
+        <p:spPr>
+          <a:xfrm>
+            <a:off x="8298180" y="1062990"/>
+            <a:ext cx="2787015" cy="2258695"/>
+          </a:xfrm>
+          <a:prstGeom prst="rect">
+            <a:avLst/>
+          </a:prstGeom>
+        </p:spPr>
+      </p:pic>
+      <p:sp>
+        <p:nvSpPr>
+          <p:cNvPr id="10" name="文本框 9"/>
+          <p:cNvSpPr txBox="1"/>
+          <p:nvPr/>
+        </p:nvSpPr>
+        <p:spPr>
+          <a:xfrm>
+            <a:off x="7404100" y="3496945"/>
+            <a:ext cx="4864100" cy="603885"/>
+          </a:xfrm>
+          <a:prstGeom prst="rect">
+            <a:avLst/>
+          </a:prstGeom>
+          <a:noFill/>
+        </p:spPr>
+        <p:txBody>
+          <a:bodyPr wrap="square" rtlCol="0">
+            <a:noAutofit/>
+          </a:bodyPr>
+          <a:p>
+            <a:pPr indent="457200"/>
+            <a:r>
+              <a:rPr lang="zh-CN" altLang="en-US" sz="1600" dirty="0">
+                <a:solidFill>
+                  <a:schemeClr val="tx1"/>
+                </a:solidFill>
+                <a:latin typeface="微软雅黑" panose="020B0503020204020204" charset="-122"/>
+                <a:ea typeface="微软雅黑" panose="020B0503020204020204" charset="-122"/>
+              </a:rPr>
+              <a:t>直接提取</a:t>
+            </a:r>
+            <a:r>
+              <a:rPr lang="en-US" altLang="zh-CN" sz="1600" dirty="0">
+                <a:solidFill>
+                  <a:schemeClr val="tx1"/>
+                </a:solidFill>
+                <a:latin typeface="微软雅黑" panose="020B0503020204020204" charset="-122"/>
+                <a:ea typeface="微软雅黑" panose="020B0503020204020204" charset="-122"/>
+              </a:rPr>
+              <a:t>ResNet</a:t>
+            </a:r>
+            <a:r>
+              <a:rPr lang="zh-CN" altLang="en-US" sz="1600" dirty="0">
+                <a:solidFill>
+                  <a:schemeClr val="tx1"/>
+                </a:solidFill>
+                <a:latin typeface="微软雅黑" panose="020B0503020204020204" charset="-122"/>
+                <a:ea typeface="微软雅黑" panose="020B0503020204020204" charset="-122"/>
+              </a:rPr>
+              <a:t>的</a:t>
+            </a:r>
+            <a:r>
+              <a:rPr lang="en-US" altLang="zh-CN" sz="1600" dirty="0">
+                <a:solidFill>
+                  <a:schemeClr val="tx1"/>
+                </a:solidFill>
+                <a:latin typeface="微软雅黑" panose="020B0503020204020204" charset="-122"/>
+                <a:ea typeface="微软雅黑" panose="020B0503020204020204" charset="-122"/>
+              </a:rPr>
+              <a:t>layer4</a:t>
+            </a:r>
+            <a:r>
+              <a:rPr lang="zh-CN" altLang="en-US" sz="1600" dirty="0">
+                <a:solidFill>
+                  <a:schemeClr val="tx1"/>
+                </a:solidFill>
+                <a:latin typeface="微软雅黑" panose="020B0503020204020204" charset="-122"/>
+                <a:ea typeface="微软雅黑" panose="020B0503020204020204" charset="-122"/>
+              </a:rPr>
+              <a:t>的特征，前面的层数提取特征有限</a:t>
+            </a:r>
+            <a:endParaRPr lang="zh-CN" altLang="en-US" sz="1600" dirty="0">
+              <a:solidFill>
+                <a:schemeClr val="tx1"/>
+              </a:solidFill>
+              <a:latin typeface="微软雅黑" panose="020B0503020204020204" charset="-122"/>
+              <a:ea typeface="微软雅黑" panose="020B0503020204020204" charset="-122"/>
+            </a:endParaRPr>
+          </a:p>
+        </p:txBody>
+      </p:sp>
+      <p:sp>
+        <p:nvSpPr>
+          <p:cNvPr id="5" name="文本框 4"/>
+          <p:cNvSpPr txBox="1"/>
+          <p:nvPr/>
+        </p:nvSpPr>
+        <p:spPr>
+          <a:xfrm>
+            <a:off x="483870" y="3623945"/>
+            <a:ext cx="4864100" cy="603885"/>
+          </a:xfrm>
+          <a:prstGeom prst="rect">
+            <a:avLst/>
+          </a:prstGeom>
+          <a:noFill/>
+        </p:spPr>
+        <p:txBody>
+          <a:bodyPr wrap="square" rtlCol="0">
+            <a:noAutofit/>
+          </a:bodyPr>
+          <a:p>
+            <a:pPr indent="457200"/>
+            <a:r>
+              <a:rPr lang="zh-CN" altLang="en-US" sz="1600" dirty="0">
+                <a:solidFill>
+                  <a:schemeClr val="tx1"/>
+                </a:solidFill>
+                <a:latin typeface="微软雅黑" panose="020B0503020204020204" charset="-122"/>
+                <a:ea typeface="微软雅黑" panose="020B0503020204020204" charset="-122"/>
+              </a:rPr>
+              <a:t>从</a:t>
+            </a:r>
+            <a:r>
+              <a:rPr lang="en-US" altLang="zh-CN" sz="1600" dirty="0">
+                <a:solidFill>
+                  <a:schemeClr val="tx1"/>
+                </a:solidFill>
+                <a:latin typeface="微软雅黑" panose="020B0503020204020204" charset="-122"/>
+                <a:ea typeface="微软雅黑" panose="020B0503020204020204" charset="-122"/>
+              </a:rPr>
+              <a:t>ResNet</a:t>
+            </a:r>
+            <a:r>
+              <a:rPr lang="zh-CN" altLang="en-US" sz="1600" dirty="0">
+                <a:solidFill>
+                  <a:schemeClr val="tx1"/>
+                </a:solidFill>
+                <a:latin typeface="微软雅黑" panose="020B0503020204020204" charset="-122"/>
+                <a:ea typeface="微软雅黑" panose="020B0503020204020204" charset="-122"/>
+              </a:rPr>
+              <a:t>的</a:t>
+            </a:r>
+            <a:r>
+              <a:rPr lang="en-US" altLang="zh-CN" sz="1600" dirty="0">
+                <a:solidFill>
+                  <a:schemeClr val="tx1"/>
+                </a:solidFill>
+                <a:latin typeface="微软雅黑" panose="020B0503020204020204" charset="-122"/>
+                <a:ea typeface="微软雅黑" panose="020B0503020204020204" charset="-122"/>
+              </a:rPr>
+              <a:t>2-4</a:t>
+            </a:r>
+            <a:r>
+              <a:rPr lang="zh-CN" altLang="en-US" sz="1600" dirty="0">
+                <a:solidFill>
+                  <a:schemeClr val="tx1"/>
+                </a:solidFill>
+                <a:latin typeface="微软雅黑" panose="020B0503020204020204" charset="-122"/>
+                <a:ea typeface="微软雅黑" panose="020B0503020204020204" charset="-122"/>
+              </a:rPr>
+              <a:t>层不同尺度的特征中提取后分别接一个1x1conv + GroupNorm，再进一步Layer4接一个3x3conv + GroupNorm下采样，最后得到四个不同尺度的特征图</a:t>
+            </a:r>
+            <a:endParaRPr lang="zh-CN" altLang="en-US" sz="1600" dirty="0">
+              <a:solidFill>
+                <a:schemeClr val="tx1"/>
+              </a:solidFill>
+              <a:latin typeface="微软雅黑" panose="020B0503020204020204" charset="-122"/>
+              <a:ea typeface="微软雅黑" panose="020B0503020204020204" charset="-122"/>
+            </a:endParaRPr>
+          </a:p>
+          <a:p>
+            <a:pPr indent="457200"/>
+            <a:endParaRPr lang="zh-CN" altLang="en-US" sz="1600" dirty="0">
+              <a:solidFill>
+                <a:schemeClr val="tx1"/>
+              </a:solidFill>
+              <a:latin typeface="微软雅黑" panose="020B0503020204020204" charset="-122"/>
+              <a:ea typeface="微软雅黑" panose="020B0503020204020204" charset="-122"/>
+            </a:endParaRPr>
+          </a:p>
+          <a:p>
+            <a:pPr indent="457200"/>
+            <a:r>
+              <a:rPr lang="zh-CN" altLang="en-US" sz="1600" dirty="0">
+                <a:solidFill>
+                  <a:schemeClr val="tx1"/>
+                </a:solidFill>
+                <a:latin typeface="微软雅黑" panose="020B0503020204020204" charset="-122"/>
+                <a:ea typeface="微软雅黑" panose="020B0503020204020204" charset="-122"/>
+              </a:rPr>
+              <a:t>最后将这4个不同尺度的特征送入transformer中的encoder中</a:t>
+            </a:r>
+            <a:endParaRPr lang="zh-CN" altLang="en-US" sz="1600" dirty="0">
+              <a:solidFill>
+                <a:schemeClr val="tx1"/>
+              </a:solidFill>
+              <a:latin typeface="微软雅黑" panose="020B0503020204020204" charset="-122"/>
+              <a:ea typeface="微软雅黑" panose="020B0503020204020204" charset="-122"/>
+            </a:endParaRPr>
+          </a:p>
+        </p:txBody>
+      </p:sp>
+    </p:spTree>
+  </p:cSld>
+  <p:clrMapOvr>
+    <a:masterClrMapping/>
+  </p:clrMapOvr>
+</p:sld>
+</file>
+
+<file path=ppt/slides/slide13.xml><?xml version="1.0" encoding="utf-8"?>
+<p:sld xmlns:a="http://schemas.openxmlformats.org/drawingml/2006/main" xmlns:r="http://schemas.openxmlformats.org/officeDocument/2006/relationships" xmlns:p="http://schemas.openxmlformats.org/presentationml/2006/main">
+  <p:cSld>
+    <p:spTree>
+      <p:nvGrpSpPr>
+        <p:cNvPr id="1" name=""/>
+        <p:cNvGrpSpPr/>
+        <p:nvPr/>
+      </p:nvGrpSpPr>
+      <p:grpSpPr>
+        <a:xfrm>
+          <a:off x="0" y="0"/>
+          <a:ext cx="0" cy="0"/>
+          <a:chOff x="0" y="0"/>
+          <a:chExt cx="0" cy="0"/>
+        </a:xfrm>
+      </p:grpSpPr>
+      <p:sp>
+        <p:nvSpPr>
+          <p:cNvPr id="13" name="文本框 12"/>
+          <p:cNvSpPr txBox="1"/>
+          <p:nvPr/>
+        </p:nvSpPr>
+        <p:spPr>
+          <a:xfrm>
+            <a:off x="106466" y="601786"/>
+            <a:ext cx="2379345" cy="398780"/>
+          </a:xfrm>
+          <a:prstGeom prst="rect">
+            <a:avLst/>
+          </a:prstGeom>
+          <a:noFill/>
+        </p:spPr>
+        <p:txBody>
+          <a:bodyPr wrap="none" rtlCol="0">
+            <a:spAutoFit/>
+          </a:bodyPr>
+          <a:lstStyle/>
+          <a:p>
+            <a:pPr marL="342900" indent="-342900">
+              <a:buFont typeface="Wingdings" panose="05000000000000000000" charset="0"/>
+              <a:buChar char="n"/>
+            </a:pPr>
+            <a:r>
+              <a:rPr lang="zh-CN" altLang="en-US" sz="2000" b="1" dirty="0">
+                <a:latin typeface="微软雅黑" panose="020B0503020204020204" charset="-122"/>
+                <a:ea typeface="微软雅黑" panose="020B0503020204020204" charset="-122"/>
+              </a:rPr>
+              <a:t>多尺度位置编码</a:t>
+            </a:r>
+            <a:r>
+              <a:rPr lang="en-US" altLang="zh-CN" sz="2000" b="1" dirty="0">
+                <a:latin typeface="微软雅黑" panose="020B0503020204020204" charset="-122"/>
+                <a:ea typeface="微软雅黑" panose="020B0503020204020204" charset="-122"/>
+              </a:rPr>
+              <a:t> </a:t>
+            </a:r>
+            <a:endParaRPr lang="en-US" altLang="zh-CN" sz="2000" b="1" dirty="0">
+              <a:latin typeface="微软雅黑" panose="020B0503020204020204" charset="-122"/>
+              <a:ea typeface="微软雅黑" panose="020B0503020204020204" charset="-122"/>
+            </a:endParaRPr>
+          </a:p>
+        </p:txBody>
+      </p:sp>
+      <p:sp>
+        <p:nvSpPr>
+          <p:cNvPr id="6" name="矩形 5"/>
+          <p:cNvSpPr/>
+          <p:nvPr>
+            <p:custDataLst>
+              <p:tags r:id="rId1"/>
+            </p:custDataLst>
+          </p:nvPr>
+        </p:nvSpPr>
+        <p:spPr>
+          <a:xfrm>
+            <a:off x="-6350" y="0"/>
+            <a:ext cx="12198350" cy="540000"/>
+          </a:xfrm>
+          <a:prstGeom prst="rect">
+            <a:avLst/>
+          </a:prstGeom>
+          <a:solidFill>
+            <a:srgbClr val="A099CB"/>
+          </a:solidFill>
+          <a:ln>
+            <a:noFill/>
+          </a:ln>
+        </p:spPr>
+        <p:style>
+          <a:lnRef idx="2">
+            <a:schemeClr val="accent1">
+              <a:shade val="50000"/>
+            </a:schemeClr>
+          </a:lnRef>
+          <a:fillRef idx="1">
+            <a:schemeClr val="accent1"/>
+          </a:fillRef>
+          <a:effectRef idx="0">
+            <a:schemeClr val="accent1"/>
+          </a:effectRef>
+          <a:fontRef idx="minor">
+            <a:schemeClr val="lt1"/>
+          </a:fontRef>
+        </p:style>
+        <p:txBody>
+          <a:bodyPr rtlCol="0" anchor="ctr"/>
+          <a:p>
+            <a:pPr marL="0" marR="0" lvl="0" indent="0" algn="ctr" defTabSz="914400" rtl="0" eaLnBrk="1" fontAlgn="auto" latinLnBrk="0" hangingPunct="1">
+              <a:lnSpc>
+                <a:spcPct val="100000"/>
+              </a:lnSpc>
+              <a:spcBef>
+                <a:spcPts val="0"/>
+              </a:spcBef>
+              <a:spcAft>
+                <a:spcPts val="0"/>
+              </a:spcAft>
+              <a:buClrTx/>
+              <a:buSzTx/>
+              <a:buFontTx/>
+              <a:buNone/>
+              <a:defRPr/>
+            </a:pPr>
+            <a:r>
+              <a:rPr lang="en-US" altLang="zh-CN" dirty="0">
+                <a:effectLst/>
+                <a:latin typeface="微软雅黑" panose="020B0503020204020204" charset="-122"/>
+                <a:ea typeface="微软雅黑" panose="020B0503020204020204" charset="-122"/>
+                <a:sym typeface="+mn-ea"/>
+              </a:rPr>
+              <a:t>2.DEFORMABLE DETR: DEFORMABLE TRANSFORMERS FOR END-TO-END OBJECT DETECTION</a:t>
+            </a:r>
+            <a:endParaRPr lang="en-US" altLang="zh-CN" dirty="0">
+              <a:effectLst/>
+              <a:latin typeface="微软雅黑" panose="020B0503020204020204" charset="-122"/>
+              <a:ea typeface="微软雅黑" panose="020B0503020204020204" charset="-122"/>
+            </a:endParaRPr>
+          </a:p>
+        </p:txBody>
+      </p:sp>
+      <p:sp>
+        <p:nvSpPr>
+          <p:cNvPr id="2" name="文本框 1"/>
+          <p:cNvSpPr txBox="1"/>
+          <p:nvPr/>
+        </p:nvSpPr>
+        <p:spPr>
+          <a:xfrm>
+            <a:off x="106680" y="3636010"/>
+            <a:ext cx="4864100" cy="4481195"/>
+          </a:xfrm>
+          <a:prstGeom prst="rect">
+            <a:avLst/>
+          </a:prstGeom>
+          <a:noFill/>
+        </p:spPr>
+        <p:txBody>
+          <a:bodyPr wrap="square" rtlCol="0">
+            <a:noAutofit/>
+          </a:bodyPr>
+          <a:p>
+            <a:pPr indent="457200"/>
+            <a:r>
+              <a:rPr lang="zh-CN" altLang="en-US" sz="1600" dirty="0">
+                <a:solidFill>
+                  <a:schemeClr val="tx1"/>
+                </a:solidFill>
+                <a:latin typeface="微软雅黑" panose="020B0503020204020204" charset="-122"/>
+                <a:ea typeface="微软雅黑" panose="020B0503020204020204" charset="-122"/>
+              </a:rPr>
+              <a:t>原先的</a:t>
+            </a:r>
+            <a:r>
+              <a:rPr lang="en-US" altLang="zh-CN" sz="1600" dirty="0">
+                <a:solidFill>
+                  <a:schemeClr val="tx1"/>
+                </a:solidFill>
+                <a:latin typeface="微软雅黑" panose="020B0503020204020204" charset="-122"/>
+                <a:ea typeface="微软雅黑" panose="020B0503020204020204" charset="-122"/>
+              </a:rPr>
+              <a:t>detr</a:t>
+            </a:r>
+            <a:r>
+              <a:rPr lang="zh-CN" altLang="en-US" sz="1600" dirty="0">
+                <a:solidFill>
+                  <a:schemeClr val="tx1"/>
+                </a:solidFill>
+                <a:latin typeface="微软雅黑" panose="020B0503020204020204" charset="-122"/>
+                <a:ea typeface="微软雅黑" panose="020B0503020204020204" charset="-122"/>
+              </a:rPr>
+              <a:t>使用单尺度特征，所以只需要</a:t>
+            </a:r>
+            <a:r>
+              <a:rPr lang="en-US" altLang="zh-CN" sz="1600" dirty="0">
+                <a:solidFill>
+                  <a:schemeClr val="tx1"/>
+                </a:solidFill>
+                <a:latin typeface="微软雅黑" panose="020B0503020204020204" charset="-122"/>
+                <a:ea typeface="微软雅黑" panose="020B0503020204020204" charset="-122"/>
+              </a:rPr>
+              <a:t>x</a:t>
+            </a:r>
+            <a:r>
+              <a:rPr lang="zh-CN" altLang="en-US" sz="1600" dirty="0">
+                <a:solidFill>
+                  <a:schemeClr val="tx1"/>
+                </a:solidFill>
+                <a:latin typeface="微软雅黑" panose="020B0503020204020204" charset="-122"/>
+                <a:ea typeface="微软雅黑" panose="020B0503020204020204" charset="-122"/>
+              </a:rPr>
+              <a:t>，</a:t>
+            </a:r>
+            <a:r>
+              <a:rPr lang="en-US" altLang="zh-CN" sz="1600" dirty="0">
+                <a:solidFill>
+                  <a:schemeClr val="tx1"/>
+                </a:solidFill>
+                <a:latin typeface="微软雅黑" panose="020B0503020204020204" charset="-122"/>
+                <a:ea typeface="微软雅黑" panose="020B0503020204020204" charset="-122"/>
+              </a:rPr>
+              <a:t>y</a:t>
+            </a:r>
+            <a:r>
+              <a:rPr lang="zh-CN" altLang="en-US" sz="1600" dirty="0">
+                <a:solidFill>
+                  <a:schemeClr val="tx1"/>
+                </a:solidFill>
+                <a:latin typeface="微软雅黑" panose="020B0503020204020204" charset="-122"/>
+                <a:ea typeface="微软雅黑" panose="020B0503020204020204" charset="-122"/>
+              </a:rPr>
+              <a:t>配合三角函数的位置编码就能编入位置信息。</a:t>
+            </a:r>
+            <a:endParaRPr lang="zh-CN" altLang="en-US" sz="1600" dirty="0">
+              <a:solidFill>
+                <a:schemeClr val="tx1"/>
+              </a:solidFill>
+              <a:latin typeface="微软雅黑" panose="020B0503020204020204" charset="-122"/>
+              <a:ea typeface="微软雅黑" panose="020B0503020204020204" charset="-122"/>
+            </a:endParaRPr>
+          </a:p>
+          <a:p>
+            <a:pPr indent="457200"/>
+            <a:endParaRPr lang="zh-CN" altLang="en-US" sz="1600" dirty="0">
+              <a:solidFill>
+                <a:schemeClr val="tx1"/>
+              </a:solidFill>
+              <a:latin typeface="微软雅黑" panose="020B0503020204020204" charset="-122"/>
+              <a:ea typeface="微软雅黑" panose="020B0503020204020204" charset="-122"/>
+            </a:endParaRPr>
+          </a:p>
+          <a:p>
+            <a:pPr indent="457200"/>
+            <a:r>
+              <a:rPr lang="zh-CN" altLang="en-US" sz="1600" dirty="0">
+                <a:solidFill>
+                  <a:schemeClr val="tx1"/>
+                </a:solidFill>
+                <a:latin typeface="微软雅黑" panose="020B0503020204020204" charset="-122"/>
+                <a:ea typeface="微软雅黑" panose="020B0503020204020204" charset="-122"/>
+              </a:rPr>
+              <a:t>而</a:t>
+            </a:r>
+            <a:r>
+              <a:rPr lang="en-US" altLang="zh-CN" sz="1600" dirty="0">
+                <a:solidFill>
+                  <a:schemeClr val="tx1"/>
+                </a:solidFill>
+                <a:latin typeface="微软雅黑" panose="020B0503020204020204" charset="-122"/>
+                <a:ea typeface="微软雅黑" panose="020B0503020204020204" charset="-122"/>
+              </a:rPr>
+              <a:t>deformable detr </a:t>
+            </a:r>
+            <a:r>
+              <a:rPr lang="zh-CN" altLang="en-US" sz="1600" dirty="0">
+                <a:solidFill>
+                  <a:schemeClr val="tx1"/>
+                </a:solidFill>
+                <a:latin typeface="微软雅黑" panose="020B0503020204020204" charset="-122"/>
+                <a:ea typeface="微软雅黑" panose="020B0503020204020204" charset="-122"/>
+              </a:rPr>
+              <a:t>中有四个特征图，多尺度的特征，所以作者使用了多尺度位置编码</a:t>
+            </a:r>
+            <a:endParaRPr lang="zh-CN" altLang="en-US" sz="1600" dirty="0">
+              <a:solidFill>
+                <a:schemeClr val="tx1"/>
+              </a:solidFill>
+              <a:latin typeface="微软雅黑" panose="020B0503020204020204" charset="-122"/>
+              <a:ea typeface="微软雅黑" panose="020B0503020204020204" charset="-122"/>
+            </a:endParaRPr>
+          </a:p>
+          <a:p>
+            <a:pPr indent="457200"/>
+            <a:endParaRPr lang="zh-CN" altLang="en-US" sz="1600" dirty="0">
+              <a:solidFill>
+                <a:schemeClr val="tx1"/>
+              </a:solidFill>
+              <a:latin typeface="微软雅黑" panose="020B0503020204020204" charset="-122"/>
+              <a:ea typeface="微软雅黑" panose="020B0503020204020204" charset="-122"/>
+            </a:endParaRPr>
+          </a:p>
+          <a:p>
+            <a:pPr indent="457200"/>
+            <a:r>
+              <a:rPr lang="zh-CN" altLang="en-US" sz="1600" dirty="0">
+                <a:solidFill>
+                  <a:schemeClr val="tx1"/>
+                </a:solidFill>
+                <a:latin typeface="微软雅黑" panose="020B0503020204020204" charset="-122"/>
+                <a:ea typeface="微软雅黑" panose="020B0503020204020204" charset="-122"/>
+              </a:rPr>
+              <a:t>每一层所有位置加上相同的level_embed 且 不同层的level_embed不同</a:t>
+            </a:r>
+            <a:endParaRPr lang="zh-CN" altLang="en-US" sz="1600" dirty="0">
+              <a:solidFill>
+                <a:schemeClr val="tx1"/>
+              </a:solidFill>
+              <a:latin typeface="微软雅黑" panose="020B0503020204020204" charset="-122"/>
+              <a:ea typeface="微软雅黑" panose="020B0503020204020204" charset="-122"/>
+            </a:endParaRPr>
+          </a:p>
+        </p:txBody>
+      </p:sp>
+      <p:pic>
+        <p:nvPicPr>
+          <p:cNvPr id="4" name="图片 3"/>
+          <p:cNvPicPr>
+            <a:picLocks noChangeAspect="1"/>
+          </p:cNvPicPr>
+          <p:nvPr/>
+        </p:nvPicPr>
+        <p:blipFill>
+          <a:blip r:embed="rId2"/>
+          <a:stretch>
+            <a:fillRect/>
+          </a:stretch>
+        </p:blipFill>
+        <p:spPr>
+          <a:xfrm>
+            <a:off x="965200" y="1207770"/>
+            <a:ext cx="3016250" cy="2305050"/>
+          </a:xfrm>
+          <a:prstGeom prst="rect">
+            <a:avLst/>
+          </a:prstGeom>
+        </p:spPr>
+      </p:pic>
+      <p:sp>
+        <p:nvSpPr>
+          <p:cNvPr id="7" name="文本框 6"/>
+          <p:cNvSpPr txBox="1"/>
+          <p:nvPr/>
+        </p:nvSpPr>
+        <p:spPr>
+          <a:xfrm>
+            <a:off x="1086485" y="6116320"/>
+            <a:ext cx="8039100" cy="337185"/>
+          </a:xfrm>
+          <a:prstGeom prst="rect">
+            <a:avLst/>
+          </a:prstGeom>
+        </p:spPr>
+        <p:txBody>
+          <a:bodyPr wrap="square">
+            <a:spAutoFit/>
+          </a:bodyPr>
+          <a:p>
+            <a:pPr marL="0" indent="0" latinLnBrk="1">
+              <a:spcBef>
+                <a:spcPct val="0"/>
+              </a:spcBef>
+              <a:spcAft>
+                <a:spcPct val="0"/>
+              </a:spcAft>
+            </a:pPr>
+            <a:r>
+              <a:rPr lang="zh-CN" altLang="en-US" sz="1600" b="0" i="0" dirty="0">
+                <a:latin typeface="微软雅黑" panose="020B0503020204020204" charset="-122"/>
+                <a:ea typeface="微软雅黑" panose="020B0503020204020204" charset="-122"/>
+              </a:rPr>
+              <a:t>for lvl,(src, mask, </a:t>
+            </a:r>
+            <a:r>
+              <a:rPr lang="zh-CN" altLang="en-US" sz="1600" b="1" i="0" dirty="0">
+                <a:latin typeface="微软雅黑" panose="020B0503020204020204" charset="-122"/>
+                <a:ea typeface="微软雅黑" panose="020B0503020204020204" charset="-122"/>
+              </a:rPr>
+              <a:t>pos_embed</a:t>
+            </a:r>
+            <a:r>
+              <a:rPr lang="zh-CN" altLang="en-US" sz="1600" b="0" i="0" dirty="0">
+                <a:latin typeface="微软雅黑" panose="020B0503020204020204" charset="-122"/>
+                <a:ea typeface="微软雅黑" panose="020B0503020204020204" charset="-122"/>
+              </a:rPr>
+              <a:t>)</a:t>
+            </a:r>
+            <a:r>
+              <a:rPr lang="en-US" altLang="zh-CN" sz="1600" b="0" i="0" dirty="0">
+                <a:latin typeface="微软雅黑" panose="020B0503020204020204" charset="-122"/>
+                <a:ea typeface="微软雅黑" panose="020B0503020204020204" charset="-122"/>
+              </a:rPr>
+              <a:t> </a:t>
+            </a:r>
+            <a:r>
+              <a:rPr lang="zh-CN" altLang="en-US" sz="1600" b="0" i="0" dirty="0">
+                <a:latin typeface="微软雅黑" panose="020B0503020204020204" charset="-122"/>
+                <a:ea typeface="微软雅黑" panose="020B0503020204020204" charset="-122"/>
+              </a:rPr>
+              <a:t>in</a:t>
+            </a:r>
+            <a:r>
+              <a:rPr lang="en-US" altLang="zh-CN" sz="1600" b="0" i="0" dirty="0">
+                <a:latin typeface="微软雅黑" panose="020B0503020204020204" charset="-122"/>
+                <a:ea typeface="微软雅黑" panose="020B0503020204020204" charset="-122"/>
+              </a:rPr>
+              <a:t> </a:t>
+            </a:r>
+            <a:r>
+              <a:rPr lang="zh-CN" altLang="en-US" sz="1600" b="0" i="0" dirty="0">
+                <a:latin typeface="微软雅黑" panose="020B0503020204020204" charset="-122"/>
+                <a:ea typeface="微软雅黑" panose="020B0503020204020204" charset="-122"/>
+              </a:rPr>
+              <a:t>enumerate(zip(srcs, masks, </a:t>
+            </a:r>
+            <a:r>
+              <a:rPr lang="zh-CN" altLang="en-US" sz="1600" b="1" i="0" dirty="0">
+                <a:latin typeface="微软雅黑" panose="020B0503020204020204" charset="-122"/>
+                <a:ea typeface="微软雅黑" panose="020B0503020204020204" charset="-122"/>
+              </a:rPr>
+              <a:t>pos_embeds</a:t>
+            </a:r>
+            <a:r>
+              <a:rPr lang="zh-CN" altLang="en-US" sz="1600" i="0" dirty="0">
+                <a:latin typeface="微软雅黑" panose="020B0503020204020204" charset="-122"/>
+                <a:ea typeface="微软雅黑" panose="020B0503020204020204" charset="-122"/>
+              </a:rPr>
+              <a:t>)</a:t>
+            </a:r>
+            <a:r>
+              <a:rPr lang="zh-CN" altLang="en-US" sz="1600" b="0" i="0" dirty="0">
+                <a:latin typeface="微软雅黑" panose="020B0503020204020204" charset="-122"/>
+                <a:ea typeface="微软雅黑" panose="020B0503020204020204" charset="-122"/>
+              </a:rPr>
+              <a:t>):</a:t>
+            </a:r>
+            <a:endParaRPr lang="zh-CN" altLang="en-US" sz="1600" b="0" i="0" dirty="0">
+              <a:latin typeface="微软雅黑" panose="020B0503020204020204" charset="-122"/>
+              <a:ea typeface="微软雅黑" panose="020B0503020204020204" charset="-122"/>
+            </a:endParaRPr>
+          </a:p>
+        </p:txBody>
+      </p:sp>
+    </p:spTree>
+  </p:cSld>
+  <p:clrMapOvr>
+    <a:masterClrMapping/>
+  </p:clrMapOvr>
+</p:sld>
+</file>
+
+<file path=ppt/slides/slide14.xml><?xml version="1.0" encoding="utf-8"?>
+<p:sld xmlns:a="http://schemas.openxmlformats.org/drawingml/2006/main" xmlns:r="http://schemas.openxmlformats.org/officeDocument/2006/relationships" xmlns:p="http://schemas.openxmlformats.org/presentationml/2006/main">
+  <p:cSld>
+    <p:spTree>
+      <p:nvGrpSpPr>
+        <p:cNvPr id="1" name=""/>
+        <p:cNvGrpSpPr/>
+        <p:nvPr/>
+      </p:nvGrpSpPr>
+      <p:grpSpPr>
+        <a:xfrm>
+          <a:off x="0" y="0"/>
+          <a:ext cx="0" cy="0"/>
+          <a:chOff x="0" y="0"/>
+          <a:chExt cx="0" cy="0"/>
+        </a:xfrm>
+      </p:grpSpPr>
+      <p:sp>
+        <p:nvSpPr>
+          <p:cNvPr id="13" name="文本框 12"/>
+          <p:cNvSpPr txBox="1"/>
+          <p:nvPr/>
+        </p:nvSpPr>
+        <p:spPr>
+          <a:xfrm>
+            <a:off x="106466" y="601786"/>
+            <a:ext cx="2811780" cy="398780"/>
+          </a:xfrm>
+          <a:prstGeom prst="rect">
+            <a:avLst/>
+          </a:prstGeom>
+          <a:noFill/>
+        </p:spPr>
+        <p:txBody>
+          <a:bodyPr wrap="none" rtlCol="0">
+            <a:spAutoFit/>
+          </a:bodyPr>
+          <a:lstStyle/>
+          <a:p>
+            <a:pPr marL="342900" indent="-342900">
+              <a:buFont typeface="Wingdings" panose="05000000000000000000" charset="0"/>
+              <a:buChar char="n"/>
+            </a:pPr>
+            <a:r>
+              <a:rPr lang="zh-CN" altLang="en-US" sz="2000" b="1" dirty="0">
+                <a:latin typeface="微软雅黑" panose="020B0503020204020204" charset="-122"/>
+                <a:ea typeface="微软雅黑" panose="020B0503020204020204" charset="-122"/>
+              </a:rPr>
+              <a:t>多尺度可变性注意力</a:t>
+            </a:r>
+            <a:endParaRPr lang="zh-CN" altLang="en-US" sz="2000" b="1" dirty="0">
+              <a:latin typeface="微软雅黑" panose="020B0503020204020204" charset="-122"/>
+              <a:ea typeface="微软雅黑" panose="020B0503020204020204" charset="-122"/>
+            </a:endParaRPr>
+          </a:p>
+        </p:txBody>
+      </p:sp>
+      <p:sp>
+        <p:nvSpPr>
+          <p:cNvPr id="6" name="矩形 5"/>
+          <p:cNvSpPr/>
+          <p:nvPr>
+            <p:custDataLst>
+              <p:tags r:id="rId1"/>
+            </p:custDataLst>
+          </p:nvPr>
+        </p:nvSpPr>
+        <p:spPr>
+          <a:xfrm>
+            <a:off x="-6350" y="0"/>
+            <a:ext cx="12198350" cy="540000"/>
+          </a:xfrm>
+          <a:prstGeom prst="rect">
+            <a:avLst/>
+          </a:prstGeom>
+          <a:solidFill>
+            <a:srgbClr val="A099CB"/>
+          </a:solidFill>
+          <a:ln>
+            <a:noFill/>
+          </a:ln>
+        </p:spPr>
+        <p:style>
+          <a:lnRef idx="2">
+            <a:schemeClr val="accent1">
+              <a:shade val="50000"/>
+            </a:schemeClr>
+          </a:lnRef>
+          <a:fillRef idx="1">
+            <a:schemeClr val="accent1"/>
+          </a:fillRef>
+          <a:effectRef idx="0">
+            <a:schemeClr val="accent1"/>
+          </a:effectRef>
+          <a:fontRef idx="minor">
+            <a:schemeClr val="lt1"/>
+          </a:fontRef>
+        </p:style>
+        <p:txBody>
+          <a:bodyPr rtlCol="0" anchor="ctr"/>
+          <a:p>
+            <a:pPr marL="0" marR="0" lvl="0" indent="0" algn="ctr" defTabSz="914400" rtl="0" eaLnBrk="1" fontAlgn="auto" latinLnBrk="0" hangingPunct="1">
+              <a:lnSpc>
+                <a:spcPct val="100000"/>
+              </a:lnSpc>
+              <a:spcBef>
+                <a:spcPts val="0"/>
+              </a:spcBef>
+              <a:spcAft>
+                <a:spcPts val="0"/>
+              </a:spcAft>
+              <a:buClrTx/>
+              <a:buSzTx/>
+              <a:buFontTx/>
+              <a:buNone/>
+              <a:defRPr/>
+            </a:pPr>
+            <a:r>
+              <a:rPr lang="en-US" altLang="zh-CN" dirty="0">
+                <a:effectLst/>
+                <a:latin typeface="微软雅黑" panose="020B0503020204020204" charset="-122"/>
+                <a:ea typeface="微软雅黑" panose="020B0503020204020204" charset="-122"/>
+                <a:sym typeface="+mn-ea"/>
+              </a:rPr>
+              <a:t>2.DEFORMABLE DETR: DEFORMABLE TRANSFORMERS FOR END-TO-END OBJECT DETECTION</a:t>
+            </a:r>
+            <a:endParaRPr lang="en-US" altLang="zh-CN" dirty="0">
+              <a:effectLst/>
+              <a:latin typeface="微软雅黑" panose="020B0503020204020204" charset="-122"/>
+              <a:ea typeface="微软雅黑" panose="020B0503020204020204" charset="-122"/>
+            </a:endParaRPr>
+          </a:p>
+        </p:txBody>
+      </p:sp>
+      <p:pic>
+        <p:nvPicPr>
+          <p:cNvPr id="2" name="图片 1"/>
+          <p:cNvPicPr>
+            <a:picLocks noChangeAspect="1"/>
+          </p:cNvPicPr>
+          <p:nvPr/>
+        </p:nvPicPr>
+        <p:blipFill>
+          <a:blip r:embed="rId2"/>
+          <a:stretch>
+            <a:fillRect/>
+          </a:stretch>
+        </p:blipFill>
+        <p:spPr>
+          <a:xfrm>
+            <a:off x="342900" y="1222375"/>
+            <a:ext cx="4620260" cy="2473960"/>
+          </a:xfrm>
+          <a:prstGeom prst="rect">
+            <a:avLst/>
+          </a:prstGeom>
+        </p:spPr>
+      </p:pic>
+    </p:spTree>
+  </p:cSld>
+  <p:clrMapOvr>
+    <a:masterClrMapping/>
+  </p:clrMapOvr>
+</p:sld>
+</file>
+
+<file path=ppt/slides/slide15.xml><?xml version="1.0" encoding="utf-8"?>
 <p:sld xmlns:a="http://schemas.openxmlformats.org/drawingml/2006/main" xmlns:r="http://schemas.openxmlformats.org/officeDocument/2006/relationships" xmlns:p="http://schemas.openxmlformats.org/presentationml/2006/main">
   <p:cSld>
     <p:spTree>
@@ -5731,7 +7018,7 @@
 </p:sld>
 </file>
 
-<file path=ppt/slides/slide13.xml><?xml version="1.0" encoding="utf-8"?>
+<file path=ppt/slides/slide16.xml><?xml version="1.0" encoding="utf-8"?>
 <p:sld xmlns:a="http://schemas.openxmlformats.org/drawingml/2006/main" xmlns:r="http://schemas.openxmlformats.org/officeDocument/2006/relationships" xmlns:p="http://schemas.openxmlformats.org/presentationml/2006/main">
   <p:cSld>
     <p:spTree>
@@ -10735,15 +12022,33 @@
 
 <file path=ppt/tags/tag29.xml><?xml version="1.0" encoding="utf-8"?>
 <p:tagLst xmlns:p="http://schemas.openxmlformats.org/presentationml/2006/main">
-  <p:tag name="KSO_WPP_MARK_KEY" val="c7925d13-95db-4618-ac98-c22196edd7f9"/>
-  <p:tag name="COMMONDATA" val="eyJoZGlkIjoiZTg3MzIzMDhlODgyZTlkYzQ0OWY3ZDI2YzlhMjBjMGIifQ=="/>
-  <p:tag name="commondata" val="eyJoZGlkIjoiNjRkZDE1MjIxMjM2NmMxYzY5Y2M3N2FjNDEyZThkY2QifQ=="/>
+  <p:tag name="KSO_WM_BEAUTIFY_FLAG" val=""/>
 </p:tagLst>
 </file>
 
 <file path=ppt/tags/tag3.xml><?xml version="1.0" encoding="utf-8"?>
 <p:tagLst xmlns:p="http://schemas.openxmlformats.org/presentationml/2006/main">
   <p:tag name="KSO_WM_DIAGRAM_VIRTUALLY_FRAME" val="{&quot;height&quot;:130.17354330708662,&quot;left&quot;:238.70267716535432,&quot;top&quot;:116.24960629921259,&quot;width&quot;:665.8}"/>
+</p:tagLst>
+</file>
+
+<file path=ppt/tags/tag30.xml><?xml version="1.0" encoding="utf-8"?>
+<p:tagLst xmlns:p="http://schemas.openxmlformats.org/presentationml/2006/main">
+  <p:tag name="KSO_WM_BEAUTIFY_FLAG" val=""/>
+</p:tagLst>
+</file>
+
+<file path=ppt/tags/tag31.xml><?xml version="1.0" encoding="utf-8"?>
+<p:tagLst xmlns:p="http://schemas.openxmlformats.org/presentationml/2006/main">
+  <p:tag name="KSO_WM_BEAUTIFY_FLAG" val=""/>
+</p:tagLst>
+</file>
+
+<file path=ppt/tags/tag32.xml><?xml version="1.0" encoding="utf-8"?>
+<p:tagLst xmlns:p="http://schemas.openxmlformats.org/presentationml/2006/main">
+  <p:tag name="KSO_WPP_MARK_KEY" val="c7925d13-95db-4618-ac98-c22196edd7f9"/>
+  <p:tag name="COMMONDATA" val="eyJoZGlkIjoiZTg3MzIzMDhlODgyZTlkYzQ0OWY3ZDI2YzlhMjBjMGIifQ=="/>
+  <p:tag name="commondata" val="eyJoZGlkIjoiNjRkZDE1MjIxMjM2NmMxYzY5Y2M3N2FjNDEyZThkY2QifQ=="/>
 </p:tagLst>
 </file>
 

--- a/0.组会记录/2024-10-17/report-2024-10-10.pptx
+++ b/0.组会记录/2024-10-17/report-2024-10-10.pptx
@@ -6397,8 +6397,161 @@
         </p:blipFill>
         <p:spPr>
           <a:xfrm>
-            <a:off x="342900" y="1222375"/>
-            <a:ext cx="4620260" cy="2473960"/>
+            <a:off x="256540" y="1181735"/>
+            <a:ext cx="3580765" cy="1917065"/>
+          </a:xfrm>
+          <a:prstGeom prst="rect">
+            <a:avLst/>
+          </a:prstGeom>
+        </p:spPr>
+      </p:pic>
+      <p:pic>
+        <p:nvPicPr>
+          <p:cNvPr id="3" name="图片 2"/>
+          <p:cNvPicPr>
+            <a:picLocks noChangeAspect="1"/>
+          </p:cNvPicPr>
+          <p:nvPr/>
+        </p:nvPicPr>
+        <p:blipFill>
+          <a:blip r:embed="rId3"/>
+          <a:stretch>
+            <a:fillRect/>
+          </a:stretch>
+        </p:blipFill>
+        <p:spPr>
+          <a:xfrm>
+            <a:off x="106680" y="3098800"/>
+            <a:ext cx="3647440" cy="492125"/>
+          </a:xfrm>
+          <a:prstGeom prst="rect">
+            <a:avLst/>
+          </a:prstGeom>
+        </p:spPr>
+      </p:pic>
+      <p:sp>
+        <p:nvSpPr>
+          <p:cNvPr id="4" name="下箭头 3"/>
+          <p:cNvSpPr/>
+          <p:nvPr/>
+        </p:nvSpPr>
+        <p:spPr>
+          <a:xfrm>
+            <a:off x="1607185" y="3834765"/>
+            <a:ext cx="217805" cy="690880"/>
+          </a:xfrm>
+          <a:prstGeom prst="downArrow">
+            <a:avLst/>
+          </a:prstGeom>
+        </p:spPr>
+        <p:style>
+          <a:lnRef idx="2">
+            <a:schemeClr val="accent1">
+              <a:lumMod val="75000"/>
+            </a:schemeClr>
+          </a:lnRef>
+          <a:fillRef idx="1">
+            <a:schemeClr val="accent1"/>
+          </a:fillRef>
+          <a:effectRef idx="0">
+            <a:srgbClr val="FFFFFF"/>
+          </a:effectRef>
+          <a:fontRef idx="minor">
+            <a:schemeClr val="lt1"/>
+          </a:fontRef>
+        </p:style>
+        <p:txBody>
+          <a:bodyPr rtlCol="0" anchor="ctr"/>
+          <a:p>
+            <a:pPr algn="ctr"/>
+            <a:endParaRPr lang="zh-CN" altLang="en-US"/>
+          </a:p>
+        </p:txBody>
+      </p:sp>
+      <p:pic>
+        <p:nvPicPr>
+          <p:cNvPr id="5" name="图片 4"/>
+          <p:cNvPicPr>
+            <a:picLocks noChangeAspect="1"/>
+          </p:cNvPicPr>
+          <p:nvPr/>
+        </p:nvPicPr>
+        <p:blipFill>
+          <a:blip r:embed="rId4"/>
+          <a:stretch>
+            <a:fillRect/>
+          </a:stretch>
+        </p:blipFill>
+        <p:spPr>
+          <a:xfrm>
+            <a:off x="0" y="4712335"/>
+            <a:ext cx="4859655" cy="649605"/>
+          </a:xfrm>
+          <a:prstGeom prst="rect">
+            <a:avLst/>
+          </a:prstGeom>
+        </p:spPr>
+      </p:pic>
+      <p:sp>
+        <p:nvSpPr>
+          <p:cNvPr id="7" name="文本框 6"/>
+          <p:cNvSpPr txBox="1"/>
+          <p:nvPr/>
+        </p:nvSpPr>
+        <p:spPr>
+          <a:xfrm>
+            <a:off x="568325" y="5425440"/>
+            <a:ext cx="3424555" cy="755015"/>
+          </a:xfrm>
+          <a:prstGeom prst="rect">
+            <a:avLst/>
+          </a:prstGeom>
+        </p:spPr>
+        <p:txBody>
+          <a:bodyPr>
+            <a:noAutofit/>
+          </a:bodyPr>
+          <a:p>
+            <a:pPr marL="0" indent="0"/>
+            <a:r>
+              <a:rPr lang="zh-CN" altLang="en-US" sz="1600" b="0" i="0" dirty="0">
+                <a:latin typeface="微软雅黑" panose="020B0503020204020204" charset="-122"/>
+                <a:ea typeface="微软雅黑" panose="020B0503020204020204" charset="-122"/>
+              </a:rPr>
+              <a:t>对</a:t>
+            </a:r>
+            <a:r>
+              <a:rPr lang="zh-CN" altLang="en-US" sz="1600" i="0" dirty="0">
+                <a:latin typeface="微软雅黑" panose="020B0503020204020204" charset="-122"/>
+                <a:ea typeface="微软雅黑" panose="020B0503020204020204" charset="-122"/>
+              </a:rPr>
+              <a:t>每个query，仅在全局位置中采样 局部/部分 位置的key（自学习的方式），并且value也是局部位置的value，最后把这个局部/稀疏的注意力权重和局部value进行计算</a:t>
+            </a:r>
+            <a:endParaRPr lang="zh-CN" altLang="en-US" sz="1600" i="0" dirty="0">
+              <a:latin typeface="微软雅黑" panose="020B0503020204020204" charset="-122"/>
+              <a:ea typeface="微软雅黑" panose="020B0503020204020204" charset="-122"/>
+            </a:endParaRPr>
+          </a:p>
+        </p:txBody>
+      </p:sp>
+      <p:pic>
+        <p:nvPicPr>
+          <p:cNvPr id="8" name="图片 7"/>
+          <p:cNvPicPr>
+            <a:picLocks noChangeAspect="1"/>
+          </p:cNvPicPr>
+          <p:nvPr/>
+        </p:nvPicPr>
+        <p:blipFill>
+          <a:blip r:embed="rId5"/>
+          <a:stretch>
+            <a:fillRect/>
+          </a:stretch>
+        </p:blipFill>
+        <p:spPr>
+          <a:xfrm>
+            <a:off x="4859655" y="671195"/>
+            <a:ext cx="7124700" cy="596900"/>
           </a:xfrm>
           <a:prstGeom prst="rect">
             <a:avLst/>

--- a/0.组会记录/2024-10-17/report-2024-10-10.pptx
+++ b/0.组会记录/2024-10-17/report-2024-10-10.pptx
@@ -22,13 +22,14 @@
     <p:sldId id="1372" r:id="rId15"/>
     <p:sldId id="1373" r:id="rId16"/>
     <p:sldId id="1374" r:id="rId17"/>
-    <p:sldId id="1358" r:id="rId18"/>
-    <p:sldId id="1356" r:id="rId19"/>
+    <p:sldId id="1375" r:id="rId18"/>
+    <p:sldId id="1358" r:id="rId19"/>
+    <p:sldId id="1356" r:id="rId20"/>
   </p:sldIdLst>
   <p:sldSz cx="12192000" cy="6858000"/>
   <p:notesSz cx="6858000" cy="9144000"/>
   <p:custDataLst>
-    <p:tags r:id="rId24"/>
+    <p:tags r:id="rId25"/>
   </p:custDataLst>
   <p:defaultTextStyle>
     <a:defPPr>
@@ -638,6 +639,84 @@
 </file>
 
 <file path=ppt/notesSlides/notesSlide11.xml><?xml version="1.0" encoding="utf-8"?>
+<p:notes xmlns:a="http://schemas.openxmlformats.org/drawingml/2006/main" xmlns:r="http://schemas.openxmlformats.org/officeDocument/2006/relationships" xmlns:p="http://schemas.openxmlformats.org/presentationml/2006/main">
+  <p:cSld>
+    <p:spTree>
+      <p:nvGrpSpPr>
+        <p:cNvPr id="1" name=""/>
+        <p:cNvGrpSpPr/>
+        <p:nvPr/>
+      </p:nvGrpSpPr>
+      <p:grpSpPr>
+        <a:xfrm>
+          <a:off x="0" y="0"/>
+          <a:ext cx="0" cy="0"/>
+          <a:chOff x="0" y="0"/>
+          <a:chExt cx="0" cy="0"/>
+        </a:xfrm>
+      </p:grpSpPr>
+      <p:sp>
+        <p:nvSpPr>
+          <p:cNvPr id="2" name="幻灯片图像占位符 1"/>
+          <p:cNvSpPr>
+            <a:spLocks noGrp="1" noRot="1" noChangeAspect="1"/>
+          </p:cNvSpPr>
+          <p:nvPr>
+            <p:ph type="sldImg"/>
+          </p:nvPr>
+        </p:nvSpPr>
+        <p:spPr/>
+      </p:sp>
+      <p:sp>
+        <p:nvSpPr>
+          <p:cNvPr id="3" name="备注占位符 2"/>
+          <p:cNvSpPr>
+            <a:spLocks noGrp="1"/>
+          </p:cNvSpPr>
+          <p:nvPr>
+            <p:ph type="body" idx="1"/>
+          </p:nvPr>
+        </p:nvSpPr>
+        <p:spPr/>
+        <p:txBody>
+          <a:bodyPr/>
+          <a:lstStyle/>
+          <a:p>
+            <a:endParaRPr lang="zh-CN" altLang="en-US" dirty="0"/>
+          </a:p>
+        </p:txBody>
+      </p:sp>
+      <p:sp>
+        <p:nvSpPr>
+          <p:cNvPr id="4" name="灯片编号占位符 3"/>
+          <p:cNvSpPr>
+            <a:spLocks noGrp="1"/>
+          </p:cNvSpPr>
+          <p:nvPr>
+            <p:ph type="sldNum" sz="quarter" idx="5"/>
+          </p:nvPr>
+        </p:nvSpPr>
+        <p:spPr/>
+        <p:txBody>
+          <a:bodyPr/>
+          <a:lstStyle/>
+          <a:p>
+            <a:fld id="{311DA921-5814-416C-A214-0F50BD081254}" type="slidenum">
+              <a:rPr lang="zh-CN" altLang="en-US" smtClean="0"/>
+            </a:fld>
+            <a:endParaRPr lang="zh-CN" altLang="en-US"/>
+          </a:p>
+        </p:txBody>
+      </p:sp>
+    </p:spTree>
+  </p:cSld>
+  <p:clrMapOvr>
+    <a:masterClrMapping/>
+  </p:clrMapOvr>
+</p:notes>
+</file>
+
+<file path=ppt/notesSlides/notesSlide12.xml><?xml version="1.0" encoding="utf-8"?>
 <p:notes xmlns:a="http://schemas.openxmlformats.org/drawingml/2006/main" xmlns:r="http://schemas.openxmlformats.org/officeDocument/2006/relationships" xmlns:p="http://schemas.openxmlformats.org/presentationml/2006/main">
   <p:cSld>
     <p:spTree>
@@ -6558,6 +6637,121 @@
           </a:prstGeom>
         </p:spPr>
       </p:pic>
+      <p:sp>
+        <p:nvSpPr>
+          <p:cNvPr id="9" name="文本框 8"/>
+          <p:cNvSpPr txBox="1"/>
+          <p:nvPr/>
+        </p:nvSpPr>
+        <p:spPr>
+          <a:xfrm>
+            <a:off x="5374005" y="1333500"/>
+            <a:ext cx="6096000" cy="2799715"/>
+          </a:xfrm>
+          <a:prstGeom prst="rect">
+            <a:avLst/>
+          </a:prstGeom>
+          <a:noFill/>
+        </p:spPr>
+        <p:txBody>
+          <a:bodyPr wrap="square" rtlCol="0" anchor="t">
+            <a:spAutoFit/>
+          </a:bodyPr>
+          <a:p>
+            <a:r>
+              <a:rPr lang="zh-CN" altLang="en-US" sz="1600" dirty="0">
+                <a:latin typeface="微软雅黑" panose="020B0503020204020204" charset="-122"/>
+                <a:ea typeface="微软雅黑" panose="020B0503020204020204" charset="-122"/>
+              </a:rPr>
+              <a:t>多尺度，总共有L层特征代表归一化的参考点坐标，ϕ表示将归一化后特征坐标映射到第l层特征上去，计算出在不同特征层哪些采样点的位置</a:t>
+            </a:r>
+            <a:endParaRPr lang="zh-CN" altLang="en-US" sz="1600" dirty="0">
+              <a:latin typeface="微软雅黑" panose="020B0503020204020204" charset="-122"/>
+              <a:ea typeface="微软雅黑" panose="020B0503020204020204" charset="-122"/>
+            </a:endParaRPr>
+          </a:p>
+          <a:p>
+            <a:endParaRPr lang="zh-CN" altLang="en-US" sz="1600" dirty="0">
+              <a:latin typeface="微软雅黑" panose="020B0503020204020204" charset="-122"/>
+              <a:ea typeface="微软雅黑" panose="020B0503020204020204" charset="-122"/>
+            </a:endParaRPr>
+          </a:p>
+          <a:p>
+            <a:r>
+              <a:rPr lang="zh-CN" altLang="en-US" sz="1600" dirty="0">
+                <a:latin typeface="微软雅黑" panose="020B0503020204020204" charset="-122"/>
+                <a:ea typeface="微软雅黑" panose="020B0503020204020204" charset="-122"/>
+              </a:rPr>
+              <a:t>参考点：</a:t>
+            </a:r>
+            <a:endParaRPr lang="zh-CN" altLang="en-US" sz="1600" dirty="0">
+              <a:latin typeface="微软雅黑" panose="020B0503020204020204" charset="-122"/>
+              <a:ea typeface="微软雅黑" panose="020B0503020204020204" charset="-122"/>
+            </a:endParaRPr>
+          </a:p>
+          <a:p>
+            <a:endParaRPr lang="en-US" altLang="zh-CN" sz="1600" dirty="0">
+              <a:latin typeface="微软雅黑" panose="020B0503020204020204" charset="-122"/>
+              <a:ea typeface="微软雅黑" panose="020B0503020204020204" charset="-122"/>
+            </a:endParaRPr>
+          </a:p>
+          <a:p>
+            <a:endParaRPr lang="en-US" altLang="zh-CN" sz="1600" dirty="0">
+              <a:latin typeface="微软雅黑" panose="020B0503020204020204" charset="-122"/>
+              <a:ea typeface="微软雅黑" panose="020B0503020204020204" charset="-122"/>
+            </a:endParaRPr>
+          </a:p>
+          <a:p>
+            <a:r>
+              <a:rPr lang="en-US" altLang="zh-CN" sz="1600" dirty="0">
+                <a:latin typeface="微软雅黑" panose="020B0503020204020204" charset="-122"/>
+                <a:ea typeface="微软雅黑" panose="020B0503020204020204" charset="-122"/>
+              </a:rPr>
+              <a:t>0.5开始到 H_ - 0.5 和 W_ - 0.5，这样做是为了让参考点位于特征图单元格的中心</a:t>
+            </a:r>
+            <a:endParaRPr lang="en-US" altLang="zh-CN" sz="1600" dirty="0">
+              <a:latin typeface="微软雅黑" panose="020B0503020204020204" charset="-122"/>
+              <a:ea typeface="微软雅黑" panose="020B0503020204020204" charset="-122"/>
+            </a:endParaRPr>
+          </a:p>
+          <a:p>
+            <a:endParaRPr lang="en-US" altLang="zh-CN" sz="1600" dirty="0">
+              <a:latin typeface="微软雅黑" panose="020B0503020204020204" charset="-122"/>
+              <a:ea typeface="微软雅黑" panose="020B0503020204020204" charset="-122"/>
+            </a:endParaRPr>
+          </a:p>
+          <a:p>
+            <a:endParaRPr lang="en-US" altLang="zh-CN" sz="1600" dirty="0">
+              <a:latin typeface="微软雅黑" panose="020B0503020204020204" charset="-122"/>
+              <a:ea typeface="微软雅黑" panose="020B0503020204020204" charset="-122"/>
+            </a:endParaRPr>
+          </a:p>
+        </p:txBody>
+      </p:sp>
+      <p:pic>
+        <p:nvPicPr>
+          <p:cNvPr id="10" name="图片 9"/>
+          <p:cNvPicPr>
+            <a:picLocks noChangeAspect="1"/>
+          </p:cNvPicPr>
+          <p:nvPr/>
+        </p:nvPicPr>
+        <p:blipFill>
+          <a:blip r:embed="rId6"/>
+          <a:stretch>
+            <a:fillRect/>
+          </a:stretch>
+        </p:blipFill>
+        <p:spPr>
+          <a:xfrm>
+            <a:off x="5449570" y="2587625"/>
+            <a:ext cx="6445250" cy="438150"/>
+          </a:xfrm>
+          <a:prstGeom prst="rect">
+            <a:avLst/>
+          </a:prstGeom>
+        </p:spPr>
+      </p:pic>
     </p:spTree>
   </p:cSld>
   <p:clrMapOvr>
@@ -6585,14 +6779,14 @@
       </p:grpSpPr>
       <p:sp>
         <p:nvSpPr>
-          <p:cNvPr id="7" name="文本框 6"/>
+          <p:cNvPr id="13" name="文本框 12"/>
           <p:cNvSpPr txBox="1"/>
           <p:nvPr/>
         </p:nvSpPr>
         <p:spPr>
           <a:xfrm>
-            <a:off x="724535" y="1323340"/>
-            <a:ext cx="2247900" cy="410845"/>
+            <a:off x="106466" y="601786"/>
+            <a:ext cx="1033780" cy="398780"/>
           </a:xfrm>
           <a:prstGeom prst="rect">
             <a:avLst/>
@@ -6600,29 +6794,32 @@
           <a:noFill/>
         </p:spPr>
         <p:txBody>
-          <a:bodyPr wrap="square">
-            <a:noAutofit/>
+          <a:bodyPr wrap="none" rtlCol="0">
+            <a:spAutoFit/>
           </a:bodyPr>
           <a:lstStyle/>
           <a:p>
-            <a:pPr algn="l" fontAlgn="auto">
-              <a:lnSpc>
-                <a:spcPts val="2200"/>
-              </a:lnSpc>
-              <a:buClrTx/>
-              <a:buSzTx/>
-              <a:buNone/>
+            <a:pPr marL="342900" indent="-342900">
+              <a:buFont typeface="Wingdings" panose="05000000000000000000" charset="0"/>
+              <a:buChar char="n"/>
             </a:pPr>
-            <a:endParaRPr lang="zh-CN" altLang="en-US" sz="1600" dirty="0">
-              <a:latin typeface="微软雅黑" panose="020B0503020204020204" charset="-122"/>
-              <a:ea typeface="微软雅黑" panose="020B0503020204020204" charset="-122"/>
-            </a:endParaRPr>
-          </a:p>
-        </p:txBody>
-      </p:sp>
-      <p:sp>
-        <p:nvSpPr>
-          <p:cNvPr id="3" name="矩形 2"/>
+            <a:r>
+              <a:rPr lang="zh-CN" altLang="en-US" sz="2000" b="1" dirty="0">
+                <a:latin typeface="微软雅黑" panose="020B0503020204020204" charset="-122"/>
+                <a:ea typeface="微软雅黑" panose="020B0503020204020204" charset="-122"/>
+              </a:rPr>
+              <a:t>实验</a:t>
+            </a:r>
+            <a:endParaRPr lang="zh-CN" altLang="en-US" sz="2000" b="1" dirty="0">
+              <a:latin typeface="微软雅黑" panose="020B0503020204020204" charset="-122"/>
+              <a:ea typeface="微软雅黑" panose="020B0503020204020204" charset="-122"/>
+            </a:endParaRPr>
+          </a:p>
+        </p:txBody>
+      </p:sp>
+      <p:sp>
+        <p:nvSpPr>
+          <p:cNvPr id="6" name="矩形 5"/>
           <p:cNvSpPr/>
           <p:nvPr>
             <p:custDataLst>
@@ -6685,6 +6882,232 @@
                 <a:effectLst/>
                 <a:latin typeface="微软雅黑" panose="020B0503020204020204" charset="-122"/>
                 <a:ea typeface="微软雅黑" panose="020B0503020204020204" charset="-122"/>
+                <a:sym typeface="+mn-ea"/>
+              </a:rPr>
+              <a:t>2.DEFORMABLE DETR: DEFORMABLE TRANSFORMERS FOR END-TO-END OBJECT DETECTION</a:t>
+            </a:r>
+            <a:endParaRPr lang="en-US" altLang="zh-CN" dirty="0">
+              <a:effectLst/>
+              <a:latin typeface="微软雅黑" panose="020B0503020204020204" charset="-122"/>
+              <a:ea typeface="微软雅黑" panose="020B0503020204020204" charset="-122"/>
+            </a:endParaRPr>
+          </a:p>
+        </p:txBody>
+      </p:sp>
+      <p:sp>
+        <p:nvSpPr>
+          <p:cNvPr id="2" name="文本框 1"/>
+          <p:cNvSpPr txBox="1"/>
+          <p:nvPr/>
+        </p:nvSpPr>
+        <p:spPr>
+          <a:xfrm>
+            <a:off x="911860" y="1306195"/>
+            <a:ext cx="11280140" cy="337185"/>
+          </a:xfrm>
+          <a:prstGeom prst="rect">
+            <a:avLst/>
+          </a:prstGeom>
+        </p:spPr>
+        <p:txBody>
+          <a:bodyPr wrap="square">
+            <a:spAutoFit/>
+          </a:bodyPr>
+          <a:p>
+            <a:pPr marL="0" indent="0" algn="just"/>
+            <a:r>
+              <a:rPr lang="en-US" altLang="zh-CN" sz="1600" b="0" i="0">
+                <a:solidFill>
+                  <a:srgbClr val="000000"/>
+                </a:solidFill>
+                <a:latin typeface="微软雅黑" panose="020B0503020204020204" charset="-122"/>
+                <a:ea typeface="微软雅黑" panose="020B0503020204020204" charset="-122"/>
+              </a:rPr>
+              <a:t>)</a:t>
+            </a:r>
+            <a:endParaRPr lang="en-US" altLang="zh-CN" sz="1600" b="0" i="0">
+              <a:solidFill>
+                <a:srgbClr val="000000"/>
+              </a:solidFill>
+              <a:latin typeface="微软雅黑" panose="020B0503020204020204" charset="-122"/>
+              <a:ea typeface="微软雅黑" panose="020B0503020204020204" charset="-122"/>
+            </a:endParaRPr>
+          </a:p>
+        </p:txBody>
+      </p:sp>
+      <p:sp>
+        <p:nvSpPr>
+          <p:cNvPr id="5" name="文本框 4"/>
+          <p:cNvSpPr txBox="1"/>
+          <p:nvPr>
+            <p:custDataLst>
+              <p:tags r:id="rId2"/>
+            </p:custDataLst>
+          </p:nvPr>
+        </p:nvSpPr>
+        <p:spPr>
+          <a:xfrm>
+            <a:off x="455295" y="845185"/>
+            <a:ext cx="1725930" cy="506730"/>
+          </a:xfrm>
+          <a:prstGeom prst="rect">
+            <a:avLst/>
+          </a:prstGeom>
+          <a:noFill/>
+        </p:spPr>
+        <p:txBody>
+          <a:bodyPr wrap="square" rtlCol="0">
+            <a:spAutoFit/>
+          </a:bodyPr>
+          <a:p>
+            <a:pPr marL="285750" indent="-285750">
+              <a:lnSpc>
+                <a:spcPct val="150000"/>
+              </a:lnSpc>
+              <a:buFont typeface="Wingdings" panose="05000000000000000000" charset="0"/>
+              <a:buChar char="p"/>
+            </a:pPr>
+            <a:r>
+              <a:rPr lang="zh-CN" altLang="en-US" b="1" dirty="0">
+                <a:latin typeface="微软雅黑" panose="020B0503020204020204" charset="-122"/>
+                <a:ea typeface="微软雅黑" panose="020B0503020204020204" charset="-122"/>
+              </a:rPr>
+              <a:t>实验背景：</a:t>
+            </a:r>
+            <a:endParaRPr lang="en-US" altLang="zh-CN" b="1" dirty="0">
+              <a:latin typeface="微软雅黑" panose="020B0503020204020204" charset="-122"/>
+              <a:ea typeface="微软雅黑" panose="020B0503020204020204" charset="-122"/>
+            </a:endParaRPr>
+          </a:p>
+        </p:txBody>
+      </p:sp>
+    </p:spTree>
+  </p:cSld>
+  <p:clrMapOvr>
+    <a:masterClrMapping/>
+  </p:clrMapOvr>
+</p:sld>
+</file>
+
+<file path=ppt/slides/slide16.xml><?xml version="1.0" encoding="utf-8"?>
+<p:sld xmlns:a="http://schemas.openxmlformats.org/drawingml/2006/main" xmlns:r="http://schemas.openxmlformats.org/officeDocument/2006/relationships" xmlns:p="http://schemas.openxmlformats.org/presentationml/2006/main">
+  <p:cSld>
+    <p:spTree>
+      <p:nvGrpSpPr>
+        <p:cNvPr id="1" name=""/>
+        <p:cNvGrpSpPr/>
+        <p:nvPr/>
+      </p:nvGrpSpPr>
+      <p:grpSpPr>
+        <a:xfrm>
+          <a:off x="0" y="0"/>
+          <a:ext cx="0" cy="0"/>
+          <a:chOff x="0" y="0"/>
+          <a:chExt cx="0" cy="0"/>
+        </a:xfrm>
+      </p:grpSpPr>
+      <p:sp>
+        <p:nvSpPr>
+          <p:cNvPr id="7" name="文本框 6"/>
+          <p:cNvSpPr txBox="1"/>
+          <p:nvPr/>
+        </p:nvSpPr>
+        <p:spPr>
+          <a:xfrm>
+            <a:off x="724535" y="1323340"/>
+            <a:ext cx="2247900" cy="410845"/>
+          </a:xfrm>
+          <a:prstGeom prst="rect">
+            <a:avLst/>
+          </a:prstGeom>
+          <a:noFill/>
+        </p:spPr>
+        <p:txBody>
+          <a:bodyPr wrap="square">
+            <a:noAutofit/>
+          </a:bodyPr>
+          <a:lstStyle/>
+          <a:p>
+            <a:pPr algn="l" fontAlgn="auto">
+              <a:lnSpc>
+                <a:spcPts val="2200"/>
+              </a:lnSpc>
+              <a:buClrTx/>
+              <a:buSzTx/>
+              <a:buNone/>
+            </a:pPr>
+            <a:endParaRPr lang="zh-CN" altLang="en-US" sz="1600" dirty="0">
+              <a:latin typeface="微软雅黑" panose="020B0503020204020204" charset="-122"/>
+              <a:ea typeface="微软雅黑" panose="020B0503020204020204" charset="-122"/>
+            </a:endParaRPr>
+          </a:p>
+        </p:txBody>
+      </p:sp>
+      <p:sp>
+        <p:nvSpPr>
+          <p:cNvPr id="3" name="矩形 2"/>
+          <p:cNvSpPr/>
+          <p:nvPr>
+            <p:custDataLst>
+              <p:tags r:id="rId1"/>
+            </p:custDataLst>
+          </p:nvPr>
+        </p:nvSpPr>
+        <p:spPr>
+          <a:xfrm>
+            <a:off x="-6350" y="0"/>
+            <a:ext cx="12198350" cy="540000"/>
+          </a:xfrm>
+          <a:prstGeom prst="rect">
+            <a:avLst/>
+          </a:prstGeom>
+          <a:solidFill>
+            <a:srgbClr val="A099CB"/>
+          </a:solidFill>
+          <a:ln>
+            <a:noFill/>
+          </a:ln>
+        </p:spPr>
+        <p:style>
+          <a:lnRef idx="2">
+            <a:schemeClr val="accent1">
+              <a:shade val="50000"/>
+            </a:schemeClr>
+          </a:lnRef>
+          <a:fillRef idx="1">
+            <a:schemeClr val="accent1"/>
+          </a:fillRef>
+          <a:effectRef idx="0">
+            <a:schemeClr val="accent1"/>
+          </a:effectRef>
+          <a:fontRef idx="minor">
+            <a:schemeClr val="lt1"/>
+          </a:fontRef>
+        </p:style>
+        <p:txBody>
+          <a:bodyPr rtlCol="0" anchor="ctr"/>
+          <a:p>
+            <a:pPr marL="0" marR="0" lvl="0" indent="0" algn="ctr" defTabSz="914400" rtl="0" eaLnBrk="1" fontAlgn="auto" latinLnBrk="0" hangingPunct="1">
+              <a:lnSpc>
+                <a:spcPct val="100000"/>
+              </a:lnSpc>
+              <a:spcBef>
+                <a:spcPts val="0"/>
+              </a:spcBef>
+              <a:spcAft>
+                <a:spcPts val="0"/>
+              </a:spcAft>
+              <a:buClrTx/>
+              <a:buSzTx/>
+              <a:buFontTx/>
+              <a:buNone/>
+              <a:defRPr/>
+            </a:pPr>
+            <a:r>
+              <a:rPr lang="en-US" altLang="zh-CN" dirty="0">
+                <a:effectLst/>
+                <a:latin typeface="微软雅黑" panose="020B0503020204020204" charset="-122"/>
+                <a:ea typeface="微软雅黑" panose="020B0503020204020204" charset="-122"/>
               </a:rPr>
               <a:t>3.</a:t>
             </a:r>
@@ -7171,7 +7594,7 @@
 </p:sld>
 </file>
 
-<file path=ppt/slides/slide16.xml><?xml version="1.0" encoding="utf-8"?>
+<file path=ppt/slides/slide17.xml><?xml version="1.0" encoding="utf-8"?>
 <p:sld xmlns:a="http://schemas.openxmlformats.org/drawingml/2006/main" xmlns:r="http://schemas.openxmlformats.org/officeDocument/2006/relationships" xmlns:p="http://schemas.openxmlformats.org/presentationml/2006/main">
   <p:cSld>
     <p:spTree>
@@ -12198,6 +12621,18 @@
 </file>
 
 <file path=ppt/tags/tag32.xml><?xml version="1.0" encoding="utf-8"?>
+<p:tagLst xmlns:p="http://schemas.openxmlformats.org/presentationml/2006/main">
+  <p:tag name="KSO_WM_BEAUTIFY_FLAG" val=""/>
+</p:tagLst>
+</file>
+
+<file path=ppt/tags/tag33.xml><?xml version="1.0" encoding="utf-8"?>
+<p:tagLst xmlns:p="http://schemas.openxmlformats.org/presentationml/2006/main">
+  <p:tag name="KSO_WM_BEAUTIFY_FLAG" val=""/>
+</p:tagLst>
+</file>
+
+<file path=ppt/tags/tag34.xml><?xml version="1.0" encoding="utf-8"?>
 <p:tagLst xmlns:p="http://schemas.openxmlformats.org/presentationml/2006/main">
   <p:tag name="KSO_WPP_MARK_KEY" val="c7925d13-95db-4618-ac98-c22196edd7f9"/>
   <p:tag name="COMMONDATA" val="eyJoZGlkIjoiZTg3MzIzMDhlODgyZTlkYzQ0OWY3ZDI2YzlhMjBjMGIifQ=="/>

--- a/0.组会记录/2024-10-17/report-2024-10-10.pptx
+++ b/0.组会记录/2024-10-17/report-2024-10-10.pptx
@@ -22,14 +22,16 @@
     <p:sldId id="1372" r:id="rId15"/>
     <p:sldId id="1373" r:id="rId16"/>
     <p:sldId id="1374" r:id="rId17"/>
-    <p:sldId id="1375" r:id="rId18"/>
-    <p:sldId id="1358" r:id="rId19"/>
-    <p:sldId id="1356" r:id="rId20"/>
+    <p:sldId id="1377" r:id="rId18"/>
+    <p:sldId id="1375" r:id="rId19"/>
+    <p:sldId id="1376" r:id="rId20"/>
+    <p:sldId id="1358" r:id="rId21"/>
+    <p:sldId id="1356" r:id="rId22"/>
   </p:sldIdLst>
   <p:sldSz cx="12192000" cy="6858000"/>
   <p:notesSz cx="6858000" cy="9144000"/>
   <p:custDataLst>
-    <p:tags r:id="rId25"/>
+    <p:tags r:id="rId27"/>
   </p:custDataLst>
   <p:defaultTextStyle>
     <a:defPPr>
@@ -717,6 +719,162 @@
 </file>
 
 <file path=ppt/notesSlides/notesSlide12.xml><?xml version="1.0" encoding="utf-8"?>
+<p:notes xmlns:a="http://schemas.openxmlformats.org/drawingml/2006/main" xmlns:r="http://schemas.openxmlformats.org/officeDocument/2006/relationships" xmlns:p="http://schemas.openxmlformats.org/presentationml/2006/main">
+  <p:cSld>
+    <p:spTree>
+      <p:nvGrpSpPr>
+        <p:cNvPr id="1" name=""/>
+        <p:cNvGrpSpPr/>
+        <p:nvPr/>
+      </p:nvGrpSpPr>
+      <p:grpSpPr>
+        <a:xfrm>
+          <a:off x="0" y="0"/>
+          <a:ext cx="0" cy="0"/>
+          <a:chOff x="0" y="0"/>
+          <a:chExt cx="0" cy="0"/>
+        </a:xfrm>
+      </p:grpSpPr>
+      <p:sp>
+        <p:nvSpPr>
+          <p:cNvPr id="2" name="幻灯片图像占位符 1"/>
+          <p:cNvSpPr>
+            <a:spLocks noGrp="1" noRot="1" noChangeAspect="1"/>
+          </p:cNvSpPr>
+          <p:nvPr>
+            <p:ph type="sldImg"/>
+          </p:nvPr>
+        </p:nvSpPr>
+        <p:spPr/>
+      </p:sp>
+      <p:sp>
+        <p:nvSpPr>
+          <p:cNvPr id="3" name="备注占位符 2"/>
+          <p:cNvSpPr>
+            <a:spLocks noGrp="1"/>
+          </p:cNvSpPr>
+          <p:nvPr>
+            <p:ph type="body" idx="1"/>
+          </p:nvPr>
+        </p:nvSpPr>
+        <p:spPr/>
+        <p:txBody>
+          <a:bodyPr/>
+          <a:lstStyle/>
+          <a:p>
+            <a:endParaRPr lang="zh-CN" altLang="en-US" dirty="0"/>
+          </a:p>
+        </p:txBody>
+      </p:sp>
+      <p:sp>
+        <p:nvSpPr>
+          <p:cNvPr id="4" name="灯片编号占位符 3"/>
+          <p:cNvSpPr>
+            <a:spLocks noGrp="1"/>
+          </p:cNvSpPr>
+          <p:nvPr>
+            <p:ph type="sldNum" sz="quarter" idx="5"/>
+          </p:nvPr>
+        </p:nvSpPr>
+        <p:spPr/>
+        <p:txBody>
+          <a:bodyPr/>
+          <a:lstStyle/>
+          <a:p>
+            <a:fld id="{311DA921-5814-416C-A214-0F50BD081254}" type="slidenum">
+              <a:rPr lang="zh-CN" altLang="en-US" smtClean="0"/>
+            </a:fld>
+            <a:endParaRPr lang="zh-CN" altLang="en-US"/>
+          </a:p>
+        </p:txBody>
+      </p:sp>
+    </p:spTree>
+  </p:cSld>
+  <p:clrMapOvr>
+    <a:masterClrMapping/>
+  </p:clrMapOvr>
+</p:notes>
+</file>
+
+<file path=ppt/notesSlides/notesSlide13.xml><?xml version="1.0" encoding="utf-8"?>
+<p:notes xmlns:a="http://schemas.openxmlformats.org/drawingml/2006/main" xmlns:r="http://schemas.openxmlformats.org/officeDocument/2006/relationships" xmlns:p="http://schemas.openxmlformats.org/presentationml/2006/main">
+  <p:cSld>
+    <p:spTree>
+      <p:nvGrpSpPr>
+        <p:cNvPr id="1" name=""/>
+        <p:cNvGrpSpPr/>
+        <p:nvPr/>
+      </p:nvGrpSpPr>
+      <p:grpSpPr>
+        <a:xfrm>
+          <a:off x="0" y="0"/>
+          <a:ext cx="0" cy="0"/>
+          <a:chOff x="0" y="0"/>
+          <a:chExt cx="0" cy="0"/>
+        </a:xfrm>
+      </p:grpSpPr>
+      <p:sp>
+        <p:nvSpPr>
+          <p:cNvPr id="2" name="幻灯片图像占位符 1"/>
+          <p:cNvSpPr>
+            <a:spLocks noGrp="1" noRot="1" noChangeAspect="1"/>
+          </p:cNvSpPr>
+          <p:nvPr>
+            <p:ph type="sldImg"/>
+          </p:nvPr>
+        </p:nvSpPr>
+        <p:spPr/>
+      </p:sp>
+      <p:sp>
+        <p:nvSpPr>
+          <p:cNvPr id="3" name="备注占位符 2"/>
+          <p:cNvSpPr>
+            <a:spLocks noGrp="1"/>
+          </p:cNvSpPr>
+          <p:nvPr>
+            <p:ph type="body" idx="1"/>
+          </p:nvPr>
+        </p:nvSpPr>
+        <p:spPr/>
+        <p:txBody>
+          <a:bodyPr/>
+          <a:lstStyle/>
+          <a:p>
+            <a:endParaRPr lang="zh-CN" altLang="en-US" dirty="0"/>
+          </a:p>
+        </p:txBody>
+      </p:sp>
+      <p:sp>
+        <p:nvSpPr>
+          <p:cNvPr id="4" name="灯片编号占位符 3"/>
+          <p:cNvSpPr>
+            <a:spLocks noGrp="1"/>
+          </p:cNvSpPr>
+          <p:nvPr>
+            <p:ph type="sldNum" sz="quarter" idx="5"/>
+          </p:nvPr>
+        </p:nvSpPr>
+        <p:spPr/>
+        <p:txBody>
+          <a:bodyPr/>
+          <a:lstStyle/>
+          <a:p>
+            <a:fld id="{311DA921-5814-416C-A214-0F50BD081254}" type="slidenum">
+              <a:rPr lang="zh-CN" altLang="en-US" smtClean="0"/>
+            </a:fld>
+            <a:endParaRPr lang="zh-CN" altLang="en-US"/>
+          </a:p>
+        </p:txBody>
+      </p:sp>
+    </p:spTree>
+  </p:cSld>
+  <p:clrMapOvr>
+    <a:masterClrMapping/>
+  </p:clrMapOvr>
+</p:notes>
+</file>
+
+<file path=ppt/notesSlides/notesSlide14.xml><?xml version="1.0" encoding="utf-8"?>
 <p:notes xmlns:a="http://schemas.openxmlformats.org/drawingml/2006/main" xmlns:r="http://schemas.openxmlformats.org/officeDocument/2006/relationships" xmlns:p="http://schemas.openxmlformats.org/presentationml/2006/main">
   <p:cSld>
     <p:spTree>
@@ -4781,7 +4939,7 @@
         <p:spPr>
           <a:xfrm>
             <a:off x="286385" y="2472055"/>
-            <a:ext cx="10420985" cy="1276350"/>
+            <a:ext cx="7417435" cy="1276350"/>
           </a:xfrm>
           <a:prstGeom prst="rect">
             <a:avLst/>
@@ -4832,7 +4990,17 @@
                 <a:latin typeface="微软雅黑" panose="020B0503020204020204" charset="-122"/>
                 <a:ea typeface="微软雅黑" panose="020B0503020204020204" charset="-122"/>
               </a:rPr>
-              <a:t>实现的内容</a:t>
+              <a:t>实现的内</a:t>
+            </a:r>
+            <a:r>
+              <a:rPr lang="en-US" altLang="zh-CN" sz="1600" dirty="0">
+                <a:solidFill>
+                  <a:schemeClr val="tx1"/>
+                </a:solidFill>
+                <a:latin typeface="微软雅黑" panose="020B0503020204020204" charset="-122"/>
+                <a:ea typeface="微软雅黑" panose="020B0503020204020204" charset="-122"/>
+              </a:rPr>
+              <a:t>  </a:t>
             </a:r>
             <a:endParaRPr lang="en-US" altLang="zh-CN" sz="1600" dirty="0">
               <a:solidFill>
@@ -4843,6 +5011,36 @@
             </a:endParaRPr>
           </a:p>
           <a:p>
+            <a:pPr indent="457200"/>
+            <a:r>
+              <a:rPr lang="en-US" altLang="zh-CN" sz="1600" dirty="0">
+                <a:solidFill>
+                  <a:schemeClr val="tx1"/>
+                </a:solidFill>
+                <a:latin typeface="微软雅黑" panose="020B0503020204020204" charset="-122"/>
+                <a:ea typeface="微软雅黑" panose="020B0503020204020204" charset="-122"/>
+              </a:rPr>
+              <a:t>     </a:t>
+            </a:r>
+            <a:r>
+              <a:rPr lang="zh-CN" altLang="en-US" sz="1600" dirty="0">
+                <a:solidFill>
+                  <a:schemeClr val="tx1"/>
+                </a:solidFill>
+                <a:latin typeface="微软雅黑" panose="020B0503020204020204" charset="-122"/>
+                <a:ea typeface="微软雅黑" panose="020B0503020204020204" charset="-122"/>
+              </a:rPr>
+              <a:t>容</a:t>
+            </a:r>
+            <a:endParaRPr lang="en-US" altLang="zh-CN" sz="1600" dirty="0">
+              <a:solidFill>
+                <a:schemeClr val="tx1"/>
+              </a:solidFill>
+              <a:latin typeface="微软雅黑" panose="020B0503020204020204" charset="-122"/>
+              <a:ea typeface="微软雅黑" panose="020B0503020204020204" charset="-122"/>
+            </a:endParaRPr>
+          </a:p>
+          <a:p>
             <a:pPr marL="0" lvl="0" indent="457200">
               <a:buNone/>
             </a:pPr>
@@ -4855,6 +5053,56 @@
                 <a:ea typeface="微软雅黑" panose="020B0503020204020204" charset="-122"/>
               </a:rPr>
               <a:t>2.  </a:t>
+            </a:r>
+            <a:r>
+              <a:rPr lang="zh-CN" altLang="en-US" sz="1600" dirty="0">
+                <a:solidFill>
+                  <a:schemeClr val="tx1"/>
+                </a:solidFill>
+                <a:latin typeface="微软雅黑" panose="020B0503020204020204" charset="-122"/>
+                <a:ea typeface="微软雅黑" panose="020B0503020204020204" charset="-122"/>
+              </a:rPr>
+              <a:t>降低基于</a:t>
+            </a:r>
+            <a:r>
+              <a:rPr lang="en-US" altLang="zh-CN" sz="1600" dirty="0">
+                <a:solidFill>
+                  <a:schemeClr val="tx1"/>
+                </a:solidFill>
+                <a:latin typeface="微软雅黑" panose="020B0503020204020204" charset="-122"/>
+                <a:ea typeface="微软雅黑" panose="020B0503020204020204" charset="-122"/>
+              </a:rPr>
+              <a:t>Transformer</a:t>
+            </a:r>
+            <a:r>
+              <a:rPr lang="zh-CN" altLang="en-US" sz="1600" dirty="0">
+                <a:solidFill>
+                  <a:schemeClr val="tx1"/>
+                </a:solidFill>
+                <a:latin typeface="微软雅黑" panose="020B0503020204020204" charset="-122"/>
+                <a:ea typeface="微软雅黑" panose="020B0503020204020204" charset="-122"/>
+              </a:rPr>
+              <a:t>的</a:t>
+            </a:r>
+            <a:r>
+              <a:rPr lang="en-US" altLang="zh-CN" sz="1600" dirty="0">
+                <a:solidFill>
+                  <a:schemeClr val="tx1"/>
+                </a:solidFill>
+                <a:latin typeface="微软雅黑" panose="020B0503020204020204" charset="-122"/>
+                <a:ea typeface="微软雅黑" panose="020B0503020204020204" charset="-122"/>
+              </a:rPr>
+              <a:t>detr</a:t>
+            </a:r>
+            <a:r>
+              <a:rPr lang="zh-CN" altLang="en-US" sz="1600" dirty="0">
+                <a:solidFill>
+                  <a:schemeClr val="tx1"/>
+                </a:solidFill>
+                <a:latin typeface="微软雅黑" panose="020B0503020204020204" charset="-122"/>
+                <a:ea typeface="微软雅黑" panose="020B0503020204020204" charset="-122"/>
+              </a:rPr>
+              <a:t>对每一个其他元素都检测注意力的复杂性</a:t>
             </a:r>
             <a:endParaRPr lang="en-US" altLang="zh-CN" sz="1600" dirty="0">
               <a:solidFill>
@@ -5032,7 +5280,7 @@
         <p:spPr>
           <a:xfrm>
             <a:off x="724535" y="5537200"/>
-            <a:ext cx="8395970" cy="583565"/>
+            <a:ext cx="8395970" cy="829945"/>
           </a:xfrm>
           <a:prstGeom prst="rect">
             <a:avLst/>
@@ -5079,6 +5327,32 @@
               <a:sym typeface="+mn-ea"/>
             </a:endParaRPr>
           </a:p>
+          <a:p>
+            <a:pPr marL="0" lvl="0" indent="0">
+              <a:buNone/>
+            </a:pPr>
+            <a:r>
+              <a:rPr lang="en-US" altLang="zh-CN" sz="1600" dirty="0">
+                <a:latin typeface="微软雅黑" panose="020B0503020204020204" charset="-122"/>
+                <a:ea typeface="微软雅黑" panose="020B0503020204020204" charset="-122"/>
+                <a:sym typeface="+mn-ea"/>
+              </a:rPr>
+              <a:t>3.  </a:t>
+            </a:r>
+            <a:r>
+              <a:rPr lang="zh-CN" altLang="en-US" sz="1600" dirty="0">
+                <a:latin typeface="微软雅黑" panose="020B0503020204020204" charset="-122"/>
+                <a:ea typeface="微软雅黑" panose="020B0503020204020204" charset="-122"/>
+                <a:sym typeface="+mn-ea"/>
+              </a:rPr>
+              <a:t>使用有限的参考点，降低了时间复杂度和计算量</a:t>
+            </a:r>
+            <a:endParaRPr lang="zh-CN" altLang="en-US" sz="1600" dirty="0">
+              <a:latin typeface="微软雅黑" panose="020B0503020204020204" charset="-122"/>
+              <a:ea typeface="微软雅黑" panose="020B0503020204020204" charset="-122"/>
+              <a:sym typeface="+mn-ea"/>
+            </a:endParaRPr>
+          </a:p>
         </p:txBody>
       </p:sp>
       <p:sp>
@@ -5090,7 +5364,7 @@
         <p:spPr>
           <a:xfrm>
             <a:off x="286385" y="1457325"/>
-            <a:ext cx="11320145" cy="603885"/>
+            <a:ext cx="7196455" cy="603885"/>
           </a:xfrm>
           <a:prstGeom prst="rect">
             <a:avLst/>
@@ -5213,7 +5487,7 @@
                 <a:latin typeface="微软雅黑" panose="020B0503020204020204" charset="-122"/>
                 <a:ea typeface="微软雅黑" panose="020B0503020204020204" charset="-122"/>
               </a:rPr>
-              <a:t>输入</a:t>
+              <a:t>选取参考点后输入</a:t>
             </a:r>
             <a:r>
               <a:rPr lang="en-US" altLang="zh-CN" sz="1600" dirty="0">
@@ -5301,6 +5575,30 @@
           </a:p>
         </p:txBody>
       </p:sp>
+      <p:pic>
+        <p:nvPicPr>
+          <p:cNvPr id="15" name="图片 14"/>
+          <p:cNvPicPr>
+            <a:picLocks noChangeAspect="1"/>
+          </p:cNvPicPr>
+          <p:nvPr/>
+        </p:nvPicPr>
+        <p:blipFill>
+          <a:blip r:embed="rId6"/>
+          <a:stretch>
+            <a:fillRect/>
+          </a:stretch>
+        </p:blipFill>
+        <p:spPr>
+          <a:xfrm>
+            <a:off x="7419975" y="539750"/>
+            <a:ext cx="4700905" cy="3462655"/>
+          </a:xfrm>
+          <a:prstGeom prst="rect">
+            <a:avLst/>
+          </a:prstGeom>
+        </p:spPr>
+      </p:pic>
     </p:spTree>
   </p:cSld>
   <p:clrMapOvr>
@@ -5450,9 +5748,110 @@
           </a:p>
         </p:txBody>
       </p:sp>
+      <p:sp>
+        <p:nvSpPr>
+          <p:cNvPr id="3" name="文本框 2"/>
+          <p:cNvSpPr txBox="1"/>
+          <p:nvPr/>
+        </p:nvSpPr>
+        <p:spPr>
+          <a:xfrm>
+            <a:off x="226695" y="1083945"/>
+            <a:ext cx="6489700" cy="1814830"/>
+          </a:xfrm>
+          <a:prstGeom prst="rect">
+            <a:avLst/>
+          </a:prstGeom>
+        </p:spPr>
+        <p:txBody>
+          <a:bodyPr wrap="square">
+            <a:spAutoFit/>
+          </a:bodyPr>
+          <a:p>
+            <a:pPr marL="0" indent="0"/>
+            <a:r>
+              <a:rPr lang="zh-CN" altLang="en-US" sz="1600" i="0" dirty="0">
+                <a:latin typeface="微软雅黑" panose="020B0503020204020204" charset="-122"/>
+                <a:ea typeface="微软雅黑" panose="020B0503020204020204" charset="-122"/>
+              </a:rPr>
+              <a:t>ResNet作为神经网络提取特征的</a:t>
+            </a:r>
+            <a:r>
+              <a:rPr lang="en-US" altLang="zh-CN" sz="1600" i="0" dirty="0">
+                <a:latin typeface="微软雅黑" panose="020B0503020204020204" charset="-122"/>
+                <a:ea typeface="微软雅黑" panose="020B0503020204020204" charset="-122"/>
+              </a:rPr>
+              <a:t>backbone</a:t>
+            </a:r>
+            <a:endParaRPr lang="zh-CN" altLang="en-US" sz="1600" i="0" dirty="0">
+              <a:latin typeface="微软雅黑" panose="020B0503020204020204" charset="-122"/>
+              <a:ea typeface="微软雅黑" panose="020B0503020204020204" charset="-122"/>
+            </a:endParaRPr>
+          </a:p>
+          <a:p>
+            <a:pPr marL="0" indent="0"/>
+            <a:endParaRPr lang="zh-CN" altLang="en-US" sz="1600" i="0" dirty="0">
+              <a:latin typeface="微软雅黑" panose="020B0503020204020204" charset="-122"/>
+              <a:ea typeface="微软雅黑" panose="020B0503020204020204" charset="-122"/>
+            </a:endParaRPr>
+          </a:p>
+          <a:p>
+            <a:pPr marL="0" indent="0"/>
+            <a:r>
+              <a:rPr lang="zh-CN" altLang="en-US" sz="1600" i="0" dirty="0">
+                <a:latin typeface="微软雅黑" panose="020B0503020204020204" charset="-122"/>
+                <a:ea typeface="微软雅黑" panose="020B0503020204020204" charset="-122"/>
+              </a:rPr>
+              <a:t>将多尺度特征图、各特征图对应的mask、各特征图对应的位置编码、各特征图的宽高、各特征图flatten后的起始索引等信息展平后，</a:t>
+            </a:r>
+            <a:r>
+              <a:rPr lang="zh-CN" altLang="en-US" sz="1600" dirty="0">
+                <a:latin typeface="微软雅黑" panose="020B0503020204020204" charset="-122"/>
+                <a:ea typeface="微软雅黑" panose="020B0503020204020204" charset="-122"/>
+                <a:sym typeface="+mn-ea"/>
+              </a:rPr>
+              <a:t>输入</a:t>
+            </a:r>
+            <a:r>
+              <a:rPr lang="en-US" altLang="zh-CN" sz="1600" dirty="0">
+                <a:latin typeface="微软雅黑" panose="020B0503020204020204" charset="-122"/>
+                <a:ea typeface="微软雅黑" panose="020B0503020204020204" charset="-122"/>
+                <a:sym typeface="+mn-ea"/>
+              </a:rPr>
+              <a:t>encoder</a:t>
+            </a:r>
+            <a:r>
+              <a:rPr lang="zh-CN" altLang="en-US" sz="1600" dirty="0">
+                <a:latin typeface="微软雅黑" panose="020B0503020204020204" charset="-122"/>
+                <a:ea typeface="微软雅黑" panose="020B0503020204020204" charset="-122"/>
+                <a:sym typeface="+mn-ea"/>
+              </a:rPr>
+              <a:t>学习各个位置的相似度</a:t>
+            </a:r>
+            <a:endParaRPr lang="zh-CN" altLang="en-US" sz="1600" i="0" dirty="0">
+              <a:latin typeface="微软雅黑" panose="020B0503020204020204" charset="-122"/>
+              <a:ea typeface="微软雅黑" panose="020B0503020204020204" charset="-122"/>
+            </a:endParaRPr>
+          </a:p>
+          <a:p>
+            <a:pPr marL="0" indent="0"/>
+            <a:endParaRPr lang="zh-CN" altLang="en-US" sz="1600" i="0" dirty="0">
+              <a:latin typeface="微软雅黑" panose="020B0503020204020204" charset="-122"/>
+              <a:ea typeface="微软雅黑" panose="020B0503020204020204" charset="-122"/>
+            </a:endParaRPr>
+          </a:p>
+          <a:p>
+            <a:pPr marL="0" indent="0"/>
+            <a:endParaRPr lang="zh-CN" altLang="en-US" sz="1600" i="0" dirty="0">
+              <a:latin typeface="微软雅黑" panose="020B0503020204020204" charset="-122"/>
+              <a:ea typeface="微软雅黑" panose="020B0503020204020204" charset="-122"/>
+            </a:endParaRPr>
+          </a:p>
+        </p:txBody>
+      </p:sp>
       <p:pic>
         <p:nvPicPr>
-          <p:cNvPr id="2" name="图片 1"/>
+          <p:cNvPr id="4" name="图片 3"/>
           <p:cNvPicPr>
             <a:picLocks noChangeAspect="1"/>
           </p:cNvPicPr>
@@ -5460,20 +5859,59 @@
         </p:nvPicPr>
         <p:blipFill>
           <a:blip r:embed="rId2"/>
+          <a:srcRect l="50777"/>
           <a:stretch>
             <a:fillRect/>
           </a:stretch>
         </p:blipFill>
         <p:spPr>
           <a:xfrm>
-            <a:off x="6087745" y="1074420"/>
-            <a:ext cx="6104255" cy="4496435"/>
+            <a:off x="6548120" y="774700"/>
+            <a:ext cx="5608320" cy="5099050"/>
           </a:xfrm>
           <a:prstGeom prst="rect">
             <a:avLst/>
           </a:prstGeom>
         </p:spPr>
       </p:pic>
+      <p:cxnSp>
+        <p:nvCxnSpPr>
+          <p:cNvPr id="7" name="肘形连接符 6"/>
+          <p:cNvCxnSpPr/>
+          <p:nvPr/>
+        </p:nvCxnSpPr>
+        <p:spPr>
+          <a:xfrm rot="10800000" flipV="1">
+            <a:off x="8914130" y="4584700"/>
+            <a:ext cx="2931160" cy="1203960"/>
+          </a:xfrm>
+          <a:prstGeom prst="bentConnector3">
+            <a:avLst>
+              <a:gd name="adj1" fmla="val -9120"/>
+            </a:avLst>
+          </a:prstGeom>
+          <a:ln>
+            <a:solidFill>
+              <a:schemeClr val="tx1"/>
+            </a:solidFill>
+            <a:tailEnd type="arrow"/>
+          </a:ln>
+        </p:spPr>
+        <p:style>
+          <a:lnRef idx="2">
+            <a:schemeClr val="accent1"/>
+          </a:lnRef>
+          <a:fillRef idx="0">
+            <a:srgbClr val="FFFFFF"/>
+          </a:fillRef>
+          <a:effectRef idx="0">
+            <a:srgbClr val="FFFFFF"/>
+          </a:effectRef>
+          <a:fontRef idx="minor">
+            <a:schemeClr val="tx1"/>
+          </a:fontRef>
+        </p:style>
+      </p:cxnSp>
     </p:spTree>
   </p:cSld>
   <p:clrMapOvr>
@@ -6663,7 +7101,7 @@
                 <a:latin typeface="微软雅黑" panose="020B0503020204020204" charset="-122"/>
                 <a:ea typeface="微软雅黑" panose="020B0503020204020204" charset="-122"/>
               </a:rPr>
-              <a:t>多尺度，总共有L层特征代表归一化的参考点坐标，ϕ表示将归一化后特征坐标映射到第l层特征上去，计算出在不同特征层哪些采样点的位置</a:t>
+              <a:t>多尺度，总共有L层特征代表归一化的参考点坐标，ϕ表示将归一化后特征坐标映射到第l层特征上去，加上偏移量后计算出在不同特征层哪些采样点的位置。</a:t>
             </a:r>
             <a:endParaRPr lang="zh-CN" altLang="en-US" sz="1600" dirty="0">
               <a:latin typeface="微软雅黑" panose="020B0503020204020204" charset="-122"/>
@@ -6708,6 +7146,13 @@
                 <a:ea typeface="微软雅黑" panose="020B0503020204020204" charset="-122"/>
               </a:rPr>
               <a:t>0.5开始到 H_ - 0.5 和 W_ - 0.5，这样做是为了让参考点位于特征图单元格的中心</a:t>
+            </a:r>
+            <a:r>
+              <a:rPr lang="zh-CN" altLang="en-US" sz="1600" dirty="0">
+                <a:latin typeface="微软雅黑" panose="020B0503020204020204" charset="-122"/>
+                <a:ea typeface="微软雅黑" panose="020B0503020204020204" charset="-122"/>
+              </a:rPr>
+              <a:t>，随后加上偏移量获得参考点的位置。</a:t>
             </a:r>
             <a:endParaRPr lang="en-US" altLang="zh-CN" sz="1600" dirty="0">
               <a:latin typeface="微软雅黑" panose="020B0503020204020204" charset="-122"/>
@@ -6746,6 +7191,54 @@
           <a:xfrm>
             <a:off x="5449570" y="2587625"/>
             <a:ext cx="6445250" cy="438150"/>
+          </a:xfrm>
+          <a:prstGeom prst="rect">
+            <a:avLst/>
+          </a:prstGeom>
+        </p:spPr>
+      </p:pic>
+      <p:pic>
+        <p:nvPicPr>
+          <p:cNvPr id="11" name="图片 10"/>
+          <p:cNvPicPr>
+            <a:picLocks noChangeAspect="1"/>
+          </p:cNvPicPr>
+          <p:nvPr/>
+        </p:nvPicPr>
+        <p:blipFill>
+          <a:blip r:embed="rId7"/>
+          <a:stretch>
+            <a:fillRect/>
+          </a:stretch>
+        </p:blipFill>
+        <p:spPr>
+          <a:xfrm>
+            <a:off x="6325235" y="3590925"/>
+            <a:ext cx="4194175" cy="3199765"/>
+          </a:xfrm>
+          <a:prstGeom prst="rect">
+            <a:avLst/>
+          </a:prstGeom>
+        </p:spPr>
+      </p:pic>
+      <p:pic>
+        <p:nvPicPr>
+          <p:cNvPr id="12" name="图片 11"/>
+          <p:cNvPicPr>
+            <a:picLocks noChangeAspect="1"/>
+          </p:cNvPicPr>
+          <p:nvPr/>
+        </p:nvPicPr>
+        <p:blipFill>
+          <a:blip r:embed="rId8"/>
+          <a:stretch>
+            <a:fillRect/>
+          </a:stretch>
+        </p:blipFill>
+        <p:spPr>
+          <a:xfrm>
+            <a:off x="1939925" y="1482725"/>
+            <a:ext cx="8312150" cy="3892550"/>
           </a:xfrm>
           <a:prstGeom prst="rect">
             <a:avLst/>
@@ -6786,7 +7279,7 @@
         <p:spPr>
           <a:xfrm>
             <a:off x="106466" y="601786"/>
-            <a:ext cx="1033780" cy="398780"/>
+            <a:ext cx="2811780" cy="398780"/>
           </a:xfrm>
           <a:prstGeom prst="rect">
             <a:avLst/>
@@ -6808,7 +7301,7 @@
                 <a:latin typeface="微软雅黑" panose="020B0503020204020204" charset="-122"/>
                 <a:ea typeface="微软雅黑" panose="020B0503020204020204" charset="-122"/>
               </a:rPr>
-              <a:t>实验</a:t>
+              <a:t>多尺度可变性注意力</a:t>
             </a:r>
             <a:endParaRPr lang="zh-CN" altLang="en-US" sz="2000" b="1" dirty="0">
               <a:latin typeface="微软雅黑" panose="020B0503020204020204" charset="-122"/>
@@ -6896,91 +7389,133 @@
       </p:sp>
       <p:sp>
         <p:nvSpPr>
-          <p:cNvPr id="2" name="文本框 1"/>
+          <p:cNvPr id="7" name="文本框 6"/>
           <p:cNvSpPr txBox="1"/>
           <p:nvPr/>
         </p:nvSpPr>
         <p:spPr>
           <a:xfrm>
-            <a:off x="911860" y="1306195"/>
-            <a:ext cx="11280140" cy="337185"/>
+            <a:off x="364490" y="3729355"/>
+            <a:ext cx="5097780" cy="2534920"/>
           </a:xfrm>
           <a:prstGeom prst="rect">
             <a:avLst/>
           </a:prstGeom>
         </p:spPr>
         <p:txBody>
-          <a:bodyPr wrap="square">
-            <a:spAutoFit/>
+          <a:bodyPr>
+            <a:noAutofit/>
           </a:bodyPr>
           <a:p>
-            <a:pPr marL="0" indent="0" algn="just"/>
-            <a:r>
-              <a:rPr lang="en-US" altLang="zh-CN" sz="1600" b="0" i="0">
-                <a:solidFill>
-                  <a:srgbClr val="000000"/>
-                </a:solidFill>
-                <a:latin typeface="微软雅黑" panose="020B0503020204020204" charset="-122"/>
-                <a:ea typeface="微软雅黑" panose="020B0503020204020204" charset="-122"/>
-              </a:rPr>
-              <a:t>)</a:t>
-            </a:r>
-            <a:endParaRPr lang="en-US" altLang="zh-CN" sz="1600" b="0" i="0">
-              <a:solidFill>
-                <a:srgbClr val="000000"/>
-              </a:solidFill>
-              <a:latin typeface="微软雅黑" panose="020B0503020204020204" charset="-122"/>
-              <a:ea typeface="微软雅黑" panose="020B0503020204020204" charset="-122"/>
-            </a:endParaRPr>
-          </a:p>
-        </p:txBody>
-      </p:sp>
-      <p:sp>
-        <p:nvSpPr>
-          <p:cNvPr id="5" name="文本框 4"/>
-          <p:cNvSpPr txBox="1"/>
-          <p:nvPr>
-            <p:custDataLst>
-              <p:tags r:id="rId2"/>
-            </p:custDataLst>
-          </p:nvPr>
-        </p:nvSpPr>
-        <p:spPr>
-          <a:xfrm>
-            <a:off x="455295" y="845185"/>
-            <a:ext cx="1725930" cy="506730"/>
+            <a:pPr marL="0" indent="0"/>
+            <a:r>
+              <a:rPr lang="zh-CN" altLang="en-US" sz="1600" i="0" dirty="0">
+                <a:latin typeface="微软雅黑" panose="020B0503020204020204" charset="-122"/>
+                <a:ea typeface="微软雅黑" panose="020B0503020204020204" charset="-122"/>
+              </a:rPr>
+              <a:t>相比于</a:t>
+            </a:r>
+            <a:r>
+              <a:rPr lang="en-US" altLang="zh-CN" sz="1600" i="0" dirty="0">
+                <a:latin typeface="微软雅黑" panose="020B0503020204020204" charset="-122"/>
+                <a:ea typeface="微软雅黑" panose="020B0503020204020204" charset="-122"/>
+              </a:rPr>
+              <a:t>detr</a:t>
+            </a:r>
+            <a:r>
+              <a:rPr lang="zh-CN" altLang="en-US" sz="1600" i="0" dirty="0">
+                <a:latin typeface="微软雅黑" panose="020B0503020204020204" charset="-122"/>
+                <a:ea typeface="微软雅黑" panose="020B0503020204020204" charset="-122"/>
+              </a:rPr>
+              <a:t>的对所有点都要去执行</a:t>
+            </a:r>
+            <a:r>
+              <a:rPr lang="en-US" altLang="zh-CN" sz="1600" i="0" dirty="0">
+                <a:latin typeface="微软雅黑" panose="020B0503020204020204" charset="-122"/>
+                <a:ea typeface="微软雅黑" panose="020B0503020204020204" charset="-122"/>
+              </a:rPr>
+              <a:t>q*k,deformable detr</a:t>
+            </a:r>
+            <a:r>
+              <a:rPr lang="zh-CN" altLang="en-US" sz="1600" i="0" dirty="0">
+                <a:latin typeface="微软雅黑" panose="020B0503020204020204" charset="-122"/>
+                <a:ea typeface="微软雅黑" panose="020B0503020204020204" charset="-122"/>
+              </a:rPr>
+              <a:t>只对有限个参考点执行，降低了复杂度</a:t>
+            </a:r>
+            <a:endParaRPr lang="zh-CN" altLang="en-US" sz="1600" i="0" dirty="0">
+              <a:latin typeface="微软雅黑" panose="020B0503020204020204" charset="-122"/>
+              <a:ea typeface="微软雅黑" panose="020B0503020204020204" charset="-122"/>
+            </a:endParaRPr>
+          </a:p>
+          <a:p>
+            <a:pPr marL="0" indent="0"/>
+            <a:endParaRPr lang="zh-CN" altLang="en-US" sz="1600" i="0" dirty="0">
+              <a:latin typeface="微软雅黑" panose="020B0503020204020204" charset="-122"/>
+              <a:ea typeface="微软雅黑" panose="020B0503020204020204" charset="-122"/>
+            </a:endParaRPr>
+          </a:p>
+          <a:p>
+            <a:pPr marL="0" indent="0"/>
+            <a:r>
+              <a:rPr lang="en-US" altLang="zh-CN" sz="1600" i="0" dirty="0">
+                <a:latin typeface="微软雅黑" panose="020B0503020204020204" charset="-122"/>
+                <a:ea typeface="微软雅黑" panose="020B0503020204020204" charset="-122"/>
+              </a:rPr>
+              <a:t>key</a:t>
+            </a:r>
+            <a:r>
+              <a:rPr lang="zh-CN" altLang="en-US" sz="1600" i="0" dirty="0">
+                <a:latin typeface="微软雅黑" panose="020B0503020204020204" charset="-122"/>
+                <a:ea typeface="微软雅黑" panose="020B0503020204020204" charset="-122"/>
+              </a:rPr>
+              <a:t>的个数就是一个我们能调整的超参数，而</a:t>
+            </a:r>
+            <a:r>
+              <a:rPr lang="en-US" altLang="zh-CN" sz="1600" i="0" dirty="0">
+                <a:latin typeface="微软雅黑" panose="020B0503020204020204" charset="-122"/>
+                <a:ea typeface="微软雅黑" panose="020B0503020204020204" charset="-122"/>
+              </a:rPr>
+              <a:t>key</a:t>
+            </a:r>
+            <a:r>
+              <a:rPr lang="zh-CN" altLang="en-US" sz="1600" i="0" dirty="0">
+                <a:latin typeface="微软雅黑" panose="020B0503020204020204" charset="-122"/>
+                <a:ea typeface="微软雅黑" panose="020B0503020204020204" charset="-122"/>
+              </a:rPr>
+              <a:t>的选择（黄色区块）需要神经网络学习得到</a:t>
+            </a:r>
+            <a:endParaRPr lang="en-US" altLang="zh-CN" sz="1600" i="0" dirty="0">
+              <a:latin typeface="微软雅黑" panose="020B0503020204020204" charset="-122"/>
+              <a:ea typeface="微软雅黑" panose="020B0503020204020204" charset="-122"/>
+            </a:endParaRPr>
+          </a:p>
+        </p:txBody>
+      </p:sp>
+      <p:pic>
+        <p:nvPicPr>
+          <p:cNvPr id="12" name="图片 11"/>
+          <p:cNvPicPr>
+            <a:picLocks noChangeAspect="1"/>
+          </p:cNvPicPr>
+          <p:nvPr/>
+        </p:nvPicPr>
+        <p:blipFill>
+          <a:blip r:embed="rId2"/>
+          <a:stretch>
+            <a:fillRect/>
+          </a:stretch>
+        </p:blipFill>
+        <p:spPr>
+          <a:xfrm>
+            <a:off x="0" y="1000760"/>
+            <a:ext cx="5826125" cy="2728595"/>
           </a:xfrm>
           <a:prstGeom prst="rect">
             <a:avLst/>
           </a:prstGeom>
-          <a:noFill/>
-        </p:spPr>
-        <p:txBody>
-          <a:bodyPr wrap="square" rtlCol="0">
-            <a:spAutoFit/>
-          </a:bodyPr>
-          <a:p>
-            <a:pPr marL="285750" indent="-285750">
-              <a:lnSpc>
-                <a:spcPct val="150000"/>
-              </a:lnSpc>
-              <a:buFont typeface="Wingdings" panose="05000000000000000000" charset="0"/>
-              <a:buChar char="p"/>
-            </a:pPr>
-            <a:r>
-              <a:rPr lang="zh-CN" altLang="en-US" b="1" dirty="0">
-                <a:latin typeface="微软雅黑" panose="020B0503020204020204" charset="-122"/>
-                <a:ea typeface="微软雅黑" panose="020B0503020204020204" charset="-122"/>
-              </a:rPr>
-              <a:t>实验背景：</a:t>
-            </a:r>
-            <a:endParaRPr lang="en-US" altLang="zh-CN" b="1" dirty="0">
-              <a:latin typeface="微软雅黑" panose="020B0503020204020204" charset="-122"/>
-              <a:ea typeface="微软雅黑" panose="020B0503020204020204" charset="-122"/>
-            </a:endParaRPr>
-          </a:p>
-        </p:txBody>
-      </p:sp>
+        </p:spPr>
+      </p:pic>
     </p:spTree>
   </p:cSld>
   <p:clrMapOvr>
@@ -7008,14 +7543,14 @@
       </p:grpSpPr>
       <p:sp>
         <p:nvSpPr>
-          <p:cNvPr id="7" name="文本框 6"/>
+          <p:cNvPr id="13" name="文本框 12"/>
           <p:cNvSpPr txBox="1"/>
           <p:nvPr/>
         </p:nvSpPr>
         <p:spPr>
           <a:xfrm>
-            <a:off x="724535" y="1323340"/>
-            <a:ext cx="2247900" cy="410845"/>
+            <a:off x="106466" y="601786"/>
+            <a:ext cx="1033780" cy="398780"/>
           </a:xfrm>
           <a:prstGeom prst="rect">
             <a:avLst/>
@@ -7023,29 +7558,32 @@
           <a:noFill/>
         </p:spPr>
         <p:txBody>
-          <a:bodyPr wrap="square">
-            <a:noAutofit/>
+          <a:bodyPr wrap="none" rtlCol="0">
+            <a:spAutoFit/>
           </a:bodyPr>
           <a:lstStyle/>
           <a:p>
-            <a:pPr algn="l" fontAlgn="auto">
-              <a:lnSpc>
-                <a:spcPts val="2200"/>
-              </a:lnSpc>
-              <a:buClrTx/>
-              <a:buSzTx/>
-              <a:buNone/>
+            <a:pPr marL="342900" indent="-342900">
+              <a:buFont typeface="Wingdings" panose="05000000000000000000" charset="0"/>
+              <a:buChar char="n"/>
             </a:pPr>
-            <a:endParaRPr lang="zh-CN" altLang="en-US" sz="1600" dirty="0">
-              <a:latin typeface="微软雅黑" panose="020B0503020204020204" charset="-122"/>
-              <a:ea typeface="微软雅黑" panose="020B0503020204020204" charset="-122"/>
-            </a:endParaRPr>
-          </a:p>
-        </p:txBody>
-      </p:sp>
-      <p:sp>
-        <p:nvSpPr>
-          <p:cNvPr id="3" name="矩形 2"/>
+            <a:r>
+              <a:rPr lang="zh-CN" altLang="en-US" sz="2000" b="1" dirty="0">
+                <a:latin typeface="微软雅黑" panose="020B0503020204020204" charset="-122"/>
+                <a:ea typeface="微软雅黑" panose="020B0503020204020204" charset="-122"/>
+              </a:rPr>
+              <a:t>实验</a:t>
+            </a:r>
+            <a:endParaRPr lang="zh-CN" altLang="en-US" sz="2000" b="1" dirty="0">
+              <a:latin typeface="微软雅黑" panose="020B0503020204020204" charset="-122"/>
+              <a:ea typeface="微软雅黑" panose="020B0503020204020204" charset="-122"/>
+            </a:endParaRPr>
+          </a:p>
+        </p:txBody>
+      </p:sp>
+      <p:sp>
+        <p:nvSpPr>
+          <p:cNvPr id="6" name="矩形 5"/>
           <p:cNvSpPr/>
           <p:nvPr>
             <p:custDataLst>
@@ -7108,6 +7646,633 @@
                 <a:effectLst/>
                 <a:latin typeface="微软雅黑" panose="020B0503020204020204" charset="-122"/>
                 <a:ea typeface="微软雅黑" panose="020B0503020204020204" charset="-122"/>
+                <a:sym typeface="+mn-ea"/>
+              </a:rPr>
+              <a:t>2.DEFORMABLE DETR: DEFORMABLE TRANSFORMERS FOR END-TO-END OBJECT DETECTION</a:t>
+            </a:r>
+            <a:endParaRPr lang="en-US" altLang="zh-CN" dirty="0">
+              <a:effectLst/>
+              <a:latin typeface="微软雅黑" panose="020B0503020204020204" charset="-122"/>
+              <a:ea typeface="微软雅黑" panose="020B0503020204020204" charset="-122"/>
+            </a:endParaRPr>
+          </a:p>
+        </p:txBody>
+      </p:sp>
+      <p:sp>
+        <p:nvSpPr>
+          <p:cNvPr id="2" name="文本框 1"/>
+          <p:cNvSpPr txBox="1"/>
+          <p:nvPr/>
+        </p:nvSpPr>
+        <p:spPr>
+          <a:xfrm>
+            <a:off x="911860" y="1306195"/>
+            <a:ext cx="11280140" cy="583565"/>
+          </a:xfrm>
+          <a:prstGeom prst="rect">
+            <a:avLst/>
+          </a:prstGeom>
+        </p:spPr>
+        <p:txBody>
+          <a:bodyPr wrap="square">
+            <a:spAutoFit/>
+          </a:bodyPr>
+          <a:p>
+            <a:pPr marL="0" indent="0" algn="just"/>
+            <a:r>
+              <a:rPr lang="zh-CN" altLang="en-US" sz="1600" b="0" i="0">
+                <a:solidFill>
+                  <a:srgbClr val="000000"/>
+                </a:solidFill>
+                <a:latin typeface="微软雅黑" panose="020B0503020204020204" charset="-122"/>
+                <a:ea typeface="微软雅黑" panose="020B0503020204020204" charset="-122"/>
+              </a:rPr>
+              <a:t>数据集：COCO 2017数据集</a:t>
+            </a:r>
+            <a:endParaRPr lang="zh-CN" altLang="en-US" sz="1600" b="0" i="0">
+              <a:solidFill>
+                <a:srgbClr val="000000"/>
+              </a:solidFill>
+              <a:latin typeface="微软雅黑" panose="020B0503020204020204" charset="-122"/>
+              <a:ea typeface="微软雅黑" panose="020B0503020204020204" charset="-122"/>
+            </a:endParaRPr>
+          </a:p>
+          <a:p>
+            <a:pPr marL="0" indent="0" algn="just"/>
+            <a:r>
+              <a:rPr lang="zh-CN" altLang="en-US" sz="1600" b="0" i="0">
+                <a:solidFill>
+                  <a:srgbClr val="000000"/>
+                </a:solidFill>
+                <a:latin typeface="微软雅黑" panose="020B0503020204020204" charset="-122"/>
+                <a:ea typeface="微软雅黑" panose="020B0503020204020204" charset="-122"/>
+              </a:rPr>
+              <a:t>硬件：NVIDIA Tesla V100 GPU</a:t>
+            </a:r>
+            <a:endParaRPr lang="zh-CN" altLang="en-US" sz="1600" b="0" i="0">
+              <a:solidFill>
+                <a:srgbClr val="000000"/>
+              </a:solidFill>
+              <a:latin typeface="微软雅黑" panose="020B0503020204020204" charset="-122"/>
+              <a:ea typeface="微软雅黑" panose="020B0503020204020204" charset="-122"/>
+            </a:endParaRPr>
+          </a:p>
+        </p:txBody>
+      </p:sp>
+      <p:sp>
+        <p:nvSpPr>
+          <p:cNvPr id="5" name="文本框 4"/>
+          <p:cNvSpPr txBox="1"/>
+          <p:nvPr>
+            <p:custDataLst>
+              <p:tags r:id="rId2"/>
+            </p:custDataLst>
+          </p:nvPr>
+        </p:nvSpPr>
+        <p:spPr>
+          <a:xfrm>
+            <a:off x="455295" y="845185"/>
+            <a:ext cx="1725930" cy="506730"/>
+          </a:xfrm>
+          <a:prstGeom prst="rect">
+            <a:avLst/>
+          </a:prstGeom>
+          <a:noFill/>
+        </p:spPr>
+        <p:txBody>
+          <a:bodyPr wrap="square" rtlCol="0">
+            <a:spAutoFit/>
+          </a:bodyPr>
+          <a:p>
+            <a:pPr marL="285750" indent="-285750">
+              <a:lnSpc>
+                <a:spcPct val="150000"/>
+              </a:lnSpc>
+              <a:buFont typeface="Wingdings" panose="05000000000000000000" charset="0"/>
+              <a:buChar char="p"/>
+            </a:pPr>
+            <a:r>
+              <a:rPr lang="zh-CN" altLang="en-US" b="1" dirty="0">
+                <a:latin typeface="微软雅黑" panose="020B0503020204020204" charset="-122"/>
+                <a:ea typeface="微软雅黑" panose="020B0503020204020204" charset="-122"/>
+              </a:rPr>
+              <a:t>实验背景：</a:t>
+            </a:r>
+            <a:endParaRPr lang="en-US" altLang="zh-CN" b="1" dirty="0">
+              <a:latin typeface="微软雅黑" panose="020B0503020204020204" charset="-122"/>
+              <a:ea typeface="微软雅黑" panose="020B0503020204020204" charset="-122"/>
+            </a:endParaRPr>
+          </a:p>
+        </p:txBody>
+      </p:sp>
+      <p:sp>
+        <p:nvSpPr>
+          <p:cNvPr id="4" name="文本框 3"/>
+          <p:cNvSpPr txBox="1"/>
+          <p:nvPr>
+            <p:custDataLst>
+              <p:tags r:id="rId3"/>
+            </p:custDataLst>
+          </p:nvPr>
+        </p:nvSpPr>
+        <p:spPr>
+          <a:xfrm>
+            <a:off x="455295" y="1983740"/>
+            <a:ext cx="1725930" cy="506730"/>
+          </a:xfrm>
+          <a:prstGeom prst="rect">
+            <a:avLst/>
+          </a:prstGeom>
+          <a:noFill/>
+        </p:spPr>
+        <p:txBody>
+          <a:bodyPr wrap="square" rtlCol="0">
+            <a:spAutoFit/>
+          </a:bodyPr>
+          <a:p>
+            <a:pPr marL="285750" indent="-285750">
+              <a:lnSpc>
+                <a:spcPct val="150000"/>
+              </a:lnSpc>
+              <a:buFont typeface="Wingdings" panose="05000000000000000000" charset="0"/>
+              <a:buChar char="p"/>
+            </a:pPr>
+            <a:r>
+              <a:rPr lang="zh-CN" altLang="en-US" b="1" dirty="0">
+                <a:latin typeface="微软雅黑" panose="020B0503020204020204" charset="-122"/>
+                <a:ea typeface="微软雅黑" panose="020B0503020204020204" charset="-122"/>
+              </a:rPr>
+              <a:t>和</a:t>
+            </a:r>
+            <a:r>
+              <a:rPr lang="en-US" altLang="zh-CN" b="1" dirty="0">
+                <a:latin typeface="微软雅黑" panose="020B0503020204020204" charset="-122"/>
+                <a:ea typeface="微软雅黑" panose="020B0503020204020204" charset="-122"/>
+              </a:rPr>
+              <a:t>detr</a:t>
+            </a:r>
+            <a:r>
+              <a:rPr lang="zh-CN" altLang="en-US" b="1" dirty="0">
+                <a:latin typeface="微软雅黑" panose="020B0503020204020204" charset="-122"/>
+                <a:ea typeface="微软雅黑" panose="020B0503020204020204" charset="-122"/>
+              </a:rPr>
+              <a:t>比较：</a:t>
+            </a:r>
+            <a:endParaRPr lang="en-US" altLang="zh-CN" b="1" dirty="0">
+              <a:latin typeface="微软雅黑" panose="020B0503020204020204" charset="-122"/>
+              <a:ea typeface="微软雅黑" panose="020B0503020204020204" charset="-122"/>
+            </a:endParaRPr>
+          </a:p>
+        </p:txBody>
+      </p:sp>
+      <p:pic>
+        <p:nvPicPr>
+          <p:cNvPr id="7" name="图片 6"/>
+          <p:cNvPicPr>
+            <a:picLocks noChangeAspect="1"/>
+          </p:cNvPicPr>
+          <p:nvPr/>
+        </p:nvPicPr>
+        <p:blipFill>
+          <a:blip r:embed="rId4"/>
+          <a:stretch>
+            <a:fillRect/>
+          </a:stretch>
+        </p:blipFill>
+        <p:spPr>
+          <a:xfrm>
+            <a:off x="106680" y="2490470"/>
+            <a:ext cx="5851525" cy="2183130"/>
+          </a:xfrm>
+          <a:prstGeom prst="rect">
+            <a:avLst/>
+          </a:prstGeom>
+        </p:spPr>
+      </p:pic>
+      <p:pic>
+        <p:nvPicPr>
+          <p:cNvPr id="10" name="图片 9"/>
+          <p:cNvPicPr>
+            <a:picLocks noChangeAspect="1"/>
+          </p:cNvPicPr>
+          <p:nvPr/>
+        </p:nvPicPr>
+        <p:blipFill>
+          <a:blip r:embed="rId5"/>
+          <a:stretch>
+            <a:fillRect/>
+          </a:stretch>
+        </p:blipFill>
+        <p:spPr>
+          <a:xfrm>
+            <a:off x="455295" y="4557395"/>
+            <a:ext cx="5204460" cy="2289810"/>
+          </a:xfrm>
+          <a:prstGeom prst="rect">
+            <a:avLst/>
+          </a:prstGeom>
+        </p:spPr>
+      </p:pic>
+    </p:spTree>
+  </p:cSld>
+  <p:clrMapOvr>
+    <a:masterClrMapping/>
+  </p:clrMapOvr>
+</p:sld>
+</file>
+
+<file path=ppt/slides/slide17.xml><?xml version="1.0" encoding="utf-8"?>
+<p:sld xmlns:a="http://schemas.openxmlformats.org/drawingml/2006/main" xmlns:r="http://schemas.openxmlformats.org/officeDocument/2006/relationships" xmlns:p="http://schemas.openxmlformats.org/presentationml/2006/main">
+  <p:cSld>
+    <p:spTree>
+      <p:nvGrpSpPr>
+        <p:cNvPr id="1" name=""/>
+        <p:cNvGrpSpPr/>
+        <p:nvPr/>
+      </p:nvGrpSpPr>
+      <p:grpSpPr>
+        <a:xfrm>
+          <a:off x="0" y="0"/>
+          <a:ext cx="0" cy="0"/>
+          <a:chOff x="0" y="0"/>
+          <a:chExt cx="0" cy="0"/>
+        </a:xfrm>
+      </p:grpSpPr>
+      <p:sp>
+        <p:nvSpPr>
+          <p:cNvPr id="13" name="文本框 12"/>
+          <p:cNvSpPr txBox="1"/>
+          <p:nvPr/>
+        </p:nvSpPr>
+        <p:spPr>
+          <a:xfrm>
+            <a:off x="106466" y="601786"/>
+            <a:ext cx="1541780" cy="398780"/>
+          </a:xfrm>
+          <a:prstGeom prst="rect">
+            <a:avLst/>
+          </a:prstGeom>
+          <a:noFill/>
+        </p:spPr>
+        <p:txBody>
+          <a:bodyPr wrap="none" rtlCol="0">
+            <a:spAutoFit/>
+          </a:bodyPr>
+          <a:lstStyle/>
+          <a:p>
+            <a:pPr marL="342900" indent="-342900">
+              <a:buFont typeface="Wingdings" panose="05000000000000000000" charset="0"/>
+              <a:buChar char="n"/>
+            </a:pPr>
+            <a:r>
+              <a:rPr lang="zh-CN" altLang="en-US" sz="2000" b="1" dirty="0">
+                <a:latin typeface="微软雅黑" panose="020B0503020204020204" charset="-122"/>
+                <a:ea typeface="微软雅黑" panose="020B0503020204020204" charset="-122"/>
+              </a:rPr>
+              <a:t>消融实验</a:t>
+            </a:r>
+            <a:endParaRPr lang="zh-CN" altLang="en-US" sz="2000" b="1" dirty="0">
+              <a:latin typeface="微软雅黑" panose="020B0503020204020204" charset="-122"/>
+              <a:ea typeface="微软雅黑" panose="020B0503020204020204" charset="-122"/>
+            </a:endParaRPr>
+          </a:p>
+        </p:txBody>
+      </p:sp>
+      <p:sp>
+        <p:nvSpPr>
+          <p:cNvPr id="6" name="矩形 5"/>
+          <p:cNvSpPr/>
+          <p:nvPr>
+            <p:custDataLst>
+              <p:tags r:id="rId1"/>
+            </p:custDataLst>
+          </p:nvPr>
+        </p:nvSpPr>
+        <p:spPr>
+          <a:xfrm>
+            <a:off x="-6350" y="0"/>
+            <a:ext cx="12198350" cy="540000"/>
+          </a:xfrm>
+          <a:prstGeom prst="rect">
+            <a:avLst/>
+          </a:prstGeom>
+          <a:solidFill>
+            <a:srgbClr val="A099CB"/>
+          </a:solidFill>
+          <a:ln>
+            <a:noFill/>
+          </a:ln>
+        </p:spPr>
+        <p:style>
+          <a:lnRef idx="2">
+            <a:schemeClr val="accent1">
+              <a:shade val="50000"/>
+            </a:schemeClr>
+          </a:lnRef>
+          <a:fillRef idx="1">
+            <a:schemeClr val="accent1"/>
+          </a:fillRef>
+          <a:effectRef idx="0">
+            <a:schemeClr val="accent1"/>
+          </a:effectRef>
+          <a:fontRef idx="minor">
+            <a:schemeClr val="lt1"/>
+          </a:fontRef>
+        </p:style>
+        <p:txBody>
+          <a:bodyPr rtlCol="0" anchor="ctr"/>
+          <a:p>
+            <a:pPr marL="0" marR="0" lvl="0" indent="0" algn="ctr" defTabSz="914400" rtl="0" eaLnBrk="1" fontAlgn="auto" latinLnBrk="0" hangingPunct="1">
+              <a:lnSpc>
+                <a:spcPct val="100000"/>
+              </a:lnSpc>
+              <a:spcBef>
+                <a:spcPts val="0"/>
+              </a:spcBef>
+              <a:spcAft>
+                <a:spcPts val="0"/>
+              </a:spcAft>
+              <a:buClrTx/>
+              <a:buSzTx/>
+              <a:buFontTx/>
+              <a:buNone/>
+              <a:defRPr/>
+            </a:pPr>
+            <a:r>
+              <a:rPr lang="en-US" altLang="zh-CN" dirty="0">
+                <a:effectLst/>
+                <a:latin typeface="微软雅黑" panose="020B0503020204020204" charset="-122"/>
+                <a:ea typeface="微软雅黑" panose="020B0503020204020204" charset="-122"/>
+                <a:sym typeface="+mn-ea"/>
+              </a:rPr>
+              <a:t>2.DEFORMABLE DETR: DEFORMABLE TRANSFORMERS FOR END-TO-END OBJECT DETECTION</a:t>
+            </a:r>
+            <a:endParaRPr lang="en-US" altLang="zh-CN" dirty="0">
+              <a:effectLst/>
+              <a:latin typeface="微软雅黑" panose="020B0503020204020204" charset="-122"/>
+              <a:ea typeface="微软雅黑" panose="020B0503020204020204" charset="-122"/>
+            </a:endParaRPr>
+          </a:p>
+        </p:txBody>
+      </p:sp>
+      <p:sp>
+        <p:nvSpPr>
+          <p:cNvPr id="2" name="文本框 1"/>
+          <p:cNvSpPr txBox="1"/>
+          <p:nvPr/>
+        </p:nvSpPr>
+        <p:spPr>
+          <a:xfrm>
+            <a:off x="567055" y="1351915"/>
+            <a:ext cx="11280140" cy="583565"/>
+          </a:xfrm>
+          <a:prstGeom prst="rect">
+            <a:avLst/>
+          </a:prstGeom>
+        </p:spPr>
+        <p:txBody>
+          <a:bodyPr wrap="square">
+            <a:spAutoFit/>
+          </a:bodyPr>
+          <a:p>
+            <a:pPr marL="0" indent="0" algn="just"/>
+            <a:r>
+              <a:rPr lang="zh-CN" altLang="en-US" sz="1600" b="0" i="0">
+                <a:solidFill>
+                  <a:srgbClr val="000000"/>
+                </a:solidFill>
+                <a:latin typeface="微软雅黑" panose="020B0503020204020204" charset="-122"/>
+                <a:ea typeface="微软雅黑" panose="020B0503020204020204" charset="-122"/>
+              </a:rPr>
+              <a:t>数据集：COCO 2017数据集</a:t>
+            </a:r>
+            <a:endParaRPr lang="zh-CN" altLang="en-US" sz="1600" b="0" i="0">
+              <a:solidFill>
+                <a:srgbClr val="000000"/>
+              </a:solidFill>
+              <a:latin typeface="微软雅黑" panose="020B0503020204020204" charset="-122"/>
+              <a:ea typeface="微软雅黑" panose="020B0503020204020204" charset="-122"/>
+            </a:endParaRPr>
+          </a:p>
+          <a:p>
+            <a:pPr marL="0" indent="0" algn="just"/>
+            <a:r>
+              <a:rPr lang="zh-CN" altLang="en-US" sz="1600" b="0" i="0">
+                <a:solidFill>
+                  <a:srgbClr val="000000"/>
+                </a:solidFill>
+                <a:latin typeface="微软雅黑" panose="020B0503020204020204" charset="-122"/>
+                <a:ea typeface="微软雅黑" panose="020B0503020204020204" charset="-122"/>
+              </a:rPr>
+              <a:t>硬件：NVIDIA Tesla V100 GPU</a:t>
+            </a:r>
+            <a:endParaRPr lang="zh-CN" altLang="en-US" sz="1600" b="0" i="0">
+              <a:solidFill>
+                <a:srgbClr val="000000"/>
+              </a:solidFill>
+              <a:latin typeface="微软雅黑" panose="020B0503020204020204" charset="-122"/>
+              <a:ea typeface="微软雅黑" panose="020B0503020204020204" charset="-122"/>
+            </a:endParaRPr>
+          </a:p>
+        </p:txBody>
+      </p:sp>
+      <p:sp>
+        <p:nvSpPr>
+          <p:cNvPr id="5" name="文本框 4"/>
+          <p:cNvSpPr txBox="1"/>
+          <p:nvPr>
+            <p:custDataLst>
+              <p:tags r:id="rId2"/>
+            </p:custDataLst>
+          </p:nvPr>
+        </p:nvSpPr>
+        <p:spPr>
+          <a:xfrm>
+            <a:off x="455295" y="845185"/>
+            <a:ext cx="1725930" cy="506730"/>
+          </a:xfrm>
+          <a:prstGeom prst="rect">
+            <a:avLst/>
+          </a:prstGeom>
+          <a:noFill/>
+        </p:spPr>
+        <p:txBody>
+          <a:bodyPr wrap="square" rtlCol="0">
+            <a:spAutoFit/>
+          </a:bodyPr>
+          <a:p>
+            <a:pPr marL="285750" indent="-285750">
+              <a:lnSpc>
+                <a:spcPct val="150000"/>
+              </a:lnSpc>
+              <a:buFont typeface="Wingdings" panose="05000000000000000000" charset="0"/>
+              <a:buChar char="p"/>
+            </a:pPr>
+            <a:r>
+              <a:rPr lang="zh-CN" altLang="en-US" b="1" dirty="0">
+                <a:latin typeface="微软雅黑" panose="020B0503020204020204" charset="-122"/>
+                <a:ea typeface="微软雅黑" panose="020B0503020204020204" charset="-122"/>
+              </a:rPr>
+              <a:t>实验背景：</a:t>
+            </a:r>
+            <a:endParaRPr lang="en-US" altLang="zh-CN" b="1" dirty="0">
+              <a:latin typeface="微软雅黑" panose="020B0503020204020204" charset="-122"/>
+              <a:ea typeface="微软雅黑" panose="020B0503020204020204" charset="-122"/>
+            </a:endParaRPr>
+          </a:p>
+        </p:txBody>
+      </p:sp>
+      <p:pic>
+        <p:nvPicPr>
+          <p:cNvPr id="3" name="图片 2"/>
+          <p:cNvPicPr>
+            <a:picLocks noChangeAspect="1"/>
+          </p:cNvPicPr>
+          <p:nvPr/>
+        </p:nvPicPr>
+        <p:blipFill>
+          <a:blip r:embed="rId3"/>
+          <a:stretch>
+            <a:fillRect/>
+          </a:stretch>
+        </p:blipFill>
+        <p:spPr>
+          <a:xfrm>
+            <a:off x="567055" y="2195195"/>
+            <a:ext cx="10210800" cy="3416300"/>
+          </a:xfrm>
+          <a:prstGeom prst="rect">
+            <a:avLst/>
+          </a:prstGeom>
+        </p:spPr>
+      </p:pic>
+    </p:spTree>
+  </p:cSld>
+  <p:clrMapOvr>
+    <a:masterClrMapping/>
+  </p:clrMapOvr>
+</p:sld>
+</file>
+
+<file path=ppt/slides/slide18.xml><?xml version="1.0" encoding="utf-8"?>
+<p:sld xmlns:a="http://schemas.openxmlformats.org/drawingml/2006/main" xmlns:r="http://schemas.openxmlformats.org/officeDocument/2006/relationships" xmlns:p="http://schemas.openxmlformats.org/presentationml/2006/main">
+  <p:cSld>
+    <p:spTree>
+      <p:nvGrpSpPr>
+        <p:cNvPr id="1" name=""/>
+        <p:cNvGrpSpPr/>
+        <p:nvPr/>
+      </p:nvGrpSpPr>
+      <p:grpSpPr>
+        <a:xfrm>
+          <a:off x="0" y="0"/>
+          <a:ext cx="0" cy="0"/>
+          <a:chOff x="0" y="0"/>
+          <a:chExt cx="0" cy="0"/>
+        </a:xfrm>
+      </p:grpSpPr>
+      <p:sp>
+        <p:nvSpPr>
+          <p:cNvPr id="7" name="文本框 6"/>
+          <p:cNvSpPr txBox="1"/>
+          <p:nvPr/>
+        </p:nvSpPr>
+        <p:spPr>
+          <a:xfrm>
+            <a:off x="724535" y="1323340"/>
+            <a:ext cx="2247900" cy="410845"/>
+          </a:xfrm>
+          <a:prstGeom prst="rect">
+            <a:avLst/>
+          </a:prstGeom>
+          <a:noFill/>
+        </p:spPr>
+        <p:txBody>
+          <a:bodyPr wrap="square">
+            <a:noAutofit/>
+          </a:bodyPr>
+          <a:lstStyle/>
+          <a:p>
+            <a:pPr algn="l" fontAlgn="auto">
+              <a:lnSpc>
+                <a:spcPts val="2200"/>
+              </a:lnSpc>
+              <a:buClrTx/>
+              <a:buSzTx/>
+              <a:buNone/>
+            </a:pPr>
+            <a:endParaRPr lang="zh-CN" altLang="en-US" sz="1600" dirty="0">
+              <a:latin typeface="微软雅黑" panose="020B0503020204020204" charset="-122"/>
+              <a:ea typeface="微软雅黑" panose="020B0503020204020204" charset="-122"/>
+            </a:endParaRPr>
+          </a:p>
+        </p:txBody>
+      </p:sp>
+      <p:sp>
+        <p:nvSpPr>
+          <p:cNvPr id="3" name="矩形 2"/>
+          <p:cNvSpPr/>
+          <p:nvPr>
+            <p:custDataLst>
+              <p:tags r:id="rId1"/>
+            </p:custDataLst>
+          </p:nvPr>
+        </p:nvSpPr>
+        <p:spPr>
+          <a:xfrm>
+            <a:off x="-6350" y="0"/>
+            <a:ext cx="12198350" cy="540000"/>
+          </a:xfrm>
+          <a:prstGeom prst="rect">
+            <a:avLst/>
+          </a:prstGeom>
+          <a:solidFill>
+            <a:srgbClr val="A099CB"/>
+          </a:solidFill>
+          <a:ln>
+            <a:noFill/>
+          </a:ln>
+        </p:spPr>
+        <p:style>
+          <a:lnRef idx="2">
+            <a:schemeClr val="accent1">
+              <a:shade val="50000"/>
+            </a:schemeClr>
+          </a:lnRef>
+          <a:fillRef idx="1">
+            <a:schemeClr val="accent1"/>
+          </a:fillRef>
+          <a:effectRef idx="0">
+            <a:schemeClr val="accent1"/>
+          </a:effectRef>
+          <a:fontRef idx="minor">
+            <a:schemeClr val="lt1"/>
+          </a:fontRef>
+        </p:style>
+        <p:txBody>
+          <a:bodyPr rtlCol="0" anchor="ctr"/>
+          <a:p>
+            <a:pPr marL="0" marR="0" lvl="0" indent="0" algn="ctr" defTabSz="914400" rtl="0" eaLnBrk="1" fontAlgn="auto" latinLnBrk="0" hangingPunct="1">
+              <a:lnSpc>
+                <a:spcPct val="100000"/>
+              </a:lnSpc>
+              <a:spcBef>
+                <a:spcPts val="0"/>
+              </a:spcBef>
+              <a:spcAft>
+                <a:spcPts val="0"/>
+              </a:spcAft>
+              <a:buClrTx/>
+              <a:buSzTx/>
+              <a:buFontTx/>
+              <a:buNone/>
+              <a:defRPr/>
+            </a:pPr>
+            <a:r>
+              <a:rPr lang="en-US" altLang="zh-CN" dirty="0">
+                <a:effectLst/>
+                <a:latin typeface="微软雅黑" panose="020B0503020204020204" charset="-122"/>
+                <a:ea typeface="微软雅黑" panose="020B0503020204020204" charset="-122"/>
               </a:rPr>
               <a:t>3.</a:t>
             </a:r>
@@ -7594,7 +8759,7 @@
 </p:sld>
 </file>
 
-<file path=ppt/slides/slide17.xml><?xml version="1.0" encoding="utf-8"?>
+<file path=ppt/slides/slide19.xml><?xml version="1.0" encoding="utf-8"?>
 <p:sld xmlns:a="http://schemas.openxmlformats.org/drawingml/2006/main" xmlns:r="http://schemas.openxmlformats.org/officeDocument/2006/relationships" xmlns:p="http://schemas.openxmlformats.org/presentationml/2006/main">
   <p:cSld>
     <p:spTree>
@@ -12633,6 +13798,30 @@
 </file>
 
 <file path=ppt/tags/tag34.xml><?xml version="1.0" encoding="utf-8"?>
+<p:tagLst xmlns:p="http://schemas.openxmlformats.org/presentationml/2006/main">
+  <p:tag name="KSO_WM_BEAUTIFY_FLAG" val=""/>
+</p:tagLst>
+</file>
+
+<file path=ppt/tags/tag35.xml><?xml version="1.0" encoding="utf-8"?>
+<p:tagLst xmlns:p="http://schemas.openxmlformats.org/presentationml/2006/main">
+  <p:tag name="KSO_WM_BEAUTIFY_FLAG" val=""/>
+</p:tagLst>
+</file>
+
+<file path=ppt/tags/tag36.xml><?xml version="1.0" encoding="utf-8"?>
+<p:tagLst xmlns:p="http://schemas.openxmlformats.org/presentationml/2006/main">
+  <p:tag name="KSO_WM_BEAUTIFY_FLAG" val=""/>
+</p:tagLst>
+</file>
+
+<file path=ppt/tags/tag37.xml><?xml version="1.0" encoding="utf-8"?>
+<p:tagLst xmlns:p="http://schemas.openxmlformats.org/presentationml/2006/main">
+  <p:tag name="KSO_WM_BEAUTIFY_FLAG" val=""/>
+</p:tagLst>
+</file>
+
+<file path=ppt/tags/tag38.xml><?xml version="1.0" encoding="utf-8"?>
 <p:tagLst xmlns:p="http://schemas.openxmlformats.org/presentationml/2006/main">
   <p:tag name="KSO_WPP_MARK_KEY" val="c7925d13-95db-4618-ac98-c22196edd7f9"/>
   <p:tag name="COMMONDATA" val="eyJoZGlkIjoiZTg3MzIzMDhlODgyZTlkYzQ0OWY3ZDI2YzlhMjBjMGIifQ=="/>
